--- a/Presentations/20211207_rotation_summary.pptx
+++ b/Presentations/20211207_rotation_summary.pptx
@@ -211,7 +211,7 @@
           <a:p>
             <a:fld id="{84C11A7C-E6D0-4080-BD00-B0EB0C377D04}" type="datetimeFigureOut">
               <a:rPr lang="en-US" smtClean="0"/>
-              <a:t>11/9/21</a:t>
+              <a:t>12/2/21</a:t>
             </a:fld>
             <a:endParaRPr lang="en-US"/>
           </a:p>
@@ -376,7 +376,7 @@
           <a:p>
             <a:fld id="{11E61C0E-5368-4CF4-8367-57DB5D6107AC}" type="datetimeFigureOut">
               <a:rPr lang="en-US" smtClean="0"/>
-              <a:t>11/9/21</a:t>
+              <a:t>12/2/21</a:t>
             </a:fld>
             <a:endParaRPr lang="en-US"/>
           </a:p>
@@ -1209,7 +1209,7 @@
           <a:p>
             <a:fld id="{2B012B86-9385-4718-8278-8CFD13DE26B4}" type="datetimeFigureOut">
               <a:rPr lang="en-US" smtClean="0"/>
-              <a:t>11/9/21</a:t>
+              <a:t>12/2/21</a:t>
             </a:fld>
             <a:endParaRPr lang="en-US"/>
           </a:p>
@@ -1419,7 +1419,7 @@
           <a:p>
             <a:fld id="{2B012B86-9385-4718-8278-8CFD13DE26B4}" type="datetimeFigureOut">
               <a:rPr lang="en-US" smtClean="0"/>
-              <a:t>11/9/21</a:t>
+              <a:t>12/2/21</a:t>
             </a:fld>
             <a:endParaRPr lang="en-US"/>
           </a:p>
@@ -1629,7 +1629,7 @@
           <a:p>
             <a:fld id="{2B012B86-9385-4718-8278-8CFD13DE26B4}" type="datetimeFigureOut">
               <a:rPr lang="en-US" smtClean="0"/>
-              <a:t>11/9/21</a:t>
+              <a:t>12/2/21</a:t>
             </a:fld>
             <a:endParaRPr lang="en-US"/>
           </a:p>
@@ -1839,7 +1839,7 @@
           <a:p>
             <a:fld id="{2B012B86-9385-4718-8278-8CFD13DE26B4}" type="datetimeFigureOut">
               <a:rPr lang="en-US" smtClean="0"/>
-              <a:t>11/9/21</a:t>
+              <a:t>12/2/21</a:t>
             </a:fld>
             <a:endParaRPr lang="en-US"/>
           </a:p>
@@ -2113,7 +2113,7 @@
           <a:p>
             <a:fld id="{2B012B86-9385-4718-8278-8CFD13DE26B4}" type="datetimeFigureOut">
               <a:rPr lang="en-US" smtClean="0"/>
-              <a:t>11/9/21</a:t>
+              <a:t>12/2/21</a:t>
             </a:fld>
             <a:endParaRPr lang="en-US"/>
           </a:p>
@@ -2383,7 +2383,7 @@
           <a:p>
             <a:fld id="{2B012B86-9385-4718-8278-8CFD13DE26B4}" type="datetimeFigureOut">
               <a:rPr lang="en-US" smtClean="0"/>
-              <a:t>11/9/21</a:t>
+              <a:t>12/2/21</a:t>
             </a:fld>
             <a:endParaRPr lang="en-US"/>
           </a:p>
@@ -2789,7 +2789,7 @@
           <a:p>
             <a:fld id="{2B012B86-9385-4718-8278-8CFD13DE26B4}" type="datetimeFigureOut">
               <a:rPr lang="en-US" smtClean="0"/>
-              <a:t>11/9/21</a:t>
+              <a:t>12/2/21</a:t>
             </a:fld>
             <a:endParaRPr lang="en-US"/>
           </a:p>
@@ -2939,7 +2939,7 @@
           <a:p>
             <a:fld id="{2B012B86-9385-4718-8278-8CFD13DE26B4}" type="datetimeFigureOut">
               <a:rPr lang="en-US" smtClean="0"/>
-              <a:t>11/9/21</a:t>
+              <a:t>12/2/21</a:t>
             </a:fld>
             <a:endParaRPr lang="en-US"/>
           </a:p>
@@ -3058,7 +3058,7 @@
           <a:p>
             <a:fld id="{2B012B86-9385-4718-8278-8CFD13DE26B4}" type="datetimeFigureOut">
               <a:rPr lang="en-US" smtClean="0"/>
-              <a:t>11/9/21</a:t>
+              <a:t>12/2/21</a:t>
             </a:fld>
             <a:endParaRPr lang="en-US"/>
           </a:p>
@@ -3368,7 +3368,7 @@
           <a:p>
             <a:fld id="{2B012B86-9385-4718-8278-8CFD13DE26B4}" type="datetimeFigureOut">
               <a:rPr lang="en-US" smtClean="0"/>
-              <a:t>11/9/21</a:t>
+              <a:t>12/2/21</a:t>
             </a:fld>
             <a:endParaRPr lang="en-US"/>
           </a:p>
@@ -3658,7 +3658,7 @@
           <a:p>
             <a:fld id="{2B012B86-9385-4718-8278-8CFD13DE26B4}" type="datetimeFigureOut">
               <a:rPr lang="en-US" smtClean="0"/>
-              <a:t>11/9/21</a:t>
+              <a:t>12/2/21</a:t>
             </a:fld>
             <a:endParaRPr lang="en-US"/>
           </a:p>
@@ -4074,7 +4074,7 @@
                 <a:ea typeface="Malgun Gothic" panose="020B0503020000020004" pitchFamily="34" charset="-127"/>
                 <a:cs typeface="+mn-cs"/>
               </a:rPr>
-              <a:t>Group Meeting  10/25/2021</a:t>
+              <a:t>Rotation Seminar 12/7/2021</a:t>
             </a:r>
           </a:p>
           <a:p>
@@ -4297,6 +4297,218 @@
           <a:prstGeom prst="rect">
             <a:avLst/>
           </a:prstGeom>
+        </p:spPr>
+      </p:pic>
+      <p:sp>
+        <p:nvSpPr>
+          <p:cNvPr id="10" name="TextBox 9">
+            <a:extLst>
+              <a:ext uri="{FF2B5EF4-FFF2-40B4-BE49-F238E27FC236}">
+                <a16:creationId xmlns:a16="http://schemas.microsoft.com/office/drawing/2014/main" id="{C691C680-CDE4-414B-AE1C-ECCFAC0769ED}"/>
+              </a:ext>
+            </a:extLst>
+          </p:cNvPr>
+          <p:cNvSpPr txBox="1"/>
+          <p:nvPr userDrawn="1"/>
+        </p:nvSpPr>
+        <p:spPr>
+          <a:xfrm>
+            <a:off x="651319" y="6621992"/>
+            <a:ext cx="2824480" cy="261610"/>
+          </a:xfrm>
+          <a:prstGeom prst="rect">
+            <a:avLst/>
+          </a:prstGeom>
+          <a:noFill/>
+        </p:spPr>
+        <p:txBody>
+          <a:bodyPr wrap="square">
+            <a:spAutoFit/>
+          </a:bodyPr>
+          <a:lstStyle/>
+          <a:p>
+            <a:pPr marL="0" marR="0" lvl="0" indent="0" algn="l" defTabSz="914400" rtl="0" eaLnBrk="1" fontAlgn="auto" latinLnBrk="0" hangingPunct="1">
+              <a:lnSpc>
+                <a:spcPct val="100000"/>
+              </a:lnSpc>
+              <a:spcBef>
+                <a:spcPts val="0"/>
+              </a:spcBef>
+              <a:spcAft>
+                <a:spcPts val="0"/>
+              </a:spcAft>
+              <a:buClrTx/>
+              <a:buSzTx/>
+              <a:buFontTx/>
+              <a:buNone/>
+              <a:tabLst/>
+              <a:defRPr/>
+            </a:pPr>
+            <a:r>
+              <a:rPr kumimoji="0" lang="en-US" sz="1100" b="0" i="0" u="none" strike="noStrike" kern="1200" cap="none" spc="0" normalizeH="0" baseline="0" noProof="0" dirty="0">
+                <a:ln>
+                  <a:noFill/>
+                </a:ln>
+                <a:solidFill>
+                  <a:schemeClr val="tx1">
+                    <a:lumMod val="65000"/>
+                    <a:lumOff val="35000"/>
+                  </a:schemeClr>
+                </a:solidFill>
+                <a:effectLst/>
+                <a:uLnTx/>
+                <a:uFillTx/>
+                <a:latin typeface="Above DEMO" pitchFamily="2" charset="0"/>
+                <a:ea typeface="Malgun Gothic" panose="020B0503020000020004" pitchFamily="34" charset="-127"/>
+                <a:cs typeface="+mn-cs"/>
+              </a:rPr>
+              <a:t>:</a:t>
+            </a:r>
+            <a:r>
+              <a:rPr kumimoji="0" lang="en-US" sz="1100" b="0" i="1" u="none" strike="noStrike" kern="1200" cap="none" spc="0" normalizeH="0" baseline="0" noProof="0" dirty="0">
+                <a:ln>
+                  <a:noFill/>
+                </a:ln>
+                <a:solidFill>
+                  <a:schemeClr val="tx1">
+                    <a:lumMod val="65000"/>
+                    <a:lumOff val="35000"/>
+                  </a:schemeClr>
+                </a:solidFill>
+                <a:effectLst/>
+                <a:uLnTx/>
+                <a:uFillTx/>
+                <a:latin typeface="Above DEMO" pitchFamily="2" charset="0"/>
+                <a:ea typeface="Malgun Gothic" panose="020B0503020000020004" pitchFamily="34" charset="-127"/>
+                <a:cs typeface="+mn-cs"/>
+              </a:rPr>
+              <a:t> </a:t>
+            </a:r>
+            <a:r>
+              <a:rPr kumimoji="0" lang="en-US" sz="1100" b="0" i="1" u="none" strike="noStrike" kern="1200" cap="none" spc="0" normalizeH="0" baseline="0" noProof="0" dirty="0" err="1">
+                <a:ln>
+                  <a:noFill/>
+                </a:ln>
+                <a:solidFill>
+                  <a:schemeClr val="tx1">
+                    <a:lumMod val="65000"/>
+                    <a:lumOff val="35000"/>
+                  </a:schemeClr>
+                </a:solidFill>
+                <a:effectLst/>
+                <a:uLnTx/>
+                <a:uFillTx/>
+                <a:latin typeface="Above DEMO" pitchFamily="2" charset="0"/>
+                <a:ea typeface="Malgun Gothic" panose="020B0503020000020004" pitchFamily="34" charset="-127"/>
+                <a:cs typeface="+mn-cs"/>
+              </a:rPr>
+              <a:t>sryoshida</a:t>
+            </a:r>
+            <a:r>
+              <a:rPr kumimoji="0" lang="en-US" sz="1100" b="0" i="1" u="none" strike="noStrike" kern="1200" cap="none" spc="0" normalizeH="0" baseline="0" noProof="0" dirty="0">
+                <a:ln>
+                  <a:noFill/>
+                </a:ln>
+                <a:solidFill>
+                  <a:schemeClr val="tx1">
+                    <a:lumMod val="65000"/>
+                    <a:lumOff val="35000"/>
+                  </a:schemeClr>
+                </a:solidFill>
+                <a:effectLst/>
+                <a:uLnTx/>
+                <a:uFillTx/>
+                <a:latin typeface="Above DEMO" pitchFamily="2" charset="0"/>
+                <a:ea typeface="Malgun Gothic" panose="020B0503020000020004" pitchFamily="34" charset="-127"/>
+                <a:cs typeface="+mn-cs"/>
+              </a:rPr>
+              <a:t>/</a:t>
+            </a:r>
+            <a:r>
+              <a:rPr kumimoji="0" lang="en-US" sz="1100" b="0" i="1" u="none" strike="noStrike" kern="1200" cap="none" spc="0" normalizeH="0" baseline="0" noProof="0" dirty="0" err="1">
+                <a:ln>
+                  <a:noFill/>
+                </a:ln>
+                <a:solidFill>
+                  <a:schemeClr val="tx1">
+                    <a:lumMod val="65000"/>
+                    <a:lumOff val="35000"/>
+                  </a:schemeClr>
+                </a:solidFill>
+                <a:effectLst/>
+                <a:uLnTx/>
+                <a:uFillTx/>
+                <a:latin typeface="Above DEMO" pitchFamily="2" charset="0"/>
+                <a:ea typeface="Malgun Gothic" panose="020B0503020000020004" pitchFamily="34" charset="-127"/>
+                <a:cs typeface="+mn-cs"/>
+              </a:rPr>
+              <a:t>scgroup_rotation_project</a:t>
+            </a:r>
+            <a:endParaRPr kumimoji="0" lang="en-US" sz="1100" b="0" i="1" u="none" strike="noStrike" kern="1200" cap="none" spc="0" normalizeH="0" baseline="0" noProof="0" dirty="0">
+              <a:ln>
+                <a:noFill/>
+              </a:ln>
+              <a:solidFill>
+                <a:schemeClr val="tx1">
+                  <a:lumMod val="65000"/>
+                  <a:lumOff val="35000"/>
+                </a:schemeClr>
+              </a:solidFill>
+              <a:effectLst/>
+              <a:uLnTx/>
+              <a:uFillTx/>
+              <a:latin typeface="Arial Narrow" panose="020B0606020202030204" pitchFamily="34" charset="0"/>
+              <a:ea typeface="Malgun Gothic" panose="020B0503020000020004" pitchFamily="34" charset="-127"/>
+              <a:cs typeface="+mn-cs"/>
+            </a:endParaRPr>
+          </a:p>
+        </p:txBody>
+      </p:sp>
+      <p:pic>
+        <p:nvPicPr>
+          <p:cNvPr id="1026" name="Picture 2" descr="GitHub Logo, history, meaning, symbol, PNG">
+            <a:extLst>
+              <a:ext uri="{FF2B5EF4-FFF2-40B4-BE49-F238E27FC236}">
+                <a16:creationId xmlns:a16="http://schemas.microsoft.com/office/drawing/2014/main" id="{46BE36CD-3074-FD42-B89A-9ED28309E3A3}"/>
+              </a:ext>
+            </a:extLst>
+          </p:cNvPr>
+          <p:cNvPicPr>
+            <a:picLocks noChangeAspect="1" noChangeArrowheads="1"/>
+          </p:cNvPicPr>
+          <p:nvPr userDrawn="1"/>
+        </p:nvPicPr>
+        <p:blipFill>
+          <a:blip r:embed="rId15">
+            <a:extLst>
+              <a:ext uri="{28A0092B-C50C-407E-A947-70E740481C1C}">
+                <a14:useLocalDpi xmlns:a14="http://schemas.microsoft.com/office/drawing/2010/main" val="0"/>
+              </a:ext>
+            </a:extLst>
+          </a:blip>
+          <a:srcRect/>
+          <a:stretch>
+            <a:fillRect/>
+          </a:stretch>
+        </p:blipFill>
+        <p:spPr bwMode="auto">
+          <a:xfrm>
+            <a:off x="17476" y="6549468"/>
+            <a:ext cx="717270" cy="403464"/>
+          </a:xfrm>
+          <a:prstGeom prst="rect">
+            <a:avLst/>
+          </a:prstGeom>
+          <a:noFill/>
+          <a:extLst>
+            <a:ext uri="{909E8E84-426E-40DD-AFC4-6F175D3DCCD1}">
+              <a14:hiddenFill xmlns:a14="http://schemas.microsoft.com/office/drawing/2010/main">
+                <a:solidFill>
+                  <a:srgbClr val="FFFFFF"/>
+                </a:solidFill>
+              </a14:hiddenFill>
+            </a:ext>
+          </a:extLst>
         </p:spPr>
       </p:pic>
     </p:spTree>
@@ -4783,7 +4995,7 @@
         </p:nvGrpSpPr>
         <p:grpSpPr>
           <a:xfrm>
-            <a:off x="186201" y="963747"/>
+            <a:off x="174169" y="951715"/>
             <a:ext cx="1913598" cy="5712235"/>
             <a:chOff x="3734931" y="3097071"/>
             <a:chExt cx="1650429" cy="4926656"/>

--- a/Presentations/20211207_rotation_summary.pptx
+++ b/Presentations/20211207_rotation_summary.pptx
@@ -211,7 +211,7 @@
           <a:p>
             <a:fld id="{84C11A7C-E6D0-4080-BD00-B0EB0C377D04}" type="datetimeFigureOut">
               <a:rPr lang="en-US" smtClean="0"/>
-              <a:t>12/2/21</a:t>
+              <a:t>12/6/21</a:t>
             </a:fld>
             <a:endParaRPr lang="en-US"/>
           </a:p>
@@ -376,7 +376,7 @@
           <a:p>
             <a:fld id="{11E61C0E-5368-4CF4-8367-57DB5D6107AC}" type="datetimeFigureOut">
               <a:rPr lang="en-US" smtClean="0"/>
-              <a:t>12/2/21</a:t>
+              <a:t>12/6/21</a:t>
             </a:fld>
             <a:endParaRPr lang="en-US"/>
           </a:p>
@@ -1209,7 +1209,7 @@
           <a:p>
             <a:fld id="{2B012B86-9385-4718-8278-8CFD13DE26B4}" type="datetimeFigureOut">
               <a:rPr lang="en-US" smtClean="0"/>
-              <a:t>12/2/21</a:t>
+              <a:t>12/6/21</a:t>
             </a:fld>
             <a:endParaRPr lang="en-US"/>
           </a:p>
@@ -1419,7 +1419,7 @@
           <a:p>
             <a:fld id="{2B012B86-9385-4718-8278-8CFD13DE26B4}" type="datetimeFigureOut">
               <a:rPr lang="en-US" smtClean="0"/>
-              <a:t>12/2/21</a:t>
+              <a:t>12/6/21</a:t>
             </a:fld>
             <a:endParaRPr lang="en-US"/>
           </a:p>
@@ -1629,7 +1629,7 @@
           <a:p>
             <a:fld id="{2B012B86-9385-4718-8278-8CFD13DE26B4}" type="datetimeFigureOut">
               <a:rPr lang="en-US" smtClean="0"/>
-              <a:t>12/2/21</a:t>
+              <a:t>12/6/21</a:t>
             </a:fld>
             <a:endParaRPr lang="en-US"/>
           </a:p>
@@ -1839,7 +1839,7 @@
           <a:p>
             <a:fld id="{2B012B86-9385-4718-8278-8CFD13DE26B4}" type="datetimeFigureOut">
               <a:rPr lang="en-US" smtClean="0"/>
-              <a:t>12/2/21</a:t>
+              <a:t>12/6/21</a:t>
             </a:fld>
             <a:endParaRPr lang="en-US"/>
           </a:p>
@@ -2113,7 +2113,7 @@
           <a:p>
             <a:fld id="{2B012B86-9385-4718-8278-8CFD13DE26B4}" type="datetimeFigureOut">
               <a:rPr lang="en-US" smtClean="0"/>
-              <a:t>12/2/21</a:t>
+              <a:t>12/6/21</a:t>
             </a:fld>
             <a:endParaRPr lang="en-US"/>
           </a:p>
@@ -2383,7 +2383,7 @@
           <a:p>
             <a:fld id="{2B012B86-9385-4718-8278-8CFD13DE26B4}" type="datetimeFigureOut">
               <a:rPr lang="en-US" smtClean="0"/>
-              <a:t>12/2/21</a:t>
+              <a:t>12/6/21</a:t>
             </a:fld>
             <a:endParaRPr lang="en-US"/>
           </a:p>
@@ -2789,7 +2789,7 @@
           <a:p>
             <a:fld id="{2B012B86-9385-4718-8278-8CFD13DE26B4}" type="datetimeFigureOut">
               <a:rPr lang="en-US" smtClean="0"/>
-              <a:t>12/2/21</a:t>
+              <a:t>12/6/21</a:t>
             </a:fld>
             <a:endParaRPr lang="en-US"/>
           </a:p>
@@ -2939,7 +2939,7 @@
           <a:p>
             <a:fld id="{2B012B86-9385-4718-8278-8CFD13DE26B4}" type="datetimeFigureOut">
               <a:rPr lang="en-US" smtClean="0"/>
-              <a:t>12/2/21</a:t>
+              <a:t>12/6/21</a:t>
             </a:fld>
             <a:endParaRPr lang="en-US"/>
           </a:p>
@@ -3058,7 +3058,7 @@
           <a:p>
             <a:fld id="{2B012B86-9385-4718-8278-8CFD13DE26B4}" type="datetimeFigureOut">
               <a:rPr lang="en-US" smtClean="0"/>
-              <a:t>12/2/21</a:t>
+              <a:t>12/6/21</a:t>
             </a:fld>
             <a:endParaRPr lang="en-US"/>
           </a:p>
@@ -3368,7 +3368,7 @@
           <a:p>
             <a:fld id="{2B012B86-9385-4718-8278-8CFD13DE26B4}" type="datetimeFigureOut">
               <a:rPr lang="en-US" smtClean="0"/>
-              <a:t>12/2/21</a:t>
+              <a:t>12/6/21</a:t>
             </a:fld>
             <a:endParaRPr lang="en-US"/>
           </a:p>
@@ -3658,7 +3658,7 @@
           <a:p>
             <a:fld id="{2B012B86-9385-4718-8278-8CFD13DE26B4}" type="datetimeFigureOut">
               <a:rPr lang="en-US" smtClean="0"/>
-              <a:t>12/2/21</a:t>
+              <a:t>12/6/21</a:t>
             </a:fld>
             <a:endParaRPr lang="en-US"/>
           </a:p>
@@ -4938,7 +4938,7 @@
           <a:p>
             <a:pPr algn="l"/>
             <a:r>
-              <a:rPr lang="en-US" sz="1800" dirty="0">
+              <a:rPr lang="en-US" sz="1800">
                 <a:solidFill>
                   <a:schemeClr val="bg2">
                     <a:lumMod val="50000"/>
@@ -4948,10 +4948,10 @@
                 <a:ea typeface="Malgun Gothic Semilight" panose="020B0502040204020203" pitchFamily="34" charset="-128"/>
                 <a:cs typeface="Malgun Gothic Semilight" panose="020B0502040204020203" pitchFamily="34" charset="-128"/>
               </a:rPr>
-              <a:t>October 25</a:t>
-            </a:r>
-            <a:r>
-              <a:rPr lang="en-US" sz="1800" baseline="30000" dirty="0">
+              <a:t>December 7</a:t>
+            </a:r>
+            <a:r>
+              <a:rPr lang="en-US" sz="1800" baseline="30000">
                 <a:solidFill>
                   <a:schemeClr val="bg2">
                     <a:lumMod val="50000"/>

--- a/Presentations/20211207_rotation_summary.pptx
+++ b/Presentations/20211207_rotation_summary.pptx
@@ -4853,8 +4853,8 @@
         </p:nvSpPr>
         <p:spPr>
           <a:xfrm>
-            <a:off x="2193002" y="1941679"/>
-            <a:ext cx="6950998" cy="1920683"/>
+            <a:off x="3982963" y="1594020"/>
+            <a:ext cx="4988041" cy="2339947"/>
           </a:xfrm>
         </p:spPr>
         <p:txBody>
@@ -4865,15 +4865,16 @@
           <a:p>
             <a:pPr algn="l"/>
             <a:r>
-              <a:rPr lang="en-US" sz="3400" dirty="0"/>
-              <a:t>Highly-resolved diffusion dynamics, super-resolution alphabet soup, </a:t>
-            </a:r>
-            <a:br>
-              <a:rPr lang="en-US" sz="3400" dirty="0"/>
-            </a:br>
-            <a:r>
-              <a:rPr lang="en-US" sz="3400" dirty="0"/>
-              <a:t>and lcd-lcd hubs</a:t>
+              <a:rPr lang="en-US" sz="3200" dirty="0"/>
+              <a:t>Sub-diffraction limit characterization of size and concentration of ews-fli</a:t>
+            </a:r>
+            <a:r>
+              <a:rPr lang="en-US" sz="2800" dirty="0"/>
+              <a:t>1</a:t>
+            </a:r>
+            <a:r>
+              <a:rPr lang="en-US" sz="3200" dirty="0"/>
+              <a:t> lcd-mediated transcription hubs</a:t>
             </a:r>
           </a:p>
         </p:txBody>
@@ -4896,8 +4897,8 @@
         </p:nvSpPr>
         <p:spPr>
           <a:xfrm>
-            <a:off x="2193002" y="4434120"/>
-            <a:ext cx="6858000" cy="1655762"/>
+            <a:off x="4408648" y="4610572"/>
+            <a:ext cx="3625668" cy="1282586"/>
           </a:xfrm>
         </p:spPr>
         <p:txBody>
@@ -4938,7 +4939,7 @@
           <a:p>
             <a:pPr algn="l"/>
             <a:r>
-              <a:rPr lang="en-US" sz="1800">
+              <a:rPr lang="en-US" sz="1800" dirty="0">
                 <a:solidFill>
                   <a:schemeClr val="bg2">
                     <a:lumMod val="50000"/>
@@ -4951,7 +4952,2404 @@
               <a:t>December 7</a:t>
             </a:r>
             <a:r>
-              <a:rPr lang="en-US" sz="1800" baseline="30000">
+              <a:rPr lang="en-US" sz="1800" baseline="30000" dirty="0">
+                <a:solidFill>
+                  <a:schemeClr val="bg2">
+                    <a:lumMod val="50000"/>
+                  </a:schemeClr>
+                </a:solidFill>
+                <a:latin typeface="Malgun Gothic Semilight" panose="020B0502040204020203" pitchFamily="34" charset="-128"/>
+                <a:ea typeface="Malgun Gothic Semilight" panose="020B0502040204020203" pitchFamily="34" charset="-128"/>
+                <a:cs typeface="Malgun Gothic Semilight" panose="020B0502040204020203" pitchFamily="34" charset="-128"/>
+              </a:rPr>
+              <a:t>th</a:t>
+            </a:r>
+            <a:r>
+              <a:rPr lang="en-US" sz="1800" dirty="0">
+                <a:solidFill>
+                  <a:schemeClr val="bg2">
+                    <a:lumMod val="50000"/>
+                  </a:schemeClr>
+                </a:solidFill>
+                <a:latin typeface="Malgun Gothic Semilight" panose="020B0502040204020203" pitchFamily="34" charset="-128"/>
+                <a:ea typeface="Malgun Gothic Semilight" panose="020B0502040204020203" pitchFamily="34" charset="-128"/>
+                <a:cs typeface="Malgun Gothic Semilight" panose="020B0502040204020203" pitchFamily="34" charset="-128"/>
+              </a:rPr>
+              <a:t>, 2021</a:t>
+            </a:r>
+          </a:p>
+        </p:txBody>
+      </p:sp>
+      <p:grpSp>
+        <p:nvGrpSpPr>
+          <p:cNvPr id="26" name="Group 25">
+            <a:extLst>
+              <a:ext uri="{FF2B5EF4-FFF2-40B4-BE49-F238E27FC236}">
+                <a16:creationId xmlns:a16="http://schemas.microsoft.com/office/drawing/2014/main" id="{445C2CAE-CB25-D343-9E58-832BA1C3D3C4}"/>
+              </a:ext>
+            </a:extLst>
+          </p:cNvPr>
+          <p:cNvGrpSpPr/>
+          <p:nvPr/>
+        </p:nvGrpSpPr>
+        <p:grpSpPr>
+          <a:xfrm>
+            <a:off x="218186" y="1086706"/>
+            <a:ext cx="3856778" cy="5056064"/>
+            <a:chOff x="218186" y="1100561"/>
+            <a:chExt cx="3856778" cy="5056064"/>
+          </a:xfrm>
+        </p:grpSpPr>
+        <p:grpSp>
+          <p:nvGrpSpPr>
+            <p:cNvPr id="16" name="Group 15">
+              <a:extLst>
+                <a:ext uri="{FF2B5EF4-FFF2-40B4-BE49-F238E27FC236}">
+                  <a16:creationId xmlns:a16="http://schemas.microsoft.com/office/drawing/2014/main" id="{09967A2C-6F64-DA4D-B1A4-A46B42604BCB}"/>
+                </a:ext>
+              </a:extLst>
+            </p:cNvPr>
+            <p:cNvGrpSpPr>
+              <a:grpSpLocks noChangeAspect="1"/>
+            </p:cNvGrpSpPr>
+            <p:nvPr/>
+          </p:nvGrpSpPr>
+          <p:grpSpPr>
+            <a:xfrm>
+              <a:off x="351323" y="1100561"/>
+              <a:ext cx="3505650" cy="3315932"/>
+              <a:chOff x="1720514" y="1070805"/>
+              <a:chExt cx="5113421" cy="4836694"/>
+            </a:xfrm>
+          </p:grpSpPr>
+          <p:sp>
+            <p:nvSpPr>
+              <p:cNvPr id="18" name="Rectangle 17">
+                <a:extLst>
+                  <a:ext uri="{FF2B5EF4-FFF2-40B4-BE49-F238E27FC236}">
+                    <a16:creationId xmlns:a16="http://schemas.microsoft.com/office/drawing/2014/main" id="{1875F376-C173-DC4D-879A-F410A15D3BF2}"/>
+                  </a:ext>
+                </a:extLst>
+              </p:cNvPr>
+              <p:cNvSpPr/>
+              <p:nvPr/>
+            </p:nvSpPr>
+            <p:spPr>
+              <a:xfrm>
+                <a:off x="1720514" y="1070805"/>
+                <a:ext cx="5113421" cy="4836694"/>
+              </a:xfrm>
+              <a:prstGeom prst="rect">
+                <a:avLst/>
+              </a:prstGeom>
+              <a:solidFill>
+                <a:schemeClr val="tx1"/>
+              </a:solidFill>
+              <a:ln>
+                <a:noFill/>
+              </a:ln>
+            </p:spPr>
+            <p:style>
+              <a:lnRef idx="2">
+                <a:schemeClr val="dk1">
+                  <a:shade val="50000"/>
+                </a:schemeClr>
+              </a:lnRef>
+              <a:fillRef idx="1">
+                <a:schemeClr val="dk1"/>
+              </a:fillRef>
+              <a:effectRef idx="0">
+                <a:schemeClr val="dk1"/>
+              </a:effectRef>
+              <a:fontRef idx="minor">
+                <a:schemeClr val="lt1"/>
+              </a:fontRef>
+            </p:style>
+            <p:txBody>
+              <a:bodyPr rtlCol="0" anchor="ctr"/>
+              <a:lstStyle/>
+              <a:p>
+                <a:pPr algn="ctr"/>
+                <a:endParaRPr lang="en-US"/>
+              </a:p>
+            </p:txBody>
+          </p:sp>
+          <p:pic>
+            <p:nvPicPr>
+              <p:cNvPr id="19" name="Picture 18" descr="Red and white fireworks in the night sky&#10;&#10;Description automatically generated with low confidence">
+                <a:extLst>
+                  <a:ext uri="{FF2B5EF4-FFF2-40B4-BE49-F238E27FC236}">
+                    <a16:creationId xmlns:a16="http://schemas.microsoft.com/office/drawing/2014/main" id="{ABE65972-0241-DB4F-BF33-3AF153E4FE24}"/>
+                  </a:ext>
+                </a:extLst>
+              </p:cNvPr>
+              <p:cNvPicPr>
+                <a:picLocks noChangeAspect="1"/>
+              </p:cNvPicPr>
+              <p:nvPr/>
+            </p:nvPicPr>
+            <p:blipFill rotWithShape="1">
+              <a:blip r:embed="rId2">
+                <a:extLst>
+                  <a:ext uri="{28A0092B-C50C-407E-A947-70E740481C1C}">
+                    <a14:useLocalDpi xmlns:a14="http://schemas.microsoft.com/office/drawing/2010/main" val="0"/>
+                  </a:ext>
+                </a:extLst>
+              </a:blip>
+              <a:srcRect l="11529" t="22719"/>
+              <a:stretch/>
+            </p:blipFill>
+            <p:spPr>
+              <a:xfrm rot="10800000" flipH="1">
+                <a:off x="2310062" y="1070805"/>
+                <a:ext cx="4523873" cy="3994489"/>
+              </a:xfrm>
+              <a:prstGeom prst="rect">
+                <a:avLst/>
+              </a:prstGeom>
+            </p:spPr>
+          </p:pic>
+          <p:pic>
+            <p:nvPicPr>
+              <p:cNvPr id="20" name="Picture 19" descr="A picture containing outdoor object, star, red, dark&#10;&#10;Description automatically generated">
+                <a:extLst>
+                  <a:ext uri="{FF2B5EF4-FFF2-40B4-BE49-F238E27FC236}">
+                    <a16:creationId xmlns:a16="http://schemas.microsoft.com/office/drawing/2014/main" id="{DE670B92-49F9-234B-BC99-2A7D723AEC6E}"/>
+                  </a:ext>
+                </a:extLst>
+              </p:cNvPr>
+              <p:cNvPicPr>
+                <a:picLocks noChangeAspect="1"/>
+              </p:cNvPicPr>
+              <p:nvPr/>
+            </p:nvPicPr>
+            <p:blipFill rotWithShape="1">
+              <a:blip r:embed="rId3">
+                <a:extLst>
+                  <a:ext uri="{28A0092B-C50C-407E-A947-70E740481C1C}">
+                    <a14:useLocalDpi xmlns:a14="http://schemas.microsoft.com/office/drawing/2010/main" val="0"/>
+                  </a:ext>
+                </a:extLst>
+              </a:blip>
+              <a:srcRect l="11977" t="9685" r="1752" b="-225"/>
+              <a:stretch/>
+            </p:blipFill>
+            <p:spPr>
+              <a:xfrm>
+                <a:off x="1720514" y="1070805"/>
+                <a:ext cx="5113421" cy="4836694"/>
+              </a:xfrm>
+              <a:prstGeom prst="rtTriangle">
+                <a:avLst/>
+              </a:prstGeom>
+              <a:effectLst>
+                <a:softEdge rad="109292"/>
+              </a:effectLst>
+            </p:spPr>
+          </p:pic>
+        </p:grpSp>
+        <p:grpSp>
+          <p:nvGrpSpPr>
+            <p:cNvPr id="25" name="Group 24">
+              <a:extLst>
+                <a:ext uri="{FF2B5EF4-FFF2-40B4-BE49-F238E27FC236}">
+                  <a16:creationId xmlns:a16="http://schemas.microsoft.com/office/drawing/2014/main" id="{8BF9488F-55E7-2C48-8E07-6AF50A4D3585}"/>
+                </a:ext>
+              </a:extLst>
+            </p:cNvPr>
+            <p:cNvGrpSpPr/>
+            <p:nvPr/>
+          </p:nvGrpSpPr>
+          <p:grpSpPr>
+            <a:xfrm>
+              <a:off x="218186" y="4624427"/>
+              <a:ext cx="3856778" cy="1532198"/>
+              <a:chOff x="218186" y="4624427"/>
+              <a:chExt cx="3856778" cy="1532198"/>
+            </a:xfrm>
+          </p:grpSpPr>
+          <p:pic>
+            <p:nvPicPr>
+              <p:cNvPr id="24" name="Picture 23" descr="Chart, histogram&#10;&#10;Description automatically generated">
+                <a:extLst>
+                  <a:ext uri="{FF2B5EF4-FFF2-40B4-BE49-F238E27FC236}">
+                    <a16:creationId xmlns:a16="http://schemas.microsoft.com/office/drawing/2014/main" id="{D9F0EE3B-E280-5E46-85D3-BD7D66C9D10C}"/>
+                  </a:ext>
+                </a:extLst>
+              </p:cNvPr>
+              <p:cNvPicPr>
+                <a:picLocks noChangeAspect="1"/>
+              </p:cNvPicPr>
+              <p:nvPr/>
+            </p:nvPicPr>
+            <p:blipFill rotWithShape="1">
+              <a:blip r:embed="rId4">
+                <a:extLst>
+                  <a:ext uri="{28A0092B-C50C-407E-A947-70E740481C1C}">
+                    <a14:useLocalDpi xmlns:a14="http://schemas.microsoft.com/office/drawing/2010/main" val="0"/>
+                  </a:ext>
+                </a:extLst>
+              </a:blip>
+              <a:srcRect l="14" t="54469" r="1766" b="-1294"/>
+              <a:stretch/>
+            </p:blipFill>
+            <p:spPr>
+              <a:xfrm>
+                <a:off x="218186" y="4624427"/>
+                <a:ext cx="3322595" cy="1282586"/>
+              </a:xfrm>
+              <a:prstGeom prst="rect">
+                <a:avLst/>
+              </a:prstGeom>
+              <a:ln>
+                <a:solidFill>
+                  <a:schemeClr val="tx1"/>
+                </a:solidFill>
+              </a:ln>
+            </p:spPr>
+          </p:pic>
+          <p:pic>
+            <p:nvPicPr>
+              <p:cNvPr id="22" name="Picture 21" descr="Chart, histogram&#10;&#10;Description automatically generated">
+                <a:extLst>
+                  <a:ext uri="{FF2B5EF4-FFF2-40B4-BE49-F238E27FC236}">
+                    <a16:creationId xmlns:a16="http://schemas.microsoft.com/office/drawing/2014/main" id="{A896F780-4E35-8448-BDCD-EB7C38D2AD50}"/>
+                  </a:ext>
+                </a:extLst>
+              </p:cNvPr>
+              <p:cNvPicPr>
+                <a:picLocks noChangeAspect="1"/>
+              </p:cNvPicPr>
+              <p:nvPr/>
+            </p:nvPicPr>
+            <p:blipFill rotWithShape="1">
+              <a:blip r:embed="rId4">
+                <a:extLst>
+                  <a:ext uri="{28A0092B-C50C-407E-A947-70E740481C1C}">
+                    <a14:useLocalDpi xmlns:a14="http://schemas.microsoft.com/office/drawing/2010/main" val="0"/>
+                  </a:ext>
+                </a:extLst>
+              </a:blip>
+              <a:srcRect t="4578" r="1780" b="48597"/>
+              <a:stretch/>
+            </p:blipFill>
+            <p:spPr>
+              <a:xfrm>
+                <a:off x="752369" y="4874039"/>
+                <a:ext cx="3322595" cy="1282586"/>
+              </a:xfrm>
+              <a:prstGeom prst="rect">
+                <a:avLst/>
+              </a:prstGeom>
+              <a:ln>
+                <a:solidFill>
+                  <a:schemeClr val="tx1"/>
+                </a:solidFill>
+              </a:ln>
+            </p:spPr>
+          </p:pic>
+        </p:grpSp>
+      </p:grpSp>
+    </p:spTree>
+    <p:extLst>
+      <p:ext uri="{BB962C8B-B14F-4D97-AF65-F5344CB8AC3E}">
+        <p14:creationId xmlns:p14="http://schemas.microsoft.com/office/powerpoint/2010/main" val="800533532"/>
+      </p:ext>
+    </p:extLst>
+  </p:cSld>
+  <p:clrMapOvr>
+    <a:masterClrMapping/>
+  </p:clrMapOvr>
+</p:sld>
+</file>
+
+<file path=ppt/slides/slide2.xml><?xml version="1.0" encoding="utf-8"?>
+<p:sld xmlns:a="http://schemas.openxmlformats.org/drawingml/2006/main" xmlns:r="http://schemas.openxmlformats.org/officeDocument/2006/relationships" xmlns:p="http://schemas.openxmlformats.org/presentationml/2006/main">
+  <p:cSld>
+    <p:spTree>
+      <p:nvGrpSpPr>
+        <p:cNvPr id="1" name=""/>
+        <p:cNvGrpSpPr/>
+        <p:nvPr/>
+      </p:nvGrpSpPr>
+      <p:grpSpPr>
+        <a:xfrm>
+          <a:off x="0" y="0"/>
+          <a:ext cx="0" cy="0"/>
+          <a:chOff x="0" y="0"/>
+          <a:chExt cx="0" cy="0"/>
+        </a:xfrm>
+      </p:grpSpPr>
+      <p:sp>
+        <p:nvSpPr>
+          <p:cNvPr id="2" name="Title 1"/>
+          <p:cNvSpPr>
+            <a:spLocks noGrp="1"/>
+          </p:cNvSpPr>
+          <p:nvPr>
+            <p:ph type="title"/>
+          </p:nvPr>
+        </p:nvSpPr>
+        <p:spPr>
+          <a:xfrm>
+            <a:off x="0" y="0"/>
+            <a:ext cx="6586151" cy="744467"/>
+          </a:xfrm>
+        </p:spPr>
+        <p:txBody>
+          <a:bodyPr>
+            <a:noAutofit/>
+          </a:bodyPr>
+          <a:lstStyle/>
+          <a:p>
+            <a:r>
+              <a:rPr lang="en-US" cap="small" dirty="0"/>
+              <a:t>Light microscopy is diffraction limited</a:t>
+            </a:r>
+          </a:p>
+        </p:txBody>
+      </p:sp>
+      <mc:AlternateContent xmlns:mc="http://schemas.openxmlformats.org/markup-compatibility/2006" xmlns:a14="http://schemas.microsoft.com/office/drawing/2010/main">
+        <mc:Choice Requires="a14">
+          <p:sp>
+            <p:nvSpPr>
+              <p:cNvPr id="4" name="Rectangle 3"/>
+              <p:cNvSpPr/>
+              <p:nvPr/>
+            </p:nvSpPr>
+            <p:spPr>
+              <a:xfrm>
+                <a:off x="321276" y="1090645"/>
+                <a:ext cx="5152767" cy="2529154"/>
+              </a:xfrm>
+              <a:prstGeom prst="rect">
+                <a:avLst/>
+              </a:prstGeom>
+            </p:spPr>
+            <p:txBody>
+              <a:bodyPr wrap="square">
+                <a:spAutoFit/>
+              </a:bodyPr>
+              <a:lstStyle/>
+              <a:p>
+                <a:r>
+                  <a:rPr lang="en-US" dirty="0">
+                    <a:latin typeface="Malgun Gothic" panose="020B0503020000020004" pitchFamily="34" charset="-127"/>
+                    <a:ea typeface="Malgun Gothic" panose="020B0503020000020004" pitchFamily="34" charset="-127"/>
+                  </a:rPr>
+                  <a:t>The diffraction limit of light is </a:t>
+                </a:r>
+                <a14:m>
+                  <m:oMath xmlns:m="http://schemas.openxmlformats.org/officeDocument/2006/math">
+                    <m:r>
+                      <a:rPr lang="en-US" b="0" i="1" smtClean="0">
+                        <a:latin typeface="Cambria Math" panose="02040503050406030204" pitchFamily="18" charset="0"/>
+                        <a:ea typeface="Malgun Gothic" panose="020B0503020000020004" pitchFamily="34" charset="-127"/>
+                      </a:rPr>
+                      <m:t>𝑑</m:t>
+                    </m:r>
+                    <m:r>
+                      <a:rPr lang="en-US" b="0" i="1" smtClean="0">
+                        <a:latin typeface="Cambria Math" panose="02040503050406030204" pitchFamily="18" charset="0"/>
+                        <a:ea typeface="Malgun Gothic" panose="020B0503020000020004" pitchFamily="34" charset="-127"/>
+                      </a:rPr>
+                      <m:t>=</m:t>
+                    </m:r>
+                    <m:f>
+                      <m:fPr>
+                        <m:ctrlPr>
+                          <a:rPr lang="en-US" b="0" i="1" smtClean="0">
+                            <a:latin typeface="Cambria Math" panose="02040503050406030204" pitchFamily="18" charset="0"/>
+                            <a:ea typeface="Malgun Gothic" panose="020B0503020000020004" pitchFamily="34" charset="-127"/>
+                          </a:rPr>
+                        </m:ctrlPr>
+                      </m:fPr>
+                      <m:num>
+                        <m:r>
+                          <m:rPr>
+                            <m:sty m:val="p"/>
+                          </m:rPr>
+                          <a:rPr lang="el-GR" b="0" i="1" smtClean="0">
+                            <a:latin typeface="Cambria Math" panose="02040503050406030204" pitchFamily="18" charset="0"/>
+                            <a:ea typeface="Malgun Gothic" panose="020B0503020000020004" pitchFamily="34" charset="-127"/>
+                          </a:rPr>
+                          <m:t>λ</m:t>
+                        </m:r>
+                      </m:num>
+                      <m:den>
+                        <m:r>
+                          <a:rPr lang="en-US" b="0" i="1" smtClean="0">
+                            <a:latin typeface="Cambria Math" panose="02040503050406030204" pitchFamily="18" charset="0"/>
+                            <a:ea typeface="Malgun Gothic" panose="020B0503020000020004" pitchFamily="34" charset="-127"/>
+                          </a:rPr>
+                          <m:t>2</m:t>
+                        </m:r>
+                        <m:r>
+                          <a:rPr lang="en-US" b="0" i="1" smtClean="0">
+                            <a:latin typeface="Cambria Math" panose="02040503050406030204" pitchFamily="18" charset="0"/>
+                            <a:ea typeface="Malgun Gothic" panose="020B0503020000020004" pitchFamily="34" charset="-127"/>
+                          </a:rPr>
+                          <m:t>𝑁𝐴</m:t>
+                        </m:r>
+                      </m:den>
+                    </m:f>
+                    <m:r>
+                      <a:rPr lang="en-US" b="0" i="1" smtClean="0">
+                        <a:latin typeface="Cambria Math" panose="02040503050406030204" pitchFamily="18" charset="0"/>
+                        <a:ea typeface="Cambria Math" panose="02040503050406030204" pitchFamily="18" charset="0"/>
+                      </a:rPr>
+                      <m:t>~ 250</m:t>
+                    </m:r>
+                    <m:r>
+                      <a:rPr lang="en-US" b="0" i="1" smtClean="0">
+                        <a:latin typeface="Cambria Math" panose="02040503050406030204" pitchFamily="18" charset="0"/>
+                        <a:ea typeface="Cambria Math" panose="02040503050406030204" pitchFamily="18" charset="0"/>
+                      </a:rPr>
+                      <m:t>𝑛𝑚</m:t>
+                    </m:r>
+                  </m:oMath>
+                </a14:m>
+                <a:endParaRPr lang="en-US" b="0" dirty="0">
+                  <a:latin typeface="Malgun Gothic" panose="020B0503020000020004" pitchFamily="34" charset="-127"/>
+                  <a:ea typeface="Cambria Math" panose="02040503050406030204" pitchFamily="18" charset="0"/>
+                </a:endParaRPr>
+              </a:p>
+              <a:p>
+                <a:pPr marL="285750" indent="-285750">
+                  <a:buFontTx/>
+                  <a:buChar char="-"/>
+                </a:pPr>
+                <a:endParaRPr lang="en-US" sz="1600" dirty="0">
+                  <a:latin typeface="Malgun Gothic" panose="020B0503020000020004" pitchFamily="34" charset="-127"/>
+                  <a:ea typeface="Malgun Gothic" panose="020B0503020000020004" pitchFamily="34" charset="-127"/>
+                </a:endParaRPr>
+              </a:p>
+              <a:p>
+                <a:pPr marL="285750" indent="-285750">
+                  <a:buFontTx/>
+                  <a:buChar char="-"/>
+                </a:pPr>
+                <a:r>
+                  <a:rPr lang="en-US" sz="1600" dirty="0">
+                    <a:latin typeface="Malgun Gothic" panose="020B0503020000020004" pitchFamily="34" charset="-127"/>
+                    <a:ea typeface="Malgun Gothic" panose="020B0503020000020004" pitchFamily="34" charset="-127"/>
+                  </a:rPr>
+                  <a:t>Green Light, </a:t>
+                </a:r>
+                <a14:m>
+                  <m:oMath xmlns:m="http://schemas.openxmlformats.org/officeDocument/2006/math">
+                    <m:r>
+                      <m:rPr>
+                        <m:sty m:val="p"/>
+                      </m:rPr>
+                      <a:rPr lang="el-GR" sz="1600" b="0" i="1" smtClean="0">
+                        <a:latin typeface="Cambria Math" panose="02040503050406030204" pitchFamily="18" charset="0"/>
+                        <a:ea typeface="Malgun Gothic" panose="020B0503020000020004" pitchFamily="34" charset="-127"/>
+                      </a:rPr>
+                      <m:t>λ</m:t>
+                    </m:r>
+                  </m:oMath>
+                </a14:m>
+                <a:r>
+                  <a:rPr lang="en-US" sz="1600" dirty="0">
+                    <a:latin typeface="Malgun Gothic" panose="020B0503020000020004" pitchFamily="34" charset="-127"/>
+                    <a:ea typeface="Malgun Gothic" panose="020B0503020000020004" pitchFamily="34" charset="-127"/>
+                  </a:rPr>
+                  <a:t> = 500nm</a:t>
+                </a:r>
+              </a:p>
+              <a:p>
+                <a:endParaRPr lang="en-US" sz="1600" dirty="0">
+                  <a:latin typeface="Malgun Gothic" panose="020B0503020000020004" pitchFamily="34" charset="-127"/>
+                  <a:ea typeface="Malgun Gothic" panose="020B0503020000020004" pitchFamily="34" charset="-127"/>
+                </a:endParaRPr>
+              </a:p>
+              <a:p>
+                <a:pPr marL="285750" indent="-285750">
+                  <a:buFontTx/>
+                  <a:buChar char="-"/>
+                </a:pPr>
+                <a:r>
+                  <a:rPr lang="en-US" sz="1600" dirty="0">
+                    <a:latin typeface="Malgun Gothic" panose="020B0503020000020004" pitchFamily="34" charset="-127"/>
+                    <a:ea typeface="Malgun Gothic" panose="020B0503020000020004" pitchFamily="34" charset="-127"/>
+                  </a:rPr>
+                  <a:t>Numerical Aperture, NA = 1</a:t>
+                </a:r>
+              </a:p>
+              <a:p>
+                <a:pPr marL="285750" indent="-285750">
+                  <a:buFontTx/>
+                  <a:buChar char="-"/>
+                </a:pPr>
+                <a:endParaRPr lang="en-US" sz="1600" dirty="0">
+                  <a:latin typeface="Malgun Gothic" panose="020B0503020000020004" pitchFamily="34" charset="-127"/>
+                  <a:ea typeface="Malgun Gothic" panose="020B0503020000020004" pitchFamily="34" charset="-127"/>
+                </a:endParaRPr>
+              </a:p>
+              <a:p>
+                <a:endParaRPr lang="en-US" sz="1600" dirty="0">
+                  <a:latin typeface="Malgun Gothic" panose="020B0503020000020004" pitchFamily="34" charset="-127"/>
+                  <a:ea typeface="Malgun Gothic" panose="020B0503020000020004" pitchFamily="34" charset="-127"/>
+                </a:endParaRPr>
+              </a:p>
+              <a:p>
+                <a:r>
+                  <a:rPr lang="en-US" dirty="0">
+                    <a:latin typeface="Malgun Gothic" panose="020B0503020000020004" pitchFamily="34" charset="-127"/>
+                    <a:ea typeface="Malgun Gothic" panose="020B0503020000020004" pitchFamily="34" charset="-127"/>
+                  </a:rPr>
+                  <a:t>Without changes, we are only able to resolve images down to ~250nm</a:t>
+                </a:r>
+                <a:endParaRPr lang="en-US" sz="1600" dirty="0">
+                  <a:latin typeface="Malgun Gothic" panose="020B0503020000020004" pitchFamily="34" charset="-127"/>
+                  <a:ea typeface="Malgun Gothic" panose="020B0503020000020004" pitchFamily="34" charset="-127"/>
+                </a:endParaRPr>
+              </a:p>
+            </p:txBody>
+          </p:sp>
+        </mc:Choice>
+        <mc:Fallback xmlns="">
+          <p:sp>
+            <p:nvSpPr>
+              <p:cNvPr id="4" name="Rectangle 3"/>
+              <p:cNvSpPr>
+                <a:spLocks noRot="1" noChangeAspect="1" noMove="1" noResize="1" noEditPoints="1" noAdjustHandles="1" noChangeArrowheads="1" noChangeShapeType="1" noTextEdit="1"/>
+              </p:cNvSpPr>
+              <p:nvPr/>
+            </p:nvSpPr>
+            <p:spPr>
+              <a:xfrm>
+                <a:off x="321276" y="1090645"/>
+                <a:ext cx="5152767" cy="2529154"/>
+              </a:xfrm>
+              <a:prstGeom prst="rect">
+                <a:avLst/>
+              </a:prstGeom>
+              <a:blipFill>
+                <a:blip r:embed="rId2"/>
+                <a:stretch>
+                  <a:fillRect l="-1065" b="-2892"/>
+                </a:stretch>
+              </a:blipFill>
+            </p:spPr>
+            <p:txBody>
+              <a:bodyPr/>
+              <a:lstStyle/>
+              <a:p>
+                <a:r>
+                  <a:rPr lang="en-US">
+                    <a:noFill/>
+                  </a:rPr>
+                  <a:t> </a:t>
+                </a:r>
+              </a:p>
+            </p:txBody>
+          </p:sp>
+        </mc:Fallback>
+      </mc:AlternateContent>
+      <p:pic>
+        <p:nvPicPr>
+          <p:cNvPr id="29" name="Picture 28"/>
+          <p:cNvPicPr>
+            <a:picLocks noChangeAspect="1"/>
+          </p:cNvPicPr>
+          <p:nvPr/>
+        </p:nvPicPr>
+        <p:blipFill>
+          <a:blip r:embed="rId3"/>
+          <a:stretch>
+            <a:fillRect/>
+          </a:stretch>
+        </p:blipFill>
+        <p:spPr>
+          <a:xfrm>
+            <a:off x="5385423" y="1925337"/>
+            <a:ext cx="3365284" cy="3694496"/>
+          </a:xfrm>
+          <a:prstGeom prst="rect">
+            <a:avLst/>
+          </a:prstGeom>
+        </p:spPr>
+      </p:pic>
+      <p:grpSp>
+        <p:nvGrpSpPr>
+          <p:cNvPr id="30" name="Group 29"/>
+          <p:cNvGrpSpPr/>
+          <p:nvPr/>
+        </p:nvGrpSpPr>
+        <p:grpSpPr>
+          <a:xfrm>
+            <a:off x="676619" y="3793208"/>
+            <a:ext cx="3871547" cy="1828800"/>
+            <a:chOff x="676619" y="3793208"/>
+            <a:chExt cx="3871547" cy="1828800"/>
+          </a:xfrm>
+        </p:grpSpPr>
+        <p:grpSp>
+          <p:nvGrpSpPr>
+            <p:cNvPr id="31" name="Group 30"/>
+            <p:cNvGrpSpPr>
+              <a:grpSpLocks/>
+            </p:cNvGrpSpPr>
+            <p:nvPr/>
+          </p:nvGrpSpPr>
+          <p:grpSpPr>
+            <a:xfrm>
+              <a:off x="676619" y="3793208"/>
+              <a:ext cx="1828800" cy="1828800"/>
+              <a:chOff x="3365501" y="1647825"/>
+              <a:chExt cx="1420813" cy="1335088"/>
+            </a:xfrm>
+          </p:grpSpPr>
+          <p:sp>
+            <p:nvSpPr>
+              <p:cNvPr id="32" name="Rectangle 111"/>
+              <p:cNvSpPr>
+                <a:spLocks noChangeArrowheads="1"/>
+              </p:cNvSpPr>
+              <p:nvPr/>
+            </p:nvSpPr>
+            <p:spPr bwMode="auto">
+              <a:xfrm>
+                <a:off x="3365501" y="1649413"/>
+                <a:ext cx="1420813" cy="1333500"/>
+              </a:xfrm>
+              <a:prstGeom prst="rect">
+                <a:avLst/>
+              </a:prstGeom>
+              <a:solidFill>
+                <a:srgbClr val="FFFFFF"/>
+              </a:solidFill>
+              <a:ln>
+                <a:noFill/>
+              </a:ln>
+              <a:extLst>
+                <a:ext uri="{91240B29-F687-4F45-9708-019B960494DF}">
+                  <a14:hiddenLine xmlns:a14="http://schemas.microsoft.com/office/drawing/2010/main" w="9525">
+                    <a:solidFill>
+                      <a:srgbClr val="000000"/>
+                    </a:solidFill>
+                    <a:miter lim="800000"/>
+                    <a:headEnd/>
+                    <a:tailEnd/>
+                  </a14:hiddenLine>
+                </a:ext>
+              </a:extLst>
+            </p:spPr>
+            <p:txBody>
+              <a:bodyPr vert="horz" wrap="square" lIns="91440" tIns="45720" rIns="91440" bIns="45720" numCol="1" anchor="t" anchorCtr="0" compatLnSpc="1">
+                <a:prstTxWarp prst="textNoShape">
+                  <a:avLst/>
+                </a:prstTxWarp>
+              </a:bodyPr>
+              <a:lstStyle/>
+              <a:p>
+                <a:endParaRPr lang="en-US">
+                  <a:solidFill>
+                    <a:prstClr val="black"/>
+                  </a:solidFill>
+                  <a:latin typeface="Arial" panose="020B0604020202020204" pitchFamily="34" charset="0"/>
+                  <a:cs typeface="Arial" panose="020B0604020202020204" pitchFamily="34" charset="0"/>
+                </a:endParaRPr>
+              </a:p>
+            </p:txBody>
+          </p:sp>
+          <p:sp>
+            <p:nvSpPr>
+              <p:cNvPr id="33" name="Rectangle 112"/>
+              <p:cNvSpPr>
+                <a:spLocks noChangeArrowheads="1"/>
+              </p:cNvSpPr>
+              <p:nvPr/>
+            </p:nvSpPr>
+            <p:spPr bwMode="auto">
+              <a:xfrm>
+                <a:off x="3365501" y="1649413"/>
+                <a:ext cx="1420813" cy="1333500"/>
+              </a:xfrm>
+              <a:prstGeom prst="rect">
+                <a:avLst/>
+              </a:prstGeom>
+              <a:noFill/>
+              <a:ln w="0">
+                <a:solidFill>
+                  <a:srgbClr val="FFFFFF"/>
+                </a:solidFill>
+                <a:prstDash val="solid"/>
+                <a:miter lim="800000"/>
+                <a:headEnd/>
+                <a:tailEnd/>
+              </a:ln>
+              <a:extLst>
+                <a:ext uri="{909E8E84-426E-40DD-AFC4-6F175D3DCCD1}">
+                  <a14:hiddenFill xmlns:a14="http://schemas.microsoft.com/office/drawing/2010/main">
+                    <a:solidFill>
+                      <a:srgbClr val="FFFFFF"/>
+                    </a:solidFill>
+                  </a14:hiddenFill>
+                </a:ext>
+              </a:extLst>
+            </p:spPr>
+            <p:txBody>
+              <a:bodyPr vert="horz" wrap="square" lIns="91440" tIns="45720" rIns="91440" bIns="45720" numCol="1" anchor="t" anchorCtr="0" compatLnSpc="1">
+                <a:prstTxWarp prst="textNoShape">
+                  <a:avLst/>
+                </a:prstTxWarp>
+              </a:bodyPr>
+              <a:lstStyle/>
+              <a:p>
+                <a:endParaRPr lang="en-US">
+                  <a:solidFill>
+                    <a:prstClr val="black"/>
+                  </a:solidFill>
+                  <a:latin typeface="Arial" panose="020B0604020202020204" pitchFamily="34" charset="0"/>
+                  <a:cs typeface="Arial" panose="020B0604020202020204" pitchFamily="34" charset="0"/>
+                </a:endParaRPr>
+              </a:p>
+            </p:txBody>
+          </p:sp>
+          <p:pic>
+            <p:nvPicPr>
+              <p:cNvPr id="34" name="Picture 113"/>
+              <p:cNvPicPr>
+                <a:picLocks noChangeAspect="1" noChangeArrowheads="1"/>
+              </p:cNvPicPr>
+              <p:nvPr/>
+            </p:nvPicPr>
+            <p:blipFill>
+              <a:blip r:embed="rId4" cstate="print">
+                <a:extLst>
+                  <a:ext uri="{28A0092B-C50C-407E-A947-70E740481C1C}">
+                    <a14:useLocalDpi xmlns:a14="http://schemas.microsoft.com/office/drawing/2010/main" val="0"/>
+                  </a:ext>
+                </a:extLst>
+              </a:blip>
+              <a:srcRect/>
+              <a:stretch>
+                <a:fillRect/>
+              </a:stretch>
+            </p:blipFill>
+            <p:spPr bwMode="auto">
+              <a:xfrm>
+                <a:off x="3365501" y="1647825"/>
+                <a:ext cx="1420813" cy="1333500"/>
+              </a:xfrm>
+              <a:prstGeom prst="rect">
+                <a:avLst/>
+              </a:prstGeom>
+              <a:noFill/>
+              <a:ln>
+                <a:noFill/>
+              </a:ln>
+              <a:extLst>
+                <a:ext uri="{909E8E84-426E-40DD-AFC4-6F175D3DCCD1}">
+                  <a14:hiddenFill xmlns:a14="http://schemas.microsoft.com/office/drawing/2010/main">
+                    <a:solidFill>
+                      <a:srgbClr val="FFFFFF"/>
+                    </a:solidFill>
+                  </a14:hiddenFill>
+                </a:ext>
+                <a:ext uri="{91240B29-F687-4F45-9708-019B960494DF}">
+                  <a14:hiddenLine xmlns:a14="http://schemas.microsoft.com/office/drawing/2010/main" w="9525">
+                    <a:solidFill>
+                      <a:srgbClr val="000000"/>
+                    </a:solidFill>
+                    <a:miter lim="800000"/>
+                    <a:headEnd/>
+                    <a:tailEnd/>
+                  </a14:hiddenLine>
+                </a:ext>
+              </a:extLst>
+            </p:spPr>
+          </p:pic>
+          <p:pic>
+            <p:nvPicPr>
+              <p:cNvPr id="35" name="Picture 170"/>
+              <p:cNvPicPr>
+                <a:picLocks noChangeAspect="1" noChangeArrowheads="1"/>
+              </p:cNvPicPr>
+              <p:nvPr/>
+            </p:nvPicPr>
+            <p:blipFill>
+              <a:blip r:embed="rId5" cstate="print">
+                <a:extLst>
+                  <a:ext uri="{28A0092B-C50C-407E-A947-70E740481C1C}">
+                    <a14:useLocalDpi xmlns:a14="http://schemas.microsoft.com/office/drawing/2010/main" val="0"/>
+                  </a:ext>
+                </a:extLst>
+              </a:blip>
+              <a:srcRect/>
+              <a:stretch>
+                <a:fillRect/>
+              </a:stretch>
+            </p:blipFill>
+            <p:spPr bwMode="auto">
+              <a:xfrm>
+                <a:off x="4679951" y="1647825"/>
+                <a:ext cx="106363" cy="1333500"/>
+              </a:xfrm>
+              <a:prstGeom prst="rect">
+                <a:avLst/>
+              </a:prstGeom>
+              <a:noFill/>
+              <a:ln>
+                <a:noFill/>
+              </a:ln>
+              <a:extLst>
+                <a:ext uri="{909E8E84-426E-40DD-AFC4-6F175D3DCCD1}">
+                  <a14:hiddenFill xmlns:a14="http://schemas.microsoft.com/office/drawing/2010/main">
+                    <a:solidFill>
+                      <a:srgbClr val="FFFFFF"/>
+                    </a:solidFill>
+                  </a14:hiddenFill>
+                </a:ext>
+                <a:ext uri="{91240B29-F687-4F45-9708-019B960494DF}">
+                  <a14:hiddenLine xmlns:a14="http://schemas.microsoft.com/office/drawing/2010/main" w="9525">
+                    <a:solidFill>
+                      <a:srgbClr val="000000"/>
+                    </a:solidFill>
+                    <a:miter lim="800000"/>
+                    <a:headEnd/>
+                    <a:tailEnd/>
+                  </a14:hiddenLine>
+                </a:ext>
+              </a:extLst>
+            </p:spPr>
+          </p:pic>
+        </p:grpSp>
+        <p:grpSp>
+          <p:nvGrpSpPr>
+            <p:cNvPr id="36" name="Group 35"/>
+            <p:cNvGrpSpPr>
+              <a:grpSpLocks/>
+            </p:cNvGrpSpPr>
+            <p:nvPr/>
+          </p:nvGrpSpPr>
+          <p:grpSpPr>
+            <a:xfrm>
+              <a:off x="2719366" y="3793208"/>
+              <a:ext cx="1828800" cy="1828800"/>
+              <a:chOff x="6334125" y="2266950"/>
+              <a:chExt cx="3467100" cy="3257550"/>
+            </a:xfrm>
+          </p:grpSpPr>
+          <p:sp>
+            <p:nvSpPr>
+              <p:cNvPr id="37" name="Rectangle 321"/>
+              <p:cNvSpPr>
+                <a:spLocks noChangeArrowheads="1"/>
+              </p:cNvSpPr>
+              <p:nvPr/>
+            </p:nvSpPr>
+            <p:spPr bwMode="auto">
+              <a:xfrm>
+                <a:off x="6334125" y="2266950"/>
+                <a:ext cx="3467100" cy="3257550"/>
+              </a:xfrm>
+              <a:prstGeom prst="rect">
+                <a:avLst/>
+              </a:prstGeom>
+              <a:solidFill>
+                <a:srgbClr val="FFFFFF"/>
+              </a:solidFill>
+              <a:ln>
+                <a:noFill/>
+              </a:ln>
+              <a:extLst>
+                <a:ext uri="{91240B29-F687-4F45-9708-019B960494DF}">
+                  <a14:hiddenLine xmlns:a14="http://schemas.microsoft.com/office/drawing/2010/main" w="9525">
+                    <a:solidFill>
+                      <a:srgbClr val="000000"/>
+                    </a:solidFill>
+                    <a:miter lim="800000"/>
+                    <a:headEnd/>
+                    <a:tailEnd/>
+                  </a14:hiddenLine>
+                </a:ext>
+              </a:extLst>
+            </p:spPr>
+            <p:txBody>
+              <a:bodyPr vert="horz" wrap="square" lIns="91440" tIns="45720" rIns="91440" bIns="45720" numCol="1" anchor="t" anchorCtr="0" compatLnSpc="1">
+                <a:prstTxWarp prst="textNoShape">
+                  <a:avLst/>
+                </a:prstTxWarp>
+              </a:bodyPr>
+              <a:lstStyle/>
+              <a:p>
+                <a:endParaRPr lang="en-US">
+                  <a:solidFill>
+                    <a:prstClr val="black"/>
+                  </a:solidFill>
+                  <a:latin typeface="Arial" panose="020B0604020202020204" pitchFamily="34" charset="0"/>
+                  <a:cs typeface="Arial" panose="020B0604020202020204" pitchFamily="34" charset="0"/>
+                </a:endParaRPr>
+              </a:p>
+            </p:txBody>
+          </p:sp>
+          <p:sp>
+            <p:nvSpPr>
+              <p:cNvPr id="38" name="Rectangle 322"/>
+              <p:cNvSpPr>
+                <a:spLocks noChangeArrowheads="1"/>
+              </p:cNvSpPr>
+              <p:nvPr/>
+            </p:nvSpPr>
+            <p:spPr bwMode="auto">
+              <a:xfrm>
+                <a:off x="6334125" y="2266950"/>
+                <a:ext cx="3467100" cy="3257550"/>
+              </a:xfrm>
+              <a:prstGeom prst="rect">
+                <a:avLst/>
+              </a:prstGeom>
+              <a:noFill/>
+              <a:ln w="0">
+                <a:solidFill>
+                  <a:srgbClr val="FFFFFF"/>
+                </a:solidFill>
+                <a:prstDash val="solid"/>
+                <a:miter lim="800000"/>
+                <a:headEnd/>
+                <a:tailEnd/>
+              </a:ln>
+              <a:extLst>
+                <a:ext uri="{909E8E84-426E-40DD-AFC4-6F175D3DCCD1}">
+                  <a14:hiddenFill xmlns:a14="http://schemas.microsoft.com/office/drawing/2010/main">
+                    <a:solidFill>
+                      <a:srgbClr val="FFFFFF"/>
+                    </a:solidFill>
+                  </a14:hiddenFill>
+                </a:ext>
+              </a:extLst>
+            </p:spPr>
+            <p:txBody>
+              <a:bodyPr vert="horz" wrap="square" lIns="91440" tIns="45720" rIns="91440" bIns="45720" numCol="1" anchor="t" anchorCtr="0" compatLnSpc="1">
+                <a:prstTxWarp prst="textNoShape">
+                  <a:avLst/>
+                </a:prstTxWarp>
+              </a:bodyPr>
+              <a:lstStyle/>
+              <a:p>
+                <a:endParaRPr lang="en-US">
+                  <a:solidFill>
+                    <a:prstClr val="black"/>
+                  </a:solidFill>
+                  <a:latin typeface="Arial" panose="020B0604020202020204" pitchFamily="34" charset="0"/>
+                  <a:cs typeface="Arial" panose="020B0604020202020204" pitchFamily="34" charset="0"/>
+                </a:endParaRPr>
+              </a:p>
+            </p:txBody>
+          </p:sp>
+          <p:pic>
+            <p:nvPicPr>
+              <p:cNvPr id="39" name="Picture 323"/>
+              <p:cNvPicPr>
+                <a:picLocks noChangeAspect="1" noChangeArrowheads="1"/>
+              </p:cNvPicPr>
+              <p:nvPr/>
+            </p:nvPicPr>
+            <p:blipFill>
+              <a:blip r:embed="rId6" cstate="print">
+                <a:extLst>
+                  <a:ext uri="{28A0092B-C50C-407E-A947-70E740481C1C}">
+                    <a14:useLocalDpi xmlns:a14="http://schemas.microsoft.com/office/drawing/2010/main" val="0"/>
+                  </a:ext>
+                </a:extLst>
+              </a:blip>
+              <a:srcRect/>
+              <a:stretch>
+                <a:fillRect/>
+              </a:stretch>
+            </p:blipFill>
+            <p:spPr bwMode="auto">
+              <a:xfrm>
+                <a:off x="6334125" y="2266950"/>
+                <a:ext cx="3467100" cy="3257550"/>
+              </a:xfrm>
+              <a:prstGeom prst="rect">
+                <a:avLst/>
+              </a:prstGeom>
+              <a:noFill/>
+              <a:ln>
+                <a:noFill/>
+              </a:ln>
+              <a:extLst>
+                <a:ext uri="{909E8E84-426E-40DD-AFC4-6F175D3DCCD1}">
+                  <a14:hiddenFill xmlns:a14="http://schemas.microsoft.com/office/drawing/2010/main">
+                    <a:solidFill>
+                      <a:srgbClr val="FFFFFF"/>
+                    </a:solidFill>
+                  </a14:hiddenFill>
+                </a:ext>
+                <a:ext uri="{91240B29-F687-4F45-9708-019B960494DF}">
+                  <a14:hiddenLine xmlns:a14="http://schemas.microsoft.com/office/drawing/2010/main" w="9525">
+                    <a:solidFill>
+                      <a:srgbClr val="000000"/>
+                    </a:solidFill>
+                    <a:miter lim="800000"/>
+                    <a:headEnd/>
+                    <a:tailEnd/>
+                  </a14:hiddenLine>
+                </a:ext>
+              </a:extLst>
+            </p:spPr>
+          </p:pic>
+          <p:pic>
+            <p:nvPicPr>
+              <p:cNvPr id="40" name="Picture 380"/>
+              <p:cNvPicPr>
+                <a:picLocks noChangeAspect="1" noChangeArrowheads="1"/>
+              </p:cNvPicPr>
+              <p:nvPr/>
+            </p:nvPicPr>
+            <p:blipFill>
+              <a:blip r:embed="rId5" cstate="print">
+                <a:extLst>
+                  <a:ext uri="{28A0092B-C50C-407E-A947-70E740481C1C}">
+                    <a14:useLocalDpi xmlns:a14="http://schemas.microsoft.com/office/drawing/2010/main" val="0"/>
+                  </a:ext>
+                </a:extLst>
+              </a:blip>
+              <a:srcRect/>
+              <a:stretch>
+                <a:fillRect/>
+              </a:stretch>
+            </p:blipFill>
+            <p:spPr bwMode="auto">
+              <a:xfrm>
+                <a:off x="9544050" y="2266950"/>
+                <a:ext cx="257175" cy="3257550"/>
+              </a:xfrm>
+              <a:prstGeom prst="rect">
+                <a:avLst/>
+              </a:prstGeom>
+              <a:noFill/>
+              <a:ln>
+                <a:noFill/>
+              </a:ln>
+              <a:extLst>
+                <a:ext uri="{909E8E84-426E-40DD-AFC4-6F175D3DCCD1}">
+                  <a14:hiddenFill xmlns:a14="http://schemas.microsoft.com/office/drawing/2010/main">
+                    <a:solidFill>
+                      <a:srgbClr val="FFFFFF"/>
+                    </a:solidFill>
+                  </a14:hiddenFill>
+                </a:ext>
+                <a:ext uri="{91240B29-F687-4F45-9708-019B960494DF}">
+                  <a14:hiddenLine xmlns:a14="http://schemas.microsoft.com/office/drawing/2010/main" w="9525">
+                    <a:solidFill>
+                      <a:srgbClr val="000000"/>
+                    </a:solidFill>
+                    <a:miter lim="800000"/>
+                    <a:headEnd/>
+                    <a:tailEnd/>
+                  </a14:hiddenLine>
+                </a:ext>
+              </a:extLst>
+            </p:spPr>
+          </p:pic>
+        </p:grpSp>
+        <p:sp>
+          <p:nvSpPr>
+            <p:cNvPr id="41" name="Oval 40"/>
+            <p:cNvSpPr/>
+            <p:nvPr/>
+          </p:nvSpPr>
+          <p:spPr>
+            <a:xfrm>
+              <a:off x="1504777" y="4634971"/>
+              <a:ext cx="82296" cy="82700"/>
+            </a:xfrm>
+            <a:prstGeom prst="ellipse">
+              <a:avLst/>
+            </a:prstGeom>
+            <a:solidFill>
+              <a:schemeClr val="bg1"/>
+            </a:solidFill>
+          </p:spPr>
+          <p:style>
+            <a:lnRef idx="2">
+              <a:schemeClr val="accent1">
+                <a:shade val="50000"/>
+              </a:schemeClr>
+            </a:lnRef>
+            <a:fillRef idx="1">
+              <a:schemeClr val="accent1"/>
+            </a:fillRef>
+            <a:effectRef idx="0">
+              <a:schemeClr val="accent1"/>
+            </a:effectRef>
+            <a:fontRef idx="minor">
+              <a:schemeClr val="lt1"/>
+            </a:fontRef>
+          </p:style>
+          <p:txBody>
+            <a:bodyPr rtlCol="0" anchor="ctr"/>
+            <a:lstStyle/>
+            <a:p>
+              <a:pPr algn="ctr"/>
+              <a:endParaRPr lang="en-US">
+                <a:latin typeface="Arial" panose="020B0604020202020204" pitchFamily="34" charset="0"/>
+                <a:cs typeface="Arial" panose="020B0604020202020204" pitchFamily="34" charset="0"/>
+              </a:endParaRPr>
+            </a:p>
+          </p:txBody>
+        </p:sp>
+        <p:sp>
+          <p:nvSpPr>
+            <p:cNvPr id="42" name="Oval 41"/>
+            <p:cNvSpPr/>
+            <p:nvPr/>
+          </p:nvSpPr>
+          <p:spPr>
+            <a:xfrm>
+              <a:off x="3374159" y="4608955"/>
+              <a:ext cx="82296" cy="82700"/>
+            </a:xfrm>
+            <a:prstGeom prst="ellipse">
+              <a:avLst/>
+            </a:prstGeom>
+            <a:solidFill>
+              <a:schemeClr val="bg1"/>
+            </a:solidFill>
+          </p:spPr>
+          <p:style>
+            <a:lnRef idx="2">
+              <a:schemeClr val="accent1">
+                <a:shade val="50000"/>
+              </a:schemeClr>
+            </a:lnRef>
+            <a:fillRef idx="1">
+              <a:schemeClr val="accent1"/>
+            </a:fillRef>
+            <a:effectRef idx="0">
+              <a:schemeClr val="accent1"/>
+            </a:effectRef>
+            <a:fontRef idx="minor">
+              <a:schemeClr val="lt1"/>
+            </a:fontRef>
+          </p:style>
+          <p:txBody>
+            <a:bodyPr rtlCol="0" anchor="ctr"/>
+            <a:lstStyle/>
+            <a:p>
+              <a:pPr algn="ctr"/>
+              <a:endParaRPr lang="en-US">
+                <a:latin typeface="Arial" panose="020B0604020202020204" pitchFamily="34" charset="0"/>
+                <a:cs typeface="Arial" panose="020B0604020202020204" pitchFamily="34" charset="0"/>
+              </a:endParaRPr>
+            </a:p>
+          </p:txBody>
+        </p:sp>
+        <p:sp>
+          <p:nvSpPr>
+            <p:cNvPr id="43" name="Oval 42"/>
+            <p:cNvSpPr/>
+            <p:nvPr/>
+          </p:nvSpPr>
+          <p:spPr>
+            <a:xfrm>
+              <a:off x="3738313" y="4608955"/>
+              <a:ext cx="82296" cy="82700"/>
+            </a:xfrm>
+            <a:prstGeom prst="ellipse">
+              <a:avLst/>
+            </a:prstGeom>
+            <a:solidFill>
+              <a:schemeClr val="bg1"/>
+            </a:solidFill>
+          </p:spPr>
+          <p:style>
+            <a:lnRef idx="2">
+              <a:schemeClr val="accent1">
+                <a:shade val="50000"/>
+              </a:schemeClr>
+            </a:lnRef>
+            <a:fillRef idx="1">
+              <a:schemeClr val="accent1"/>
+            </a:fillRef>
+            <a:effectRef idx="0">
+              <a:schemeClr val="accent1"/>
+            </a:effectRef>
+            <a:fontRef idx="minor">
+              <a:schemeClr val="lt1"/>
+            </a:fontRef>
+          </p:style>
+          <p:txBody>
+            <a:bodyPr rtlCol="0" anchor="ctr"/>
+            <a:lstStyle/>
+            <a:p>
+              <a:pPr algn="ctr"/>
+              <a:endParaRPr lang="en-US">
+                <a:latin typeface="Arial" panose="020B0604020202020204" pitchFamily="34" charset="0"/>
+                <a:cs typeface="Arial" panose="020B0604020202020204" pitchFamily="34" charset="0"/>
+              </a:endParaRPr>
+            </a:p>
+          </p:txBody>
+        </p:sp>
+      </p:grpSp>
+    </p:spTree>
+    <p:extLst>
+      <p:ext uri="{BB962C8B-B14F-4D97-AF65-F5344CB8AC3E}">
+        <p14:creationId xmlns:p14="http://schemas.microsoft.com/office/powerpoint/2010/main" val="3755575767"/>
+      </p:ext>
+    </p:extLst>
+  </p:cSld>
+  <p:clrMapOvr>
+    <a:masterClrMapping/>
+  </p:clrMapOvr>
+</p:sld>
+</file>
+
+<file path=ppt/slides/slide3.xml><?xml version="1.0" encoding="utf-8"?>
+<p:sld xmlns:a="http://schemas.openxmlformats.org/drawingml/2006/main" xmlns:r="http://schemas.openxmlformats.org/officeDocument/2006/relationships" xmlns:p="http://schemas.openxmlformats.org/presentationml/2006/main">
+  <p:cSld>
+    <p:spTree>
+      <p:nvGrpSpPr>
+        <p:cNvPr id="1" name=""/>
+        <p:cNvGrpSpPr/>
+        <p:nvPr/>
+      </p:nvGrpSpPr>
+      <p:grpSpPr>
+        <a:xfrm>
+          <a:off x="0" y="0"/>
+          <a:ext cx="0" cy="0"/>
+          <a:chOff x="0" y="0"/>
+          <a:chExt cx="0" cy="0"/>
+        </a:xfrm>
+      </p:grpSpPr>
+      <p:sp>
+        <p:nvSpPr>
+          <p:cNvPr id="2" name="Title 1"/>
+          <p:cNvSpPr>
+            <a:spLocks noGrp="1"/>
+          </p:cNvSpPr>
+          <p:nvPr>
+            <p:ph type="title"/>
+          </p:nvPr>
+        </p:nvSpPr>
+        <p:spPr>
+          <a:xfrm>
+            <a:off x="0" y="0"/>
+            <a:ext cx="6932141" cy="735391"/>
+          </a:xfrm>
+        </p:spPr>
+        <p:txBody>
+          <a:bodyPr>
+            <a:normAutofit fontScale="90000"/>
+          </a:bodyPr>
+          <a:lstStyle/>
+          <a:p>
+            <a:r>
+              <a:rPr lang="en-US" dirty="0"/>
+              <a:t>Super-localization in super-resolution microscopy</a:t>
+            </a:r>
+          </a:p>
+        </p:txBody>
+      </p:sp>
+      <p:sp>
+        <p:nvSpPr>
+          <p:cNvPr id="5" name="TextBox 4"/>
+          <p:cNvSpPr txBox="1"/>
+          <p:nvPr/>
+        </p:nvSpPr>
+        <p:spPr>
+          <a:xfrm>
+            <a:off x="514350" y="1205125"/>
+            <a:ext cx="4713036" cy="4924425"/>
+          </a:xfrm>
+          <a:prstGeom prst="rect">
+            <a:avLst/>
+          </a:prstGeom>
+          <a:noFill/>
+        </p:spPr>
+        <p:txBody>
+          <a:bodyPr wrap="square" rtlCol="0">
+            <a:spAutoFit/>
+          </a:bodyPr>
+          <a:lstStyle/>
+          <a:p>
+            <a:r>
+              <a:rPr lang="en-US" dirty="0">
+                <a:latin typeface="Malgun Gothic" panose="020B0503020000020004" pitchFamily="34" charset="-127"/>
+                <a:ea typeface="Malgun Gothic" panose="020B0503020000020004" pitchFamily="34" charset="-127"/>
+              </a:rPr>
+              <a:t>Requisites for localization-based super-resolution imaging</a:t>
+            </a:r>
+          </a:p>
+          <a:p>
+            <a:endParaRPr lang="en-US" sz="1600" dirty="0">
+              <a:latin typeface="Malgun Gothic" panose="020B0503020000020004" pitchFamily="34" charset="-127"/>
+              <a:ea typeface="Malgun Gothic" panose="020B0503020000020004" pitchFamily="34" charset="-127"/>
+            </a:endParaRPr>
+          </a:p>
+          <a:p>
+            <a:pPr marL="285750" indent="-285750">
+              <a:buFontTx/>
+              <a:buChar char="-"/>
+            </a:pPr>
+            <a:r>
+              <a:rPr lang="en-US" sz="1600" dirty="0">
+                <a:latin typeface="Malgun Gothic" panose="020B0503020000020004" pitchFamily="34" charset="-127"/>
+                <a:ea typeface="Malgun Gothic" panose="020B0503020000020004" pitchFamily="34" charset="-127"/>
+              </a:rPr>
+              <a:t>Sufficient sensitivity to enable single molecule imaging</a:t>
+            </a:r>
+          </a:p>
+          <a:p>
+            <a:pPr marL="285750" indent="-285750">
+              <a:buFontTx/>
+              <a:buChar char="-"/>
+            </a:pPr>
+            <a:endParaRPr lang="en-US" sz="1600" dirty="0">
+              <a:latin typeface="Malgun Gothic" panose="020B0503020000020004" pitchFamily="34" charset="-127"/>
+              <a:ea typeface="Malgun Gothic" panose="020B0503020000020004" pitchFamily="34" charset="-127"/>
+            </a:endParaRPr>
+          </a:p>
+          <a:p>
+            <a:pPr marL="285750" indent="-285750">
+              <a:buFontTx/>
+              <a:buChar char="-"/>
+            </a:pPr>
+            <a:r>
+              <a:rPr lang="en-US" sz="1600" dirty="0">
+                <a:latin typeface="Malgun Gothic" panose="020B0503020000020004" pitchFamily="34" charset="-127"/>
+                <a:ea typeface="Malgun Gothic" panose="020B0503020000020004" pitchFamily="34" charset="-127"/>
+              </a:rPr>
+              <a:t>Ability to localize particles with better precision than diffraction-limit</a:t>
+            </a:r>
+          </a:p>
+          <a:p>
+            <a:pPr marL="285750" indent="-285750">
+              <a:buFontTx/>
+              <a:buChar char="-"/>
+            </a:pPr>
+            <a:endParaRPr lang="en-US" sz="1600" dirty="0">
+              <a:latin typeface="Malgun Gothic" panose="020B0503020000020004" pitchFamily="34" charset="-127"/>
+              <a:ea typeface="Malgun Gothic" panose="020B0503020000020004" pitchFamily="34" charset="-127"/>
+            </a:endParaRPr>
+          </a:p>
+          <a:p>
+            <a:pPr marL="285750" indent="-285750">
+              <a:buFontTx/>
+              <a:buChar char="-"/>
+            </a:pPr>
+            <a:r>
+              <a:rPr lang="en-US" sz="1600" dirty="0">
+                <a:latin typeface="Malgun Gothic" panose="020B0503020000020004" pitchFamily="34" charset="-127"/>
+                <a:ea typeface="Malgun Gothic" panose="020B0503020000020004" pitchFamily="34" charset="-127"/>
+              </a:rPr>
+              <a:t>Way to limit the number of fluorescing particles at a given time</a:t>
+            </a:r>
+          </a:p>
+          <a:p>
+            <a:endParaRPr lang="en-US" sz="1600" dirty="0">
+              <a:latin typeface="Malgun Gothic" panose="020B0503020000020004" pitchFamily="34" charset="-127"/>
+              <a:ea typeface="Malgun Gothic" panose="020B0503020000020004" pitchFamily="34" charset="-127"/>
+            </a:endParaRPr>
+          </a:p>
+          <a:p>
+            <a:r>
+              <a:rPr lang="en-US" dirty="0">
+                <a:latin typeface="Malgun Gothic" panose="020B0503020000020004" pitchFamily="34" charset="-127"/>
+                <a:ea typeface="Malgun Gothic" panose="020B0503020000020004" pitchFamily="34" charset="-127"/>
+              </a:rPr>
+              <a:t>SHREC (single‐molecule high‐resolution </a:t>
+            </a:r>
+            <a:r>
+              <a:rPr lang="en-US" dirty="0" err="1">
+                <a:latin typeface="Malgun Gothic" panose="020B0503020000020004" pitchFamily="34" charset="-127"/>
+                <a:ea typeface="Malgun Gothic" panose="020B0503020000020004" pitchFamily="34" charset="-127"/>
+              </a:rPr>
+              <a:t>colocalization</a:t>
+            </a:r>
+            <a:r>
+              <a:rPr lang="en-US" dirty="0">
+                <a:latin typeface="Malgun Gothic" panose="020B0503020000020004" pitchFamily="34" charset="-127"/>
+                <a:ea typeface="Malgun Gothic" panose="020B0503020000020004" pitchFamily="34" charset="-127"/>
+              </a:rPr>
+              <a:t> of fluorescent probes)</a:t>
+            </a:r>
+          </a:p>
+          <a:p>
+            <a:endParaRPr lang="en-US" dirty="0">
+              <a:latin typeface="Malgun Gothic" panose="020B0503020000020004" pitchFamily="34" charset="-127"/>
+              <a:ea typeface="Malgun Gothic" panose="020B0503020000020004" pitchFamily="34" charset="-127"/>
+            </a:endParaRPr>
+          </a:p>
+          <a:p>
+            <a:pPr marL="285750" lvl="1" indent="-285750">
+              <a:buFontTx/>
+              <a:buChar char="-"/>
+            </a:pPr>
+            <a:r>
+              <a:rPr lang="en-US" sz="1600" dirty="0">
+                <a:latin typeface="Malgun Gothic" panose="020B0503020000020004" pitchFamily="34" charset="-127"/>
+                <a:ea typeface="Malgun Gothic" panose="020B0503020000020004" pitchFamily="34" charset="-127"/>
+              </a:rPr>
+              <a:t>Cy3 and Cy5 attached to two different </a:t>
+            </a:r>
+            <a:r>
+              <a:rPr lang="en-US" sz="1600" dirty="0" err="1">
+                <a:latin typeface="Malgun Gothic" panose="020B0503020000020004" pitchFamily="34" charset="-127"/>
+                <a:ea typeface="Malgun Gothic" panose="020B0503020000020004" pitchFamily="34" charset="-127"/>
+              </a:rPr>
+              <a:t>calmodulin</a:t>
+            </a:r>
+            <a:r>
+              <a:rPr lang="en-US" sz="1600" dirty="0">
+                <a:latin typeface="Malgun Gothic" panose="020B0503020000020004" pitchFamily="34" charset="-127"/>
+                <a:ea typeface="Malgun Gothic" panose="020B0503020000020004" pitchFamily="34" charset="-127"/>
+              </a:rPr>
+              <a:t> molecules that bind to the ‘legs’ of the same single molecule of myosin V </a:t>
+            </a:r>
+          </a:p>
+          <a:p>
+            <a:pPr marL="0" lvl="1"/>
+            <a:endParaRPr lang="en-US" sz="1600" dirty="0">
+              <a:latin typeface="Malgun Gothic" panose="020B0503020000020004" pitchFamily="34" charset="-127"/>
+              <a:ea typeface="Malgun Gothic" panose="020B0503020000020004" pitchFamily="34" charset="-127"/>
+            </a:endParaRPr>
+          </a:p>
+        </p:txBody>
+      </p:sp>
+      <p:pic>
+        <p:nvPicPr>
+          <p:cNvPr id="7" name="Picture 6"/>
+          <p:cNvPicPr>
+            <a:picLocks noChangeAspect="1"/>
+          </p:cNvPicPr>
+          <p:nvPr/>
+        </p:nvPicPr>
+        <p:blipFill rotWithShape="1">
+          <a:blip r:embed="rId3"/>
+          <a:srcRect t="214"/>
+          <a:stretch/>
+        </p:blipFill>
+        <p:spPr>
+          <a:xfrm>
+            <a:off x="5530850" y="1487907"/>
+            <a:ext cx="2635250" cy="2056366"/>
+          </a:xfrm>
+          <a:prstGeom prst="rect">
+            <a:avLst/>
+          </a:prstGeom>
+        </p:spPr>
+      </p:pic>
+      <p:pic>
+        <p:nvPicPr>
+          <p:cNvPr id="8" name="Picture 7"/>
+          <p:cNvPicPr>
+            <a:picLocks noChangeAspect="1"/>
+          </p:cNvPicPr>
+          <p:nvPr/>
+        </p:nvPicPr>
+        <p:blipFill>
+          <a:blip r:embed="rId4"/>
+          <a:stretch>
+            <a:fillRect/>
+          </a:stretch>
+        </p:blipFill>
+        <p:spPr>
+          <a:xfrm>
+            <a:off x="5530850" y="4242773"/>
+            <a:ext cx="2635250" cy="2059614"/>
+          </a:xfrm>
+          <a:prstGeom prst="rect">
+            <a:avLst/>
+          </a:prstGeom>
+        </p:spPr>
+      </p:pic>
+      <p:sp>
+        <p:nvSpPr>
+          <p:cNvPr id="9" name="TextBox 8"/>
+          <p:cNvSpPr txBox="1"/>
+          <p:nvPr/>
+        </p:nvSpPr>
+        <p:spPr>
+          <a:xfrm>
+            <a:off x="5441950" y="1087797"/>
+            <a:ext cx="2635250" cy="400110"/>
+          </a:xfrm>
+          <a:prstGeom prst="rect">
+            <a:avLst/>
+          </a:prstGeom>
+          <a:noFill/>
+        </p:spPr>
+        <p:txBody>
+          <a:bodyPr wrap="square" rtlCol="0">
+            <a:spAutoFit/>
+          </a:bodyPr>
+          <a:lstStyle/>
+          <a:p>
+            <a:r>
+              <a:rPr lang="en-US" sz="1000" dirty="0">
+                <a:latin typeface="Malgun Gothic" panose="020B0503020000020004" pitchFamily="34" charset="-127"/>
+                <a:ea typeface="Malgun Gothic" panose="020B0503020000020004" pitchFamily="34" charset="-127"/>
+              </a:rPr>
+              <a:t>One emitter per diffraction limited region</a:t>
+            </a:r>
+          </a:p>
+          <a:p>
+            <a:r>
+              <a:rPr lang="en-US" sz="1000" dirty="0">
+                <a:latin typeface="Malgun Gothic" panose="020B0503020000020004" pitchFamily="34" charset="-127"/>
+                <a:ea typeface="Malgun Gothic" panose="020B0503020000020004" pitchFamily="34" charset="-127"/>
+              </a:rPr>
+              <a:t>Each can be localized independently</a:t>
+            </a:r>
+          </a:p>
+        </p:txBody>
+      </p:sp>
+      <p:sp>
+        <p:nvSpPr>
+          <p:cNvPr id="11" name="TextBox 10"/>
+          <p:cNvSpPr txBox="1"/>
+          <p:nvPr/>
+        </p:nvSpPr>
+        <p:spPr>
+          <a:xfrm>
+            <a:off x="5441950" y="3850046"/>
+            <a:ext cx="2724150" cy="400110"/>
+          </a:xfrm>
+          <a:prstGeom prst="rect">
+            <a:avLst/>
+          </a:prstGeom>
+          <a:noFill/>
+        </p:spPr>
+        <p:txBody>
+          <a:bodyPr wrap="square" rtlCol="0">
+            <a:spAutoFit/>
+          </a:bodyPr>
+          <a:lstStyle/>
+          <a:p>
+            <a:r>
+              <a:rPr lang="en-US" sz="1000" dirty="0">
+                <a:latin typeface="Malgun Gothic" panose="020B0503020000020004" pitchFamily="34" charset="-127"/>
+                <a:ea typeface="Malgun Gothic" panose="020B0503020000020004" pitchFamily="34" charset="-127"/>
+              </a:rPr>
+              <a:t>Two emitters in diffraction limited region</a:t>
+            </a:r>
+          </a:p>
+          <a:p>
+            <a:r>
+              <a:rPr lang="en-US" sz="1000" dirty="0">
+                <a:latin typeface="Malgun Gothic" panose="020B0503020000020004" pitchFamily="34" charset="-127"/>
+                <a:ea typeface="Malgun Gothic" panose="020B0503020000020004" pitchFamily="34" charset="-127"/>
+              </a:rPr>
+              <a:t>Cannot be localized</a:t>
+            </a:r>
+          </a:p>
+        </p:txBody>
+      </p:sp>
+    </p:spTree>
+    <p:extLst>
+      <p:ext uri="{BB962C8B-B14F-4D97-AF65-F5344CB8AC3E}">
+        <p14:creationId xmlns:p14="http://schemas.microsoft.com/office/powerpoint/2010/main" val="1961667206"/>
+      </p:ext>
+    </p:extLst>
+  </p:cSld>
+  <p:clrMapOvr>
+    <a:masterClrMapping/>
+  </p:clrMapOvr>
+</p:sld>
+</file>
+
+<file path=ppt/slides/slide4.xml><?xml version="1.0" encoding="utf-8"?>
+<p:sld xmlns:a="http://schemas.openxmlformats.org/drawingml/2006/main" xmlns:r="http://schemas.openxmlformats.org/officeDocument/2006/relationships" xmlns:p="http://schemas.openxmlformats.org/presentationml/2006/main">
+  <p:cSld>
+    <p:spTree>
+      <p:nvGrpSpPr>
+        <p:cNvPr id="1" name=""/>
+        <p:cNvGrpSpPr/>
+        <p:nvPr/>
+      </p:nvGrpSpPr>
+      <p:grpSpPr>
+        <a:xfrm>
+          <a:off x="0" y="0"/>
+          <a:ext cx="0" cy="0"/>
+          <a:chOff x="0" y="0"/>
+          <a:chExt cx="0" cy="0"/>
+        </a:xfrm>
+      </p:grpSpPr>
+      <p:sp>
+        <p:nvSpPr>
+          <p:cNvPr id="2" name="Title 1"/>
+          <p:cNvSpPr>
+            <a:spLocks noGrp="1"/>
+          </p:cNvSpPr>
+          <p:nvPr>
+            <p:ph type="title"/>
+          </p:nvPr>
+        </p:nvSpPr>
+        <p:spPr>
+          <a:xfrm>
+            <a:off x="0" y="0"/>
+            <a:ext cx="7030995" cy="735391"/>
+          </a:xfrm>
+        </p:spPr>
+        <p:txBody>
+          <a:bodyPr>
+            <a:normAutofit/>
+          </a:bodyPr>
+          <a:lstStyle/>
+          <a:p>
+            <a:r>
+              <a:rPr lang="en-US" dirty="0"/>
+              <a:t>Principle behind </a:t>
+            </a:r>
+            <a:r>
+              <a:rPr lang="en-US" dirty="0" err="1"/>
+              <a:t>smacm</a:t>
+            </a:r>
+            <a:r>
+              <a:rPr lang="en-US" dirty="0"/>
+              <a:t> techniques</a:t>
+            </a:r>
+          </a:p>
+        </p:txBody>
+      </p:sp>
+      <p:sp>
+        <p:nvSpPr>
+          <p:cNvPr id="6" name="Rectangle 5"/>
+          <p:cNvSpPr/>
+          <p:nvPr/>
+        </p:nvSpPr>
+        <p:spPr>
+          <a:xfrm>
+            <a:off x="435442" y="1253005"/>
+            <a:ext cx="4836128" cy="4832092"/>
+          </a:xfrm>
+          <a:prstGeom prst="rect">
+            <a:avLst/>
+          </a:prstGeom>
+        </p:spPr>
+        <p:txBody>
+          <a:bodyPr wrap="square">
+            <a:spAutoFit/>
+          </a:bodyPr>
+          <a:lstStyle/>
+          <a:p>
+            <a:r>
+              <a:rPr lang="en-US" dirty="0">
+                <a:latin typeface="Malgun Gothic" panose="020B0503020000020004" pitchFamily="34" charset="-127"/>
+                <a:ea typeface="Malgun Gothic" panose="020B0503020000020004" pitchFamily="34" charset="-127"/>
+              </a:rPr>
+              <a:t>Method for imaging more complex structures with many emitters</a:t>
+            </a:r>
+          </a:p>
+          <a:p>
+            <a:pPr marL="0" lvl="1"/>
+            <a:endParaRPr lang="en-US" sz="1600" dirty="0">
+              <a:sym typeface="Wingdings" panose="05000000000000000000" pitchFamily="2" charset="2"/>
+            </a:endParaRPr>
+          </a:p>
+          <a:p>
+            <a:pPr marL="285750" lvl="1" indent="-285750">
+              <a:buFontTx/>
+              <a:buChar char="-"/>
+            </a:pPr>
+            <a:r>
+              <a:rPr lang="en-US" sz="1600" dirty="0">
+                <a:sym typeface="Wingdings" panose="05000000000000000000" pitchFamily="2" charset="2"/>
+              </a:rPr>
+              <a:t>Structure is labeled with low concentration of emitters and set in a dark state </a:t>
+            </a:r>
+          </a:p>
+          <a:p>
+            <a:pPr marL="285750" lvl="1" indent="-285750">
+              <a:buFontTx/>
+              <a:buChar char="-"/>
+            </a:pPr>
+            <a:endParaRPr lang="en-US" sz="1600" dirty="0">
+              <a:sym typeface="Wingdings" panose="05000000000000000000" pitchFamily="2" charset="2"/>
+            </a:endParaRPr>
+          </a:p>
+          <a:p>
+            <a:pPr marL="285750" lvl="1" indent="-285750">
+              <a:buFontTx/>
+              <a:buChar char="-"/>
+            </a:pPr>
+            <a:r>
+              <a:rPr lang="en-US" sz="1600" dirty="0">
+                <a:sym typeface="Wingdings" panose="05000000000000000000" pitchFamily="2" charset="2"/>
+              </a:rPr>
+              <a:t>Weak activating light is used to turn on a small subset of emitters such that the activated emitters are sufficiently far apart and can be super-localized</a:t>
+            </a:r>
+          </a:p>
+          <a:p>
+            <a:pPr marL="285750" lvl="1" indent="-285750">
+              <a:buFontTx/>
+              <a:buChar char="-"/>
+            </a:pPr>
+            <a:endParaRPr lang="en-US" sz="1600" dirty="0">
+              <a:sym typeface="Wingdings" panose="05000000000000000000" pitchFamily="2" charset="2"/>
+            </a:endParaRPr>
+          </a:p>
+          <a:p>
+            <a:pPr marL="285750" lvl="1" indent="-285750">
+              <a:buFontTx/>
+              <a:buChar char="-"/>
+            </a:pPr>
+            <a:r>
+              <a:rPr lang="en-US" sz="1600" dirty="0">
+                <a:sym typeface="Wingdings" panose="05000000000000000000" pitchFamily="2" charset="2"/>
+              </a:rPr>
+              <a:t>An image is taken, and the emitters eventually </a:t>
+            </a:r>
+            <a:r>
+              <a:rPr lang="en-US" sz="1600" dirty="0" err="1">
+                <a:sym typeface="Wingdings" panose="05000000000000000000" pitchFamily="2" charset="2"/>
+              </a:rPr>
+              <a:t>photobleach</a:t>
+            </a:r>
+            <a:r>
+              <a:rPr lang="en-US" sz="1600" dirty="0">
+                <a:sym typeface="Wingdings" panose="05000000000000000000" pitchFamily="2" charset="2"/>
+              </a:rPr>
+              <a:t>. The activating laser is turned on again, and a different subset of emitters are turned on. (B)</a:t>
+            </a:r>
+          </a:p>
+          <a:p>
+            <a:pPr marL="285750" lvl="1" indent="-285750">
+              <a:buFontTx/>
+              <a:buChar char="-"/>
+            </a:pPr>
+            <a:endParaRPr lang="en-US" sz="1600" dirty="0">
+              <a:sym typeface="Wingdings" panose="05000000000000000000" pitchFamily="2" charset="2"/>
+            </a:endParaRPr>
+          </a:p>
+          <a:p>
+            <a:pPr marL="285750" lvl="1" indent="-285750">
+              <a:buFontTx/>
+              <a:buChar char="-"/>
+            </a:pPr>
+            <a:r>
+              <a:rPr lang="en-US" sz="1600" dirty="0">
+                <a:sym typeface="Wingdings" panose="05000000000000000000" pitchFamily="2" charset="2"/>
+              </a:rPr>
+              <a:t>Another image is taken and the process is repeated until the underlying structure (blue) can be reconstructed. (C)</a:t>
+            </a:r>
+          </a:p>
+          <a:p>
+            <a:pPr marL="285750" lvl="1" indent="-285750">
+              <a:buFontTx/>
+              <a:buChar char="-"/>
+            </a:pPr>
+            <a:endParaRPr lang="en-US" sz="1600" dirty="0">
+              <a:sym typeface="Wingdings" panose="05000000000000000000" pitchFamily="2" charset="2"/>
+            </a:endParaRPr>
+          </a:p>
+          <a:p>
+            <a:pPr marL="285750" lvl="1" indent="-285750">
+              <a:buFontTx/>
+              <a:buChar char="-"/>
+            </a:pPr>
+            <a:r>
+              <a:rPr lang="en-US" sz="1600" dirty="0">
+                <a:sym typeface="Wingdings" panose="05000000000000000000" pitchFamily="2" charset="2"/>
+              </a:rPr>
+              <a:t>Can determine positions to ~20nm resolution</a:t>
+            </a:r>
+          </a:p>
+        </p:txBody>
+      </p:sp>
+      <p:grpSp>
+        <p:nvGrpSpPr>
+          <p:cNvPr id="9" name="Group 8"/>
+          <p:cNvGrpSpPr/>
+          <p:nvPr/>
+        </p:nvGrpSpPr>
+        <p:grpSpPr>
+          <a:xfrm>
+            <a:off x="5688996" y="1261736"/>
+            <a:ext cx="2601869" cy="5005827"/>
+            <a:chOff x="5688996" y="1261736"/>
+            <a:chExt cx="2601869" cy="5005827"/>
+          </a:xfrm>
+        </p:grpSpPr>
+        <p:pic>
+          <p:nvPicPr>
+            <p:cNvPr id="5" name="Picture 2" descr="image"/>
+            <p:cNvPicPr>
+              <a:picLocks noChangeAspect="1" noChangeArrowheads="1"/>
+            </p:cNvPicPr>
+            <p:nvPr/>
+          </p:nvPicPr>
+          <p:blipFill rotWithShape="1">
+            <a:blip r:embed="rId3">
+              <a:extLst>
+                <a:ext uri="{28A0092B-C50C-407E-A947-70E740481C1C}">
+                  <a14:useLocalDpi xmlns:a14="http://schemas.microsoft.com/office/drawing/2010/main" val="0"/>
+                </a:ext>
+              </a:extLst>
+            </a:blip>
+            <a:srcRect l="24513" r="21686"/>
+            <a:stretch/>
+          </p:blipFill>
+          <p:spPr bwMode="auto">
+            <a:xfrm>
+              <a:off x="5688996" y="3043715"/>
+              <a:ext cx="2601869" cy="1773248"/>
+            </a:xfrm>
+            <a:prstGeom prst="rect">
+              <a:avLst/>
+            </a:prstGeom>
+            <a:noFill/>
+            <a:extLst>
+              <a:ext uri="{909E8E84-426E-40DD-AFC4-6F175D3DCCD1}">
+                <a14:hiddenFill xmlns:a14="http://schemas.microsoft.com/office/drawing/2010/main">
+                  <a:solidFill>
+                    <a:srgbClr val="FFFFFF"/>
+                  </a:solidFill>
+                </a14:hiddenFill>
+              </a:ext>
+            </a:extLst>
+          </p:spPr>
+        </p:pic>
+        <p:pic>
+          <p:nvPicPr>
+            <p:cNvPr id="7" name="Picture 2" descr="image"/>
+            <p:cNvPicPr>
+              <a:picLocks noChangeAspect="1" noChangeArrowheads="1"/>
+            </p:cNvPicPr>
+            <p:nvPr/>
+          </p:nvPicPr>
+          <p:blipFill rotWithShape="1">
+            <a:blip r:embed="rId3">
+              <a:extLst>
+                <a:ext uri="{28A0092B-C50C-407E-A947-70E740481C1C}">
+                  <a14:useLocalDpi xmlns:a14="http://schemas.microsoft.com/office/drawing/2010/main" val="0"/>
+                </a:ext>
+              </a:extLst>
+            </a:blip>
+            <a:srcRect r="75173"/>
+            <a:stretch/>
+          </p:blipFill>
+          <p:spPr bwMode="auto">
+            <a:xfrm>
+              <a:off x="5688996" y="1261736"/>
+              <a:ext cx="1200665" cy="1773248"/>
+            </a:xfrm>
+            <a:prstGeom prst="rect">
+              <a:avLst/>
+            </a:prstGeom>
+            <a:noFill/>
+            <a:extLst>
+              <a:ext uri="{909E8E84-426E-40DD-AFC4-6F175D3DCCD1}">
+                <a14:hiddenFill xmlns:a14="http://schemas.microsoft.com/office/drawing/2010/main">
+                  <a:solidFill>
+                    <a:srgbClr val="FFFFFF"/>
+                  </a:solidFill>
+                </a14:hiddenFill>
+              </a:ext>
+            </a:extLst>
+          </p:spPr>
+        </p:pic>
+        <p:pic>
+          <p:nvPicPr>
+            <p:cNvPr id="8" name="Picture 2" descr="image"/>
+            <p:cNvPicPr>
+              <a:picLocks noChangeAspect="1" noChangeArrowheads="1"/>
+            </p:cNvPicPr>
+            <p:nvPr/>
+          </p:nvPicPr>
+          <p:blipFill rotWithShape="1">
+            <a:blip r:embed="rId3">
+              <a:extLst>
+                <a:ext uri="{28A0092B-C50C-407E-A947-70E740481C1C}">
+                  <a14:useLocalDpi xmlns:a14="http://schemas.microsoft.com/office/drawing/2010/main" val="0"/>
+                </a:ext>
+              </a:extLst>
+            </a:blip>
+            <a:srcRect l="76749"/>
+            <a:stretch/>
+          </p:blipFill>
+          <p:spPr bwMode="auto">
+            <a:xfrm>
+              <a:off x="5688996" y="4494315"/>
+              <a:ext cx="1124465" cy="1773248"/>
+            </a:xfrm>
+            <a:prstGeom prst="rect">
+              <a:avLst/>
+            </a:prstGeom>
+            <a:noFill/>
+            <a:extLst>
+              <a:ext uri="{909E8E84-426E-40DD-AFC4-6F175D3DCCD1}">
+                <a14:hiddenFill xmlns:a14="http://schemas.microsoft.com/office/drawing/2010/main">
+                  <a:solidFill>
+                    <a:srgbClr val="FFFFFF"/>
+                  </a:solidFill>
+                </a14:hiddenFill>
+              </a:ext>
+            </a:extLst>
+          </p:spPr>
+        </p:pic>
+      </p:grpSp>
+    </p:spTree>
+    <p:extLst>
+      <p:ext uri="{BB962C8B-B14F-4D97-AF65-F5344CB8AC3E}">
+        <p14:creationId xmlns:p14="http://schemas.microsoft.com/office/powerpoint/2010/main" val="2706415909"/>
+      </p:ext>
+    </p:extLst>
+  </p:cSld>
+  <p:clrMapOvr>
+    <a:masterClrMapping/>
+  </p:clrMapOvr>
+</p:sld>
+</file>
+
+<file path=ppt/slides/slide5.xml><?xml version="1.0" encoding="utf-8"?>
+<p:sld xmlns:a="http://schemas.openxmlformats.org/drawingml/2006/main" xmlns:r="http://schemas.openxmlformats.org/officeDocument/2006/relationships" xmlns:p="http://schemas.openxmlformats.org/presentationml/2006/main">
+  <p:cSld>
+    <p:spTree>
+      <p:nvGrpSpPr>
+        <p:cNvPr id="1" name=""/>
+        <p:cNvGrpSpPr/>
+        <p:nvPr/>
+      </p:nvGrpSpPr>
+      <p:grpSpPr>
+        <a:xfrm>
+          <a:off x="0" y="0"/>
+          <a:ext cx="0" cy="0"/>
+          <a:chOff x="0" y="0"/>
+          <a:chExt cx="0" cy="0"/>
+        </a:xfrm>
+      </p:grpSpPr>
+      <p:sp>
+        <p:nvSpPr>
+          <p:cNvPr id="2" name="Title 1">
+            <a:extLst>
+              <a:ext uri="{FF2B5EF4-FFF2-40B4-BE49-F238E27FC236}">
+                <a16:creationId xmlns:a16="http://schemas.microsoft.com/office/drawing/2014/main" id="{550AC5EF-64FB-2342-9467-308E1707A006}"/>
+              </a:ext>
+            </a:extLst>
+          </p:cNvPr>
+          <p:cNvSpPr>
+            <a:spLocks noGrp="1"/>
+          </p:cNvSpPr>
+          <p:nvPr>
+            <p:ph type="title"/>
+          </p:nvPr>
+        </p:nvSpPr>
+        <p:spPr/>
+        <p:txBody>
+          <a:bodyPr/>
+          <a:lstStyle/>
+          <a:p>
+            <a:r>
+              <a:rPr lang="en-US" dirty="0"/>
+              <a:t>Super-resolution of </a:t>
+            </a:r>
+            <a:r>
+              <a:rPr lang="en-US" dirty="0" err="1"/>
+              <a:t>ews</a:t>
+            </a:r>
+            <a:r>
+              <a:rPr lang="en-US" dirty="0"/>
+              <a:t>/fli1 hubs</a:t>
+            </a:r>
+          </a:p>
+        </p:txBody>
+      </p:sp>
+      <p:sp>
+        <p:nvSpPr>
+          <p:cNvPr id="5" name="Rectangle 4">
+            <a:extLst>
+              <a:ext uri="{FF2B5EF4-FFF2-40B4-BE49-F238E27FC236}">
+                <a16:creationId xmlns:a16="http://schemas.microsoft.com/office/drawing/2014/main" id="{025A6675-8C0F-034F-AFF7-286D09ABB623}"/>
+              </a:ext>
+            </a:extLst>
+          </p:cNvPr>
+          <p:cNvSpPr/>
+          <p:nvPr/>
+        </p:nvSpPr>
+        <p:spPr>
+          <a:xfrm>
+            <a:off x="4878105" y="1059232"/>
+            <a:ext cx="3979862" cy="4431983"/>
+          </a:xfrm>
+          <a:prstGeom prst="rect">
+            <a:avLst/>
+          </a:prstGeom>
+        </p:spPr>
+        <p:txBody>
+          <a:bodyPr wrap="square">
+            <a:spAutoFit/>
+          </a:bodyPr>
+          <a:lstStyle/>
+          <a:p>
+            <a:r>
+              <a:rPr lang="en-US" dirty="0">
+                <a:latin typeface="Malgun Gothic" panose="020B0503020000020004" pitchFamily="34" charset="-127"/>
+                <a:ea typeface="Malgun Gothic" panose="020B0503020000020004" pitchFamily="34" charset="-127"/>
+              </a:rPr>
+              <a:t>Hubs are typically on the order of hundreds of nm, i.e. diffraction limited</a:t>
+            </a:r>
+          </a:p>
+          <a:p>
+            <a:endParaRPr lang="en-US" dirty="0">
+              <a:latin typeface="Malgun Gothic" panose="020B0503020000020004" pitchFamily="34" charset="-127"/>
+              <a:ea typeface="Malgun Gothic" panose="020B0503020000020004" pitchFamily="34" charset="-127"/>
+            </a:endParaRPr>
+          </a:p>
+          <a:p>
+            <a:pPr marL="285750" indent="-285750">
+              <a:buFontTx/>
+              <a:buChar char="-"/>
+            </a:pPr>
+            <a:r>
+              <a:rPr lang="en-US" sz="1600" dirty="0">
+                <a:latin typeface="Malgun Gothic" panose="020B0503020000020004" pitchFamily="34" charset="-127"/>
+                <a:ea typeface="Malgun Gothic" panose="020B0503020000020004" pitchFamily="34" charset="-127"/>
+              </a:rPr>
+              <a:t>Super-resolution (PALM) techniques can give us order of magnitude estimates of absolute protein number</a:t>
+            </a:r>
+          </a:p>
+          <a:p>
+            <a:pPr marL="285750" indent="-285750">
+              <a:buFontTx/>
+              <a:buChar char="-"/>
+            </a:pPr>
+            <a:endParaRPr lang="en-US" sz="1600" dirty="0">
+              <a:latin typeface="Malgun Gothic" panose="020B0503020000020004" pitchFamily="34" charset="-127"/>
+              <a:ea typeface="Malgun Gothic" panose="020B0503020000020004" pitchFamily="34" charset="-127"/>
+            </a:endParaRPr>
+          </a:p>
+          <a:p>
+            <a:pPr marL="285750" indent="-285750">
+              <a:buFontTx/>
+              <a:buChar char="-"/>
+            </a:pPr>
+            <a:r>
+              <a:rPr lang="en-US" sz="1600" dirty="0">
+                <a:latin typeface="Malgun Gothic" panose="020B0503020000020004" pitchFamily="34" charset="-127"/>
+                <a:ea typeface="Malgun Gothic" panose="020B0503020000020004" pitchFamily="34" charset="-127"/>
+              </a:rPr>
+              <a:t>More highly resolved characterization of hub sizes can allow for quantitative drug testing analysis</a:t>
+            </a:r>
+          </a:p>
+          <a:p>
+            <a:pPr marL="285750" indent="-285750">
+              <a:buFontTx/>
+              <a:buChar char="-"/>
+            </a:pPr>
+            <a:endParaRPr lang="en-US" sz="1600" dirty="0">
+              <a:latin typeface="Malgun Gothic" panose="020B0503020000020004" pitchFamily="34" charset="-127"/>
+              <a:ea typeface="Malgun Gothic" panose="020B0503020000020004" pitchFamily="34" charset="-127"/>
+            </a:endParaRPr>
+          </a:p>
+          <a:p>
+            <a:pPr marL="285750" indent="-285750">
+              <a:buFontTx/>
+              <a:buChar char="-"/>
+            </a:pPr>
+            <a:r>
+              <a:rPr lang="en-US" sz="1600" dirty="0">
+                <a:latin typeface="Malgun Gothic" panose="020B0503020000020004" pitchFamily="34" charset="-127"/>
+                <a:ea typeface="Malgun Gothic" panose="020B0503020000020004" pitchFamily="34" charset="-127"/>
+              </a:rPr>
+              <a:t>Can be combined with RNA FISH to identify spatiotemporal correlation with transcriptional bursting and hub formation</a:t>
+            </a:r>
+          </a:p>
+          <a:p>
+            <a:pPr marL="285750" indent="-285750">
+              <a:buFontTx/>
+              <a:buChar char="-"/>
+            </a:pPr>
+            <a:endParaRPr lang="en-US" dirty="0">
+              <a:latin typeface="Malgun Gothic" panose="020B0503020000020004" pitchFamily="34" charset="-127"/>
+              <a:ea typeface="Malgun Gothic" panose="020B0503020000020004" pitchFamily="34" charset="-127"/>
+            </a:endParaRPr>
+          </a:p>
+        </p:txBody>
+      </p:sp>
+    </p:spTree>
+    <p:extLst>
+      <p:ext uri="{BB962C8B-B14F-4D97-AF65-F5344CB8AC3E}">
+        <p14:creationId xmlns:p14="http://schemas.microsoft.com/office/powerpoint/2010/main" val="4171617919"/>
+      </p:ext>
+    </p:extLst>
+  </p:cSld>
+  <p:clrMapOvr>
+    <a:masterClrMapping/>
+  </p:clrMapOvr>
+</p:sld>
+</file>
+
+<file path=ppt/slides/slide6.xml><?xml version="1.0" encoding="utf-8"?>
+<p:sld xmlns:a="http://schemas.openxmlformats.org/drawingml/2006/main" xmlns:r="http://schemas.openxmlformats.org/officeDocument/2006/relationships" xmlns:p="http://schemas.openxmlformats.org/presentationml/2006/main">
+  <p:cSld>
+    <p:spTree>
+      <p:nvGrpSpPr>
+        <p:cNvPr id="1" name=""/>
+        <p:cNvGrpSpPr/>
+        <p:nvPr/>
+      </p:nvGrpSpPr>
+      <p:grpSpPr>
+        <a:xfrm>
+          <a:off x="0" y="0"/>
+          <a:ext cx="0" cy="0"/>
+          <a:chOff x="0" y="0"/>
+          <a:chExt cx="0" cy="0"/>
+        </a:xfrm>
+      </p:grpSpPr>
+      <p:sp>
+        <p:nvSpPr>
+          <p:cNvPr id="2" name="Title 1">
+            <a:extLst>
+              <a:ext uri="{FF2B5EF4-FFF2-40B4-BE49-F238E27FC236}">
+                <a16:creationId xmlns:a16="http://schemas.microsoft.com/office/drawing/2014/main" id="{550AC5EF-64FB-2342-9467-308E1707A006}"/>
+              </a:ext>
+            </a:extLst>
+          </p:cNvPr>
+          <p:cNvSpPr>
+            <a:spLocks noGrp="1"/>
+          </p:cNvSpPr>
+          <p:nvPr>
+            <p:ph type="title"/>
+          </p:nvPr>
+        </p:nvSpPr>
+        <p:spPr/>
+        <p:txBody>
+          <a:bodyPr/>
+          <a:lstStyle/>
+          <a:p>
+            <a:r>
+              <a:rPr lang="en-US" dirty="0"/>
+              <a:t>Super-resolution of </a:t>
+            </a:r>
+            <a:r>
+              <a:rPr lang="en-US" dirty="0" err="1"/>
+              <a:t>ews</a:t>
+            </a:r>
+            <a:r>
+              <a:rPr lang="en-US" dirty="0"/>
+              <a:t>/fli1 hubs</a:t>
+            </a:r>
+          </a:p>
+        </p:txBody>
+      </p:sp>
+      <p:pic>
+        <p:nvPicPr>
+          <p:cNvPr id="8" name="Picture 7" descr="A picture containing star, outdoor object&#10;&#10;Description automatically generated">
+            <a:extLst>
+              <a:ext uri="{FF2B5EF4-FFF2-40B4-BE49-F238E27FC236}">
+                <a16:creationId xmlns:a16="http://schemas.microsoft.com/office/drawing/2014/main" id="{C62A3DA4-A095-DF48-9791-3416079E0FD3}"/>
+              </a:ext>
+            </a:extLst>
+          </p:cNvPr>
+          <p:cNvPicPr>
+            <a:picLocks noChangeAspect="1"/>
+          </p:cNvPicPr>
+          <p:nvPr/>
+        </p:nvPicPr>
+        <p:blipFill>
+          <a:blip r:embed="rId2">
+            <a:extLst>
+              <a:ext uri="{28A0092B-C50C-407E-A947-70E740481C1C}">
+                <a14:useLocalDpi xmlns:a14="http://schemas.microsoft.com/office/drawing/2010/main" val="0"/>
+              </a:ext>
+            </a:extLst>
+          </a:blip>
+          <a:stretch>
+            <a:fillRect/>
+          </a:stretch>
+        </p:blipFill>
+        <p:spPr>
+          <a:xfrm>
+            <a:off x="512931" y="1048123"/>
+            <a:ext cx="2717800" cy="2717800"/>
+          </a:xfrm>
+          <a:prstGeom prst="rect">
+            <a:avLst/>
+          </a:prstGeom>
+        </p:spPr>
+      </p:pic>
+      <p:pic>
+        <p:nvPicPr>
+          <p:cNvPr id="10" name="Picture 9" descr="A picture containing star, dark, outdoor object, night sky&#10;&#10;Description automatically generated">
+            <a:extLst>
+              <a:ext uri="{FF2B5EF4-FFF2-40B4-BE49-F238E27FC236}">
+                <a16:creationId xmlns:a16="http://schemas.microsoft.com/office/drawing/2014/main" id="{9B398901-71DF-2A41-8917-34337838FE3A}"/>
+              </a:ext>
+            </a:extLst>
+          </p:cNvPr>
+          <p:cNvPicPr>
+            <a:picLocks noChangeAspect="1"/>
+          </p:cNvPicPr>
+          <p:nvPr/>
+        </p:nvPicPr>
+        <p:blipFill>
+          <a:blip r:embed="rId3">
+            <a:extLst>
+              <a:ext uri="{28A0092B-C50C-407E-A947-70E740481C1C}">
+                <a14:useLocalDpi xmlns:a14="http://schemas.microsoft.com/office/drawing/2010/main" val="0"/>
+              </a:ext>
+            </a:extLst>
+          </a:blip>
+          <a:stretch>
+            <a:fillRect/>
+          </a:stretch>
+        </p:blipFill>
+        <p:spPr>
+          <a:xfrm>
+            <a:off x="3230731" y="1048123"/>
+            <a:ext cx="2717800" cy="2717800"/>
+          </a:xfrm>
+          <a:prstGeom prst="rect">
+            <a:avLst/>
+          </a:prstGeom>
+        </p:spPr>
+      </p:pic>
+    </p:spTree>
+    <p:extLst>
+      <p:ext uri="{BB962C8B-B14F-4D97-AF65-F5344CB8AC3E}">
+        <p14:creationId xmlns:p14="http://schemas.microsoft.com/office/powerpoint/2010/main" val="2490665255"/>
+      </p:ext>
+    </p:extLst>
+  </p:cSld>
+  <p:clrMapOvr>
+    <a:masterClrMapping/>
+  </p:clrMapOvr>
+</p:sld>
+</file>
+
+<file path=ppt/slides/slide7.xml><?xml version="1.0" encoding="utf-8"?>
+<p:sld xmlns:a="http://schemas.openxmlformats.org/drawingml/2006/main" xmlns:r="http://schemas.openxmlformats.org/officeDocument/2006/relationships" xmlns:p="http://schemas.openxmlformats.org/presentationml/2006/main">
+  <p:cSld>
+    <p:spTree>
+      <p:nvGrpSpPr>
+        <p:cNvPr id="1" name=""/>
+        <p:cNvGrpSpPr/>
+        <p:nvPr/>
+      </p:nvGrpSpPr>
+      <p:grpSpPr>
+        <a:xfrm>
+          <a:off x="0" y="0"/>
+          <a:ext cx="0" cy="0"/>
+          <a:chOff x="0" y="0"/>
+          <a:chExt cx="0" cy="0"/>
+        </a:xfrm>
+      </p:grpSpPr>
+      <p:sp>
+        <p:nvSpPr>
+          <p:cNvPr id="4" name="Title 3">
+            <a:extLst>
+              <a:ext uri="{FF2B5EF4-FFF2-40B4-BE49-F238E27FC236}">
+                <a16:creationId xmlns:a16="http://schemas.microsoft.com/office/drawing/2014/main" id="{6994BBA0-CCFB-D649-B006-E2811BFE2EB7}"/>
+              </a:ext>
+            </a:extLst>
+          </p:cNvPr>
+          <p:cNvSpPr>
+            <a:spLocks noGrp="1"/>
+          </p:cNvSpPr>
+          <p:nvPr>
+            <p:ph type="ctrTitle"/>
+          </p:nvPr>
+        </p:nvSpPr>
+        <p:spPr>
+          <a:xfrm>
+            <a:off x="2193002" y="1941679"/>
+            <a:ext cx="6950998" cy="1920683"/>
+          </a:xfrm>
+        </p:spPr>
+        <p:txBody>
+          <a:bodyPr>
+            <a:noAutofit/>
+          </a:bodyPr>
+          <a:lstStyle/>
+          <a:p>
+            <a:pPr algn="l"/>
+            <a:r>
+              <a:rPr lang="en-US" sz="3400" dirty="0"/>
+              <a:t>Highly-resolved diffusion dynamics, super-resolution alphabet soup, </a:t>
+            </a:r>
+            <a:br>
+              <a:rPr lang="en-US" sz="3400" dirty="0"/>
+            </a:br>
+            <a:r>
+              <a:rPr lang="en-US" sz="3400" dirty="0"/>
+              <a:t>and lcd-lcd hubs</a:t>
+            </a:r>
+          </a:p>
+        </p:txBody>
+      </p:sp>
+      <p:sp>
+        <p:nvSpPr>
+          <p:cNvPr id="5" name="Subtitle 4">
+            <a:extLst>
+              <a:ext uri="{FF2B5EF4-FFF2-40B4-BE49-F238E27FC236}">
+                <a16:creationId xmlns:a16="http://schemas.microsoft.com/office/drawing/2014/main" id="{7CC37ED1-B805-544D-8D36-EBE4165B6D06}"/>
+              </a:ext>
+            </a:extLst>
+          </p:cNvPr>
+          <p:cNvSpPr>
+            <a:spLocks noGrp="1"/>
+          </p:cNvSpPr>
+          <p:nvPr>
+            <p:ph type="subTitle" idx="1"/>
+          </p:nvPr>
+        </p:nvSpPr>
+        <p:spPr>
+          <a:xfrm>
+            <a:off x="2193002" y="4434120"/>
+            <a:ext cx="6858000" cy="1655762"/>
+          </a:xfrm>
+        </p:spPr>
+        <p:txBody>
+          <a:bodyPr/>
+          <a:lstStyle/>
+          <a:p>
+            <a:pPr algn="l"/>
+            <a:r>
+              <a:rPr lang="en-US" sz="2000" dirty="0">
+                <a:solidFill>
+                  <a:schemeClr val="bg2">
+                    <a:lumMod val="50000"/>
+                  </a:schemeClr>
+                </a:solidFill>
+                <a:latin typeface="Malgun Gothic Semilight" panose="020B0502040204020203" pitchFamily="34" charset="-128"/>
+                <a:ea typeface="Malgun Gothic Semilight" panose="020B0502040204020203" pitchFamily="34" charset="-128"/>
+                <a:cs typeface="Malgun Gothic Semilight" panose="020B0502040204020203" pitchFamily="34" charset="-128"/>
+              </a:rPr>
+              <a:t>Shawn Yoshida</a:t>
+            </a:r>
+          </a:p>
+          <a:p>
+            <a:pPr algn="l"/>
+            <a:r>
+              <a:rPr lang="en-US" sz="1800" dirty="0">
+                <a:solidFill>
+                  <a:schemeClr val="bg2">
+                    <a:lumMod val="50000"/>
+                  </a:schemeClr>
+                </a:solidFill>
+                <a:latin typeface="Malgun Gothic Semilight" panose="020B0502040204020203" pitchFamily="34" charset="-128"/>
+                <a:ea typeface="Malgun Gothic Semilight" panose="020B0502040204020203" pitchFamily="34" charset="-128"/>
+                <a:cs typeface="Malgun Gothic Semilight" panose="020B0502040204020203" pitchFamily="34" charset="-128"/>
+              </a:rPr>
+              <a:t>Chong Lab, Caltech</a:t>
+            </a:r>
+          </a:p>
+          <a:p>
+            <a:pPr algn="l"/>
+            <a:r>
+              <a:rPr lang="en-US" sz="1800" dirty="0">
+                <a:solidFill>
+                  <a:schemeClr val="bg2">
+                    <a:lumMod val="50000"/>
+                  </a:schemeClr>
+                </a:solidFill>
+                <a:latin typeface="Malgun Gothic Semilight" panose="020B0502040204020203" pitchFamily="34" charset="-128"/>
+                <a:ea typeface="Malgun Gothic Semilight" panose="020B0502040204020203" pitchFamily="34" charset="-128"/>
+                <a:cs typeface="Malgun Gothic Semilight" panose="020B0502040204020203" pitchFamily="34" charset="-128"/>
+              </a:rPr>
+              <a:t>October 25</a:t>
+            </a:r>
+            <a:r>
+              <a:rPr lang="en-US" sz="1800" baseline="30000" dirty="0">
                 <a:solidFill>
                   <a:schemeClr val="bg2">
                     <a:lumMod val="50000"/>
@@ -4995,7 +7393,7 @@
         </p:nvGrpSpPr>
         <p:grpSpPr>
           <a:xfrm>
-            <a:off x="174169" y="951715"/>
+            <a:off x="186201" y="963747"/>
             <a:ext cx="1913598" cy="5712235"/>
             <a:chOff x="3734931" y="3097071"/>
             <a:chExt cx="1650429" cy="4926656"/>
@@ -6130,3284 +8528,6 @@
           </p:spPr>
         </p:pic>
       </p:grpSp>
-    </p:spTree>
-    <p:extLst>
-      <p:ext uri="{BB962C8B-B14F-4D97-AF65-F5344CB8AC3E}">
-        <p14:creationId xmlns:p14="http://schemas.microsoft.com/office/powerpoint/2010/main" val="800533532"/>
-      </p:ext>
-    </p:extLst>
-  </p:cSld>
-  <p:clrMapOvr>
-    <a:masterClrMapping/>
-  </p:clrMapOvr>
-</p:sld>
-</file>
-
-<file path=ppt/slides/slide2.xml><?xml version="1.0" encoding="utf-8"?>
-<p:sld xmlns:a="http://schemas.openxmlformats.org/drawingml/2006/main" xmlns:r="http://schemas.openxmlformats.org/officeDocument/2006/relationships" xmlns:p="http://schemas.openxmlformats.org/presentationml/2006/main">
-  <p:cSld>
-    <p:spTree>
-      <p:nvGrpSpPr>
-        <p:cNvPr id="1" name=""/>
-        <p:cNvGrpSpPr/>
-        <p:nvPr/>
-      </p:nvGrpSpPr>
-      <p:grpSpPr>
-        <a:xfrm>
-          <a:off x="0" y="0"/>
-          <a:ext cx="0" cy="0"/>
-          <a:chOff x="0" y="0"/>
-          <a:chExt cx="0" cy="0"/>
-        </a:xfrm>
-      </p:grpSpPr>
-      <p:sp>
-        <p:nvSpPr>
-          <p:cNvPr id="2" name="Title 1"/>
-          <p:cNvSpPr>
-            <a:spLocks noGrp="1"/>
-          </p:cNvSpPr>
-          <p:nvPr>
-            <p:ph type="title"/>
-          </p:nvPr>
-        </p:nvSpPr>
-        <p:spPr>
-          <a:xfrm>
-            <a:off x="0" y="0"/>
-            <a:ext cx="6586151" cy="744467"/>
-          </a:xfrm>
-        </p:spPr>
-        <p:txBody>
-          <a:bodyPr>
-            <a:noAutofit/>
-          </a:bodyPr>
-          <a:lstStyle/>
-          <a:p>
-            <a:r>
-              <a:rPr lang="en-US" cap="small" dirty="0"/>
-              <a:t>Light microscopy is diffraction limited</a:t>
-            </a:r>
-          </a:p>
-        </p:txBody>
-      </p:sp>
-      <mc:AlternateContent xmlns:mc="http://schemas.openxmlformats.org/markup-compatibility/2006" xmlns:a14="http://schemas.microsoft.com/office/drawing/2010/main">
-        <mc:Choice Requires="a14">
-          <p:sp>
-            <p:nvSpPr>
-              <p:cNvPr id="4" name="Rectangle 3"/>
-              <p:cNvSpPr/>
-              <p:nvPr/>
-            </p:nvSpPr>
-            <p:spPr>
-              <a:xfrm>
-                <a:off x="321276" y="1090645"/>
-                <a:ext cx="5152767" cy="2529154"/>
-              </a:xfrm>
-              <a:prstGeom prst="rect">
-                <a:avLst/>
-              </a:prstGeom>
-            </p:spPr>
-            <p:txBody>
-              <a:bodyPr wrap="square">
-                <a:spAutoFit/>
-              </a:bodyPr>
-              <a:lstStyle/>
-              <a:p>
-                <a:r>
-                  <a:rPr lang="en-US" dirty="0">
-                    <a:latin typeface="Malgun Gothic" panose="020B0503020000020004" pitchFamily="34" charset="-127"/>
-                    <a:ea typeface="Malgun Gothic" panose="020B0503020000020004" pitchFamily="34" charset="-127"/>
-                  </a:rPr>
-                  <a:t>The diffraction limit of light is </a:t>
-                </a:r>
-                <a14:m>
-                  <m:oMath xmlns:m="http://schemas.openxmlformats.org/officeDocument/2006/math">
-                    <m:r>
-                      <a:rPr lang="en-US" b="0" i="1" smtClean="0">
-                        <a:latin typeface="Cambria Math" panose="02040503050406030204" pitchFamily="18" charset="0"/>
-                        <a:ea typeface="Malgun Gothic" panose="020B0503020000020004" pitchFamily="34" charset="-127"/>
-                      </a:rPr>
-                      <m:t>𝑑</m:t>
-                    </m:r>
-                    <m:r>
-                      <a:rPr lang="en-US" b="0" i="1" smtClean="0">
-                        <a:latin typeface="Cambria Math" panose="02040503050406030204" pitchFamily="18" charset="0"/>
-                        <a:ea typeface="Malgun Gothic" panose="020B0503020000020004" pitchFamily="34" charset="-127"/>
-                      </a:rPr>
-                      <m:t>=</m:t>
-                    </m:r>
-                    <m:f>
-                      <m:fPr>
-                        <m:ctrlPr>
-                          <a:rPr lang="en-US" b="0" i="1" smtClean="0">
-                            <a:latin typeface="Cambria Math" panose="02040503050406030204" pitchFamily="18" charset="0"/>
-                            <a:ea typeface="Malgun Gothic" panose="020B0503020000020004" pitchFamily="34" charset="-127"/>
-                          </a:rPr>
-                        </m:ctrlPr>
-                      </m:fPr>
-                      <m:num>
-                        <m:r>
-                          <m:rPr>
-                            <m:sty m:val="p"/>
-                          </m:rPr>
-                          <a:rPr lang="el-GR" b="0" i="1" smtClean="0">
-                            <a:latin typeface="Cambria Math" panose="02040503050406030204" pitchFamily="18" charset="0"/>
-                            <a:ea typeface="Malgun Gothic" panose="020B0503020000020004" pitchFamily="34" charset="-127"/>
-                          </a:rPr>
-                          <m:t>λ</m:t>
-                        </m:r>
-                      </m:num>
-                      <m:den>
-                        <m:r>
-                          <a:rPr lang="en-US" b="0" i="1" smtClean="0">
-                            <a:latin typeface="Cambria Math" panose="02040503050406030204" pitchFamily="18" charset="0"/>
-                            <a:ea typeface="Malgun Gothic" panose="020B0503020000020004" pitchFamily="34" charset="-127"/>
-                          </a:rPr>
-                          <m:t>2</m:t>
-                        </m:r>
-                        <m:r>
-                          <a:rPr lang="en-US" b="0" i="1" smtClean="0">
-                            <a:latin typeface="Cambria Math" panose="02040503050406030204" pitchFamily="18" charset="0"/>
-                            <a:ea typeface="Malgun Gothic" panose="020B0503020000020004" pitchFamily="34" charset="-127"/>
-                          </a:rPr>
-                          <m:t>𝑁𝐴</m:t>
-                        </m:r>
-                      </m:den>
-                    </m:f>
-                    <m:r>
-                      <a:rPr lang="en-US" b="0" i="1" smtClean="0">
-                        <a:latin typeface="Cambria Math" panose="02040503050406030204" pitchFamily="18" charset="0"/>
-                        <a:ea typeface="Cambria Math" panose="02040503050406030204" pitchFamily="18" charset="0"/>
-                      </a:rPr>
-                      <m:t>~ 250</m:t>
-                    </m:r>
-                    <m:r>
-                      <a:rPr lang="en-US" b="0" i="1" smtClean="0">
-                        <a:latin typeface="Cambria Math" panose="02040503050406030204" pitchFamily="18" charset="0"/>
-                        <a:ea typeface="Cambria Math" panose="02040503050406030204" pitchFamily="18" charset="0"/>
-                      </a:rPr>
-                      <m:t>𝑛𝑚</m:t>
-                    </m:r>
-                  </m:oMath>
-                </a14:m>
-                <a:endParaRPr lang="en-US" b="0" dirty="0">
-                  <a:latin typeface="Malgun Gothic" panose="020B0503020000020004" pitchFamily="34" charset="-127"/>
-                  <a:ea typeface="Cambria Math" panose="02040503050406030204" pitchFamily="18" charset="0"/>
-                </a:endParaRPr>
-              </a:p>
-              <a:p>
-                <a:pPr marL="285750" indent="-285750">
-                  <a:buFontTx/>
-                  <a:buChar char="-"/>
-                </a:pPr>
-                <a:endParaRPr lang="en-US" sz="1600" dirty="0">
-                  <a:latin typeface="Malgun Gothic" panose="020B0503020000020004" pitchFamily="34" charset="-127"/>
-                  <a:ea typeface="Malgun Gothic" panose="020B0503020000020004" pitchFamily="34" charset="-127"/>
-                </a:endParaRPr>
-              </a:p>
-              <a:p>
-                <a:pPr marL="285750" indent="-285750">
-                  <a:buFontTx/>
-                  <a:buChar char="-"/>
-                </a:pPr>
-                <a:r>
-                  <a:rPr lang="en-US" sz="1600" dirty="0">
-                    <a:latin typeface="Malgun Gothic" panose="020B0503020000020004" pitchFamily="34" charset="-127"/>
-                    <a:ea typeface="Malgun Gothic" panose="020B0503020000020004" pitchFamily="34" charset="-127"/>
-                  </a:rPr>
-                  <a:t>Green Light, </a:t>
-                </a:r>
-                <a14:m>
-                  <m:oMath xmlns:m="http://schemas.openxmlformats.org/officeDocument/2006/math">
-                    <m:r>
-                      <m:rPr>
-                        <m:sty m:val="p"/>
-                      </m:rPr>
-                      <a:rPr lang="el-GR" sz="1600" b="0" i="1" smtClean="0">
-                        <a:latin typeface="Cambria Math" panose="02040503050406030204" pitchFamily="18" charset="0"/>
-                        <a:ea typeface="Malgun Gothic" panose="020B0503020000020004" pitchFamily="34" charset="-127"/>
-                      </a:rPr>
-                      <m:t>λ</m:t>
-                    </m:r>
-                  </m:oMath>
-                </a14:m>
-                <a:r>
-                  <a:rPr lang="en-US" sz="1600" dirty="0">
-                    <a:latin typeface="Malgun Gothic" panose="020B0503020000020004" pitchFamily="34" charset="-127"/>
-                    <a:ea typeface="Malgun Gothic" panose="020B0503020000020004" pitchFamily="34" charset="-127"/>
-                  </a:rPr>
-                  <a:t> = 500nm</a:t>
-                </a:r>
-              </a:p>
-              <a:p>
-                <a:endParaRPr lang="en-US" sz="1600" dirty="0">
-                  <a:latin typeface="Malgun Gothic" panose="020B0503020000020004" pitchFamily="34" charset="-127"/>
-                  <a:ea typeface="Malgun Gothic" panose="020B0503020000020004" pitchFamily="34" charset="-127"/>
-                </a:endParaRPr>
-              </a:p>
-              <a:p>
-                <a:pPr marL="285750" indent="-285750">
-                  <a:buFontTx/>
-                  <a:buChar char="-"/>
-                </a:pPr>
-                <a:r>
-                  <a:rPr lang="en-US" sz="1600" dirty="0">
-                    <a:latin typeface="Malgun Gothic" panose="020B0503020000020004" pitchFamily="34" charset="-127"/>
-                    <a:ea typeface="Malgun Gothic" panose="020B0503020000020004" pitchFamily="34" charset="-127"/>
-                  </a:rPr>
-                  <a:t>Numerical Aperture, NA = 1</a:t>
-                </a:r>
-              </a:p>
-              <a:p>
-                <a:pPr marL="285750" indent="-285750">
-                  <a:buFontTx/>
-                  <a:buChar char="-"/>
-                </a:pPr>
-                <a:endParaRPr lang="en-US" sz="1600" dirty="0">
-                  <a:latin typeface="Malgun Gothic" panose="020B0503020000020004" pitchFamily="34" charset="-127"/>
-                  <a:ea typeface="Malgun Gothic" panose="020B0503020000020004" pitchFamily="34" charset="-127"/>
-                </a:endParaRPr>
-              </a:p>
-              <a:p>
-                <a:endParaRPr lang="en-US" sz="1600" dirty="0">
-                  <a:latin typeface="Malgun Gothic" panose="020B0503020000020004" pitchFamily="34" charset="-127"/>
-                  <a:ea typeface="Malgun Gothic" panose="020B0503020000020004" pitchFamily="34" charset="-127"/>
-                </a:endParaRPr>
-              </a:p>
-              <a:p>
-                <a:r>
-                  <a:rPr lang="en-US" dirty="0">
-                    <a:latin typeface="Malgun Gothic" panose="020B0503020000020004" pitchFamily="34" charset="-127"/>
-                    <a:ea typeface="Malgun Gothic" panose="020B0503020000020004" pitchFamily="34" charset="-127"/>
-                  </a:rPr>
-                  <a:t>Without changes, we are only able to resolve images down to ~250nm</a:t>
-                </a:r>
-                <a:endParaRPr lang="en-US" sz="1600" dirty="0">
-                  <a:latin typeface="Malgun Gothic" panose="020B0503020000020004" pitchFamily="34" charset="-127"/>
-                  <a:ea typeface="Malgun Gothic" panose="020B0503020000020004" pitchFamily="34" charset="-127"/>
-                </a:endParaRPr>
-              </a:p>
-            </p:txBody>
-          </p:sp>
-        </mc:Choice>
-        <mc:Fallback xmlns="">
-          <p:sp>
-            <p:nvSpPr>
-              <p:cNvPr id="4" name="Rectangle 3"/>
-              <p:cNvSpPr>
-                <a:spLocks noRot="1" noChangeAspect="1" noMove="1" noResize="1" noEditPoints="1" noAdjustHandles="1" noChangeArrowheads="1" noChangeShapeType="1" noTextEdit="1"/>
-              </p:cNvSpPr>
-              <p:nvPr/>
-            </p:nvSpPr>
-            <p:spPr>
-              <a:xfrm>
-                <a:off x="321276" y="1090645"/>
-                <a:ext cx="5152767" cy="2529154"/>
-              </a:xfrm>
-              <a:prstGeom prst="rect">
-                <a:avLst/>
-              </a:prstGeom>
-              <a:blipFill>
-                <a:blip r:embed="rId2"/>
-                <a:stretch>
-                  <a:fillRect l="-1065" b="-2892"/>
-                </a:stretch>
-              </a:blipFill>
-            </p:spPr>
-            <p:txBody>
-              <a:bodyPr/>
-              <a:lstStyle/>
-              <a:p>
-                <a:r>
-                  <a:rPr lang="en-US">
-                    <a:noFill/>
-                  </a:rPr>
-                  <a:t> </a:t>
-                </a:r>
-              </a:p>
-            </p:txBody>
-          </p:sp>
-        </mc:Fallback>
-      </mc:AlternateContent>
-      <p:pic>
-        <p:nvPicPr>
-          <p:cNvPr id="29" name="Picture 28"/>
-          <p:cNvPicPr>
-            <a:picLocks noChangeAspect="1"/>
-          </p:cNvPicPr>
-          <p:nvPr/>
-        </p:nvPicPr>
-        <p:blipFill>
-          <a:blip r:embed="rId3"/>
-          <a:stretch>
-            <a:fillRect/>
-          </a:stretch>
-        </p:blipFill>
-        <p:spPr>
-          <a:xfrm>
-            <a:off x="5385423" y="1925337"/>
-            <a:ext cx="3365284" cy="3694496"/>
-          </a:xfrm>
-          <a:prstGeom prst="rect">
-            <a:avLst/>
-          </a:prstGeom>
-        </p:spPr>
-      </p:pic>
-      <p:grpSp>
-        <p:nvGrpSpPr>
-          <p:cNvPr id="30" name="Group 29"/>
-          <p:cNvGrpSpPr/>
-          <p:nvPr/>
-        </p:nvGrpSpPr>
-        <p:grpSpPr>
-          <a:xfrm>
-            <a:off x="676619" y="3793208"/>
-            <a:ext cx="3871547" cy="1828800"/>
-            <a:chOff x="676619" y="3793208"/>
-            <a:chExt cx="3871547" cy="1828800"/>
-          </a:xfrm>
-        </p:grpSpPr>
-        <p:grpSp>
-          <p:nvGrpSpPr>
-            <p:cNvPr id="31" name="Group 30"/>
-            <p:cNvGrpSpPr>
-              <a:grpSpLocks/>
-            </p:cNvGrpSpPr>
-            <p:nvPr/>
-          </p:nvGrpSpPr>
-          <p:grpSpPr>
-            <a:xfrm>
-              <a:off x="676619" y="3793208"/>
-              <a:ext cx="1828800" cy="1828800"/>
-              <a:chOff x="3365501" y="1647825"/>
-              <a:chExt cx="1420813" cy="1335088"/>
-            </a:xfrm>
-          </p:grpSpPr>
-          <p:sp>
-            <p:nvSpPr>
-              <p:cNvPr id="32" name="Rectangle 111"/>
-              <p:cNvSpPr>
-                <a:spLocks noChangeArrowheads="1"/>
-              </p:cNvSpPr>
-              <p:nvPr/>
-            </p:nvSpPr>
-            <p:spPr bwMode="auto">
-              <a:xfrm>
-                <a:off x="3365501" y="1649413"/>
-                <a:ext cx="1420813" cy="1333500"/>
-              </a:xfrm>
-              <a:prstGeom prst="rect">
-                <a:avLst/>
-              </a:prstGeom>
-              <a:solidFill>
-                <a:srgbClr val="FFFFFF"/>
-              </a:solidFill>
-              <a:ln>
-                <a:noFill/>
-              </a:ln>
-              <a:extLst>
-                <a:ext uri="{91240B29-F687-4F45-9708-019B960494DF}">
-                  <a14:hiddenLine xmlns:a14="http://schemas.microsoft.com/office/drawing/2010/main" w="9525">
-                    <a:solidFill>
-                      <a:srgbClr val="000000"/>
-                    </a:solidFill>
-                    <a:miter lim="800000"/>
-                    <a:headEnd/>
-                    <a:tailEnd/>
-                  </a14:hiddenLine>
-                </a:ext>
-              </a:extLst>
-            </p:spPr>
-            <p:txBody>
-              <a:bodyPr vert="horz" wrap="square" lIns="91440" tIns="45720" rIns="91440" bIns="45720" numCol="1" anchor="t" anchorCtr="0" compatLnSpc="1">
-                <a:prstTxWarp prst="textNoShape">
-                  <a:avLst/>
-                </a:prstTxWarp>
-              </a:bodyPr>
-              <a:lstStyle/>
-              <a:p>
-                <a:endParaRPr lang="en-US">
-                  <a:solidFill>
-                    <a:prstClr val="black"/>
-                  </a:solidFill>
-                  <a:latin typeface="Arial" panose="020B0604020202020204" pitchFamily="34" charset="0"/>
-                  <a:cs typeface="Arial" panose="020B0604020202020204" pitchFamily="34" charset="0"/>
-                </a:endParaRPr>
-              </a:p>
-            </p:txBody>
-          </p:sp>
-          <p:sp>
-            <p:nvSpPr>
-              <p:cNvPr id="33" name="Rectangle 112"/>
-              <p:cNvSpPr>
-                <a:spLocks noChangeArrowheads="1"/>
-              </p:cNvSpPr>
-              <p:nvPr/>
-            </p:nvSpPr>
-            <p:spPr bwMode="auto">
-              <a:xfrm>
-                <a:off x="3365501" y="1649413"/>
-                <a:ext cx="1420813" cy="1333500"/>
-              </a:xfrm>
-              <a:prstGeom prst="rect">
-                <a:avLst/>
-              </a:prstGeom>
-              <a:noFill/>
-              <a:ln w="0">
-                <a:solidFill>
-                  <a:srgbClr val="FFFFFF"/>
-                </a:solidFill>
-                <a:prstDash val="solid"/>
-                <a:miter lim="800000"/>
-                <a:headEnd/>
-                <a:tailEnd/>
-              </a:ln>
-              <a:extLst>
-                <a:ext uri="{909E8E84-426E-40DD-AFC4-6F175D3DCCD1}">
-                  <a14:hiddenFill xmlns:a14="http://schemas.microsoft.com/office/drawing/2010/main">
-                    <a:solidFill>
-                      <a:srgbClr val="FFFFFF"/>
-                    </a:solidFill>
-                  </a14:hiddenFill>
-                </a:ext>
-              </a:extLst>
-            </p:spPr>
-            <p:txBody>
-              <a:bodyPr vert="horz" wrap="square" lIns="91440" tIns="45720" rIns="91440" bIns="45720" numCol="1" anchor="t" anchorCtr="0" compatLnSpc="1">
-                <a:prstTxWarp prst="textNoShape">
-                  <a:avLst/>
-                </a:prstTxWarp>
-              </a:bodyPr>
-              <a:lstStyle/>
-              <a:p>
-                <a:endParaRPr lang="en-US">
-                  <a:solidFill>
-                    <a:prstClr val="black"/>
-                  </a:solidFill>
-                  <a:latin typeface="Arial" panose="020B0604020202020204" pitchFamily="34" charset="0"/>
-                  <a:cs typeface="Arial" panose="020B0604020202020204" pitchFamily="34" charset="0"/>
-                </a:endParaRPr>
-              </a:p>
-            </p:txBody>
-          </p:sp>
-          <p:pic>
-            <p:nvPicPr>
-              <p:cNvPr id="34" name="Picture 113"/>
-              <p:cNvPicPr>
-                <a:picLocks noChangeAspect="1" noChangeArrowheads="1"/>
-              </p:cNvPicPr>
-              <p:nvPr/>
-            </p:nvPicPr>
-            <p:blipFill>
-              <a:blip r:embed="rId4" cstate="print">
-                <a:extLst>
-                  <a:ext uri="{28A0092B-C50C-407E-A947-70E740481C1C}">
-                    <a14:useLocalDpi xmlns:a14="http://schemas.microsoft.com/office/drawing/2010/main" val="0"/>
-                  </a:ext>
-                </a:extLst>
-              </a:blip>
-              <a:srcRect/>
-              <a:stretch>
-                <a:fillRect/>
-              </a:stretch>
-            </p:blipFill>
-            <p:spPr bwMode="auto">
-              <a:xfrm>
-                <a:off x="3365501" y="1647825"/>
-                <a:ext cx="1420813" cy="1333500"/>
-              </a:xfrm>
-              <a:prstGeom prst="rect">
-                <a:avLst/>
-              </a:prstGeom>
-              <a:noFill/>
-              <a:ln>
-                <a:noFill/>
-              </a:ln>
-              <a:extLst>
-                <a:ext uri="{909E8E84-426E-40DD-AFC4-6F175D3DCCD1}">
-                  <a14:hiddenFill xmlns:a14="http://schemas.microsoft.com/office/drawing/2010/main">
-                    <a:solidFill>
-                      <a:srgbClr val="FFFFFF"/>
-                    </a:solidFill>
-                  </a14:hiddenFill>
-                </a:ext>
-                <a:ext uri="{91240B29-F687-4F45-9708-019B960494DF}">
-                  <a14:hiddenLine xmlns:a14="http://schemas.microsoft.com/office/drawing/2010/main" w="9525">
-                    <a:solidFill>
-                      <a:srgbClr val="000000"/>
-                    </a:solidFill>
-                    <a:miter lim="800000"/>
-                    <a:headEnd/>
-                    <a:tailEnd/>
-                  </a14:hiddenLine>
-                </a:ext>
-              </a:extLst>
-            </p:spPr>
-          </p:pic>
-          <p:pic>
-            <p:nvPicPr>
-              <p:cNvPr id="35" name="Picture 170"/>
-              <p:cNvPicPr>
-                <a:picLocks noChangeAspect="1" noChangeArrowheads="1"/>
-              </p:cNvPicPr>
-              <p:nvPr/>
-            </p:nvPicPr>
-            <p:blipFill>
-              <a:blip r:embed="rId5" cstate="print">
-                <a:extLst>
-                  <a:ext uri="{28A0092B-C50C-407E-A947-70E740481C1C}">
-                    <a14:useLocalDpi xmlns:a14="http://schemas.microsoft.com/office/drawing/2010/main" val="0"/>
-                  </a:ext>
-                </a:extLst>
-              </a:blip>
-              <a:srcRect/>
-              <a:stretch>
-                <a:fillRect/>
-              </a:stretch>
-            </p:blipFill>
-            <p:spPr bwMode="auto">
-              <a:xfrm>
-                <a:off x="4679951" y="1647825"/>
-                <a:ext cx="106363" cy="1333500"/>
-              </a:xfrm>
-              <a:prstGeom prst="rect">
-                <a:avLst/>
-              </a:prstGeom>
-              <a:noFill/>
-              <a:ln>
-                <a:noFill/>
-              </a:ln>
-              <a:extLst>
-                <a:ext uri="{909E8E84-426E-40DD-AFC4-6F175D3DCCD1}">
-                  <a14:hiddenFill xmlns:a14="http://schemas.microsoft.com/office/drawing/2010/main">
-                    <a:solidFill>
-                      <a:srgbClr val="FFFFFF"/>
-                    </a:solidFill>
-                  </a14:hiddenFill>
-                </a:ext>
-                <a:ext uri="{91240B29-F687-4F45-9708-019B960494DF}">
-                  <a14:hiddenLine xmlns:a14="http://schemas.microsoft.com/office/drawing/2010/main" w="9525">
-                    <a:solidFill>
-                      <a:srgbClr val="000000"/>
-                    </a:solidFill>
-                    <a:miter lim="800000"/>
-                    <a:headEnd/>
-                    <a:tailEnd/>
-                  </a14:hiddenLine>
-                </a:ext>
-              </a:extLst>
-            </p:spPr>
-          </p:pic>
-        </p:grpSp>
-        <p:grpSp>
-          <p:nvGrpSpPr>
-            <p:cNvPr id="36" name="Group 35"/>
-            <p:cNvGrpSpPr>
-              <a:grpSpLocks/>
-            </p:cNvGrpSpPr>
-            <p:nvPr/>
-          </p:nvGrpSpPr>
-          <p:grpSpPr>
-            <a:xfrm>
-              <a:off x="2719366" y="3793208"/>
-              <a:ext cx="1828800" cy="1828800"/>
-              <a:chOff x="6334125" y="2266950"/>
-              <a:chExt cx="3467100" cy="3257550"/>
-            </a:xfrm>
-          </p:grpSpPr>
-          <p:sp>
-            <p:nvSpPr>
-              <p:cNvPr id="37" name="Rectangle 321"/>
-              <p:cNvSpPr>
-                <a:spLocks noChangeArrowheads="1"/>
-              </p:cNvSpPr>
-              <p:nvPr/>
-            </p:nvSpPr>
-            <p:spPr bwMode="auto">
-              <a:xfrm>
-                <a:off x="6334125" y="2266950"/>
-                <a:ext cx="3467100" cy="3257550"/>
-              </a:xfrm>
-              <a:prstGeom prst="rect">
-                <a:avLst/>
-              </a:prstGeom>
-              <a:solidFill>
-                <a:srgbClr val="FFFFFF"/>
-              </a:solidFill>
-              <a:ln>
-                <a:noFill/>
-              </a:ln>
-              <a:extLst>
-                <a:ext uri="{91240B29-F687-4F45-9708-019B960494DF}">
-                  <a14:hiddenLine xmlns:a14="http://schemas.microsoft.com/office/drawing/2010/main" w="9525">
-                    <a:solidFill>
-                      <a:srgbClr val="000000"/>
-                    </a:solidFill>
-                    <a:miter lim="800000"/>
-                    <a:headEnd/>
-                    <a:tailEnd/>
-                  </a14:hiddenLine>
-                </a:ext>
-              </a:extLst>
-            </p:spPr>
-            <p:txBody>
-              <a:bodyPr vert="horz" wrap="square" lIns="91440" tIns="45720" rIns="91440" bIns="45720" numCol="1" anchor="t" anchorCtr="0" compatLnSpc="1">
-                <a:prstTxWarp prst="textNoShape">
-                  <a:avLst/>
-                </a:prstTxWarp>
-              </a:bodyPr>
-              <a:lstStyle/>
-              <a:p>
-                <a:endParaRPr lang="en-US">
-                  <a:solidFill>
-                    <a:prstClr val="black"/>
-                  </a:solidFill>
-                  <a:latin typeface="Arial" panose="020B0604020202020204" pitchFamily="34" charset="0"/>
-                  <a:cs typeface="Arial" panose="020B0604020202020204" pitchFamily="34" charset="0"/>
-                </a:endParaRPr>
-              </a:p>
-            </p:txBody>
-          </p:sp>
-          <p:sp>
-            <p:nvSpPr>
-              <p:cNvPr id="38" name="Rectangle 322"/>
-              <p:cNvSpPr>
-                <a:spLocks noChangeArrowheads="1"/>
-              </p:cNvSpPr>
-              <p:nvPr/>
-            </p:nvSpPr>
-            <p:spPr bwMode="auto">
-              <a:xfrm>
-                <a:off x="6334125" y="2266950"/>
-                <a:ext cx="3467100" cy="3257550"/>
-              </a:xfrm>
-              <a:prstGeom prst="rect">
-                <a:avLst/>
-              </a:prstGeom>
-              <a:noFill/>
-              <a:ln w="0">
-                <a:solidFill>
-                  <a:srgbClr val="FFFFFF"/>
-                </a:solidFill>
-                <a:prstDash val="solid"/>
-                <a:miter lim="800000"/>
-                <a:headEnd/>
-                <a:tailEnd/>
-              </a:ln>
-              <a:extLst>
-                <a:ext uri="{909E8E84-426E-40DD-AFC4-6F175D3DCCD1}">
-                  <a14:hiddenFill xmlns:a14="http://schemas.microsoft.com/office/drawing/2010/main">
-                    <a:solidFill>
-                      <a:srgbClr val="FFFFFF"/>
-                    </a:solidFill>
-                  </a14:hiddenFill>
-                </a:ext>
-              </a:extLst>
-            </p:spPr>
-            <p:txBody>
-              <a:bodyPr vert="horz" wrap="square" lIns="91440" tIns="45720" rIns="91440" bIns="45720" numCol="1" anchor="t" anchorCtr="0" compatLnSpc="1">
-                <a:prstTxWarp prst="textNoShape">
-                  <a:avLst/>
-                </a:prstTxWarp>
-              </a:bodyPr>
-              <a:lstStyle/>
-              <a:p>
-                <a:endParaRPr lang="en-US">
-                  <a:solidFill>
-                    <a:prstClr val="black"/>
-                  </a:solidFill>
-                  <a:latin typeface="Arial" panose="020B0604020202020204" pitchFamily="34" charset="0"/>
-                  <a:cs typeface="Arial" panose="020B0604020202020204" pitchFamily="34" charset="0"/>
-                </a:endParaRPr>
-              </a:p>
-            </p:txBody>
-          </p:sp>
-          <p:pic>
-            <p:nvPicPr>
-              <p:cNvPr id="39" name="Picture 323"/>
-              <p:cNvPicPr>
-                <a:picLocks noChangeAspect="1" noChangeArrowheads="1"/>
-              </p:cNvPicPr>
-              <p:nvPr/>
-            </p:nvPicPr>
-            <p:blipFill>
-              <a:blip r:embed="rId6" cstate="print">
-                <a:extLst>
-                  <a:ext uri="{28A0092B-C50C-407E-A947-70E740481C1C}">
-                    <a14:useLocalDpi xmlns:a14="http://schemas.microsoft.com/office/drawing/2010/main" val="0"/>
-                  </a:ext>
-                </a:extLst>
-              </a:blip>
-              <a:srcRect/>
-              <a:stretch>
-                <a:fillRect/>
-              </a:stretch>
-            </p:blipFill>
-            <p:spPr bwMode="auto">
-              <a:xfrm>
-                <a:off x="6334125" y="2266950"/>
-                <a:ext cx="3467100" cy="3257550"/>
-              </a:xfrm>
-              <a:prstGeom prst="rect">
-                <a:avLst/>
-              </a:prstGeom>
-              <a:noFill/>
-              <a:ln>
-                <a:noFill/>
-              </a:ln>
-              <a:extLst>
-                <a:ext uri="{909E8E84-426E-40DD-AFC4-6F175D3DCCD1}">
-                  <a14:hiddenFill xmlns:a14="http://schemas.microsoft.com/office/drawing/2010/main">
-                    <a:solidFill>
-                      <a:srgbClr val="FFFFFF"/>
-                    </a:solidFill>
-                  </a14:hiddenFill>
-                </a:ext>
-                <a:ext uri="{91240B29-F687-4F45-9708-019B960494DF}">
-                  <a14:hiddenLine xmlns:a14="http://schemas.microsoft.com/office/drawing/2010/main" w="9525">
-                    <a:solidFill>
-                      <a:srgbClr val="000000"/>
-                    </a:solidFill>
-                    <a:miter lim="800000"/>
-                    <a:headEnd/>
-                    <a:tailEnd/>
-                  </a14:hiddenLine>
-                </a:ext>
-              </a:extLst>
-            </p:spPr>
-          </p:pic>
-          <p:pic>
-            <p:nvPicPr>
-              <p:cNvPr id="40" name="Picture 380"/>
-              <p:cNvPicPr>
-                <a:picLocks noChangeAspect="1" noChangeArrowheads="1"/>
-              </p:cNvPicPr>
-              <p:nvPr/>
-            </p:nvPicPr>
-            <p:blipFill>
-              <a:blip r:embed="rId5" cstate="print">
-                <a:extLst>
-                  <a:ext uri="{28A0092B-C50C-407E-A947-70E740481C1C}">
-                    <a14:useLocalDpi xmlns:a14="http://schemas.microsoft.com/office/drawing/2010/main" val="0"/>
-                  </a:ext>
-                </a:extLst>
-              </a:blip>
-              <a:srcRect/>
-              <a:stretch>
-                <a:fillRect/>
-              </a:stretch>
-            </p:blipFill>
-            <p:spPr bwMode="auto">
-              <a:xfrm>
-                <a:off x="9544050" y="2266950"/>
-                <a:ext cx="257175" cy="3257550"/>
-              </a:xfrm>
-              <a:prstGeom prst="rect">
-                <a:avLst/>
-              </a:prstGeom>
-              <a:noFill/>
-              <a:ln>
-                <a:noFill/>
-              </a:ln>
-              <a:extLst>
-                <a:ext uri="{909E8E84-426E-40DD-AFC4-6F175D3DCCD1}">
-                  <a14:hiddenFill xmlns:a14="http://schemas.microsoft.com/office/drawing/2010/main">
-                    <a:solidFill>
-                      <a:srgbClr val="FFFFFF"/>
-                    </a:solidFill>
-                  </a14:hiddenFill>
-                </a:ext>
-                <a:ext uri="{91240B29-F687-4F45-9708-019B960494DF}">
-                  <a14:hiddenLine xmlns:a14="http://schemas.microsoft.com/office/drawing/2010/main" w="9525">
-                    <a:solidFill>
-                      <a:srgbClr val="000000"/>
-                    </a:solidFill>
-                    <a:miter lim="800000"/>
-                    <a:headEnd/>
-                    <a:tailEnd/>
-                  </a14:hiddenLine>
-                </a:ext>
-              </a:extLst>
-            </p:spPr>
-          </p:pic>
-        </p:grpSp>
-        <p:sp>
-          <p:nvSpPr>
-            <p:cNvPr id="41" name="Oval 40"/>
-            <p:cNvSpPr/>
-            <p:nvPr/>
-          </p:nvSpPr>
-          <p:spPr>
-            <a:xfrm>
-              <a:off x="1504777" y="4634971"/>
-              <a:ext cx="82296" cy="82700"/>
-            </a:xfrm>
-            <a:prstGeom prst="ellipse">
-              <a:avLst/>
-            </a:prstGeom>
-            <a:solidFill>
-              <a:schemeClr val="bg1"/>
-            </a:solidFill>
-          </p:spPr>
-          <p:style>
-            <a:lnRef idx="2">
-              <a:schemeClr val="accent1">
-                <a:shade val="50000"/>
-              </a:schemeClr>
-            </a:lnRef>
-            <a:fillRef idx="1">
-              <a:schemeClr val="accent1"/>
-            </a:fillRef>
-            <a:effectRef idx="0">
-              <a:schemeClr val="accent1"/>
-            </a:effectRef>
-            <a:fontRef idx="minor">
-              <a:schemeClr val="lt1"/>
-            </a:fontRef>
-          </p:style>
-          <p:txBody>
-            <a:bodyPr rtlCol="0" anchor="ctr"/>
-            <a:lstStyle/>
-            <a:p>
-              <a:pPr algn="ctr"/>
-              <a:endParaRPr lang="en-US">
-                <a:latin typeface="Arial" panose="020B0604020202020204" pitchFamily="34" charset="0"/>
-                <a:cs typeface="Arial" panose="020B0604020202020204" pitchFamily="34" charset="0"/>
-              </a:endParaRPr>
-            </a:p>
-          </p:txBody>
-        </p:sp>
-        <p:sp>
-          <p:nvSpPr>
-            <p:cNvPr id="42" name="Oval 41"/>
-            <p:cNvSpPr/>
-            <p:nvPr/>
-          </p:nvSpPr>
-          <p:spPr>
-            <a:xfrm>
-              <a:off x="3374159" y="4608955"/>
-              <a:ext cx="82296" cy="82700"/>
-            </a:xfrm>
-            <a:prstGeom prst="ellipse">
-              <a:avLst/>
-            </a:prstGeom>
-            <a:solidFill>
-              <a:schemeClr val="bg1"/>
-            </a:solidFill>
-          </p:spPr>
-          <p:style>
-            <a:lnRef idx="2">
-              <a:schemeClr val="accent1">
-                <a:shade val="50000"/>
-              </a:schemeClr>
-            </a:lnRef>
-            <a:fillRef idx="1">
-              <a:schemeClr val="accent1"/>
-            </a:fillRef>
-            <a:effectRef idx="0">
-              <a:schemeClr val="accent1"/>
-            </a:effectRef>
-            <a:fontRef idx="minor">
-              <a:schemeClr val="lt1"/>
-            </a:fontRef>
-          </p:style>
-          <p:txBody>
-            <a:bodyPr rtlCol="0" anchor="ctr"/>
-            <a:lstStyle/>
-            <a:p>
-              <a:pPr algn="ctr"/>
-              <a:endParaRPr lang="en-US">
-                <a:latin typeface="Arial" panose="020B0604020202020204" pitchFamily="34" charset="0"/>
-                <a:cs typeface="Arial" panose="020B0604020202020204" pitchFamily="34" charset="0"/>
-              </a:endParaRPr>
-            </a:p>
-          </p:txBody>
-        </p:sp>
-        <p:sp>
-          <p:nvSpPr>
-            <p:cNvPr id="43" name="Oval 42"/>
-            <p:cNvSpPr/>
-            <p:nvPr/>
-          </p:nvSpPr>
-          <p:spPr>
-            <a:xfrm>
-              <a:off x="3738313" y="4608955"/>
-              <a:ext cx="82296" cy="82700"/>
-            </a:xfrm>
-            <a:prstGeom prst="ellipse">
-              <a:avLst/>
-            </a:prstGeom>
-            <a:solidFill>
-              <a:schemeClr val="bg1"/>
-            </a:solidFill>
-          </p:spPr>
-          <p:style>
-            <a:lnRef idx="2">
-              <a:schemeClr val="accent1">
-                <a:shade val="50000"/>
-              </a:schemeClr>
-            </a:lnRef>
-            <a:fillRef idx="1">
-              <a:schemeClr val="accent1"/>
-            </a:fillRef>
-            <a:effectRef idx="0">
-              <a:schemeClr val="accent1"/>
-            </a:effectRef>
-            <a:fontRef idx="minor">
-              <a:schemeClr val="lt1"/>
-            </a:fontRef>
-          </p:style>
-          <p:txBody>
-            <a:bodyPr rtlCol="0" anchor="ctr"/>
-            <a:lstStyle/>
-            <a:p>
-              <a:pPr algn="ctr"/>
-              <a:endParaRPr lang="en-US">
-                <a:latin typeface="Arial" panose="020B0604020202020204" pitchFamily="34" charset="0"/>
-                <a:cs typeface="Arial" panose="020B0604020202020204" pitchFamily="34" charset="0"/>
-              </a:endParaRPr>
-            </a:p>
-          </p:txBody>
-        </p:sp>
-      </p:grpSp>
-    </p:spTree>
-    <p:extLst>
-      <p:ext uri="{BB962C8B-B14F-4D97-AF65-F5344CB8AC3E}">
-        <p14:creationId xmlns:p14="http://schemas.microsoft.com/office/powerpoint/2010/main" val="3755575767"/>
-      </p:ext>
-    </p:extLst>
-  </p:cSld>
-  <p:clrMapOvr>
-    <a:masterClrMapping/>
-  </p:clrMapOvr>
-</p:sld>
-</file>
-
-<file path=ppt/slides/slide3.xml><?xml version="1.0" encoding="utf-8"?>
-<p:sld xmlns:a="http://schemas.openxmlformats.org/drawingml/2006/main" xmlns:r="http://schemas.openxmlformats.org/officeDocument/2006/relationships" xmlns:p="http://schemas.openxmlformats.org/presentationml/2006/main">
-  <p:cSld>
-    <p:spTree>
-      <p:nvGrpSpPr>
-        <p:cNvPr id="1" name=""/>
-        <p:cNvGrpSpPr/>
-        <p:nvPr/>
-      </p:nvGrpSpPr>
-      <p:grpSpPr>
-        <a:xfrm>
-          <a:off x="0" y="0"/>
-          <a:ext cx="0" cy="0"/>
-          <a:chOff x="0" y="0"/>
-          <a:chExt cx="0" cy="0"/>
-        </a:xfrm>
-      </p:grpSpPr>
-      <p:sp>
-        <p:nvSpPr>
-          <p:cNvPr id="2" name="Title 1"/>
-          <p:cNvSpPr>
-            <a:spLocks noGrp="1"/>
-          </p:cNvSpPr>
-          <p:nvPr>
-            <p:ph type="title"/>
-          </p:nvPr>
-        </p:nvSpPr>
-        <p:spPr>
-          <a:xfrm>
-            <a:off x="0" y="0"/>
-            <a:ext cx="6932141" cy="735391"/>
-          </a:xfrm>
-        </p:spPr>
-        <p:txBody>
-          <a:bodyPr>
-            <a:normAutofit fontScale="90000"/>
-          </a:bodyPr>
-          <a:lstStyle/>
-          <a:p>
-            <a:r>
-              <a:rPr lang="en-US" dirty="0"/>
-              <a:t>Super-localization in super-resolution microscopy</a:t>
-            </a:r>
-          </a:p>
-        </p:txBody>
-      </p:sp>
-      <p:sp>
-        <p:nvSpPr>
-          <p:cNvPr id="5" name="TextBox 4"/>
-          <p:cNvSpPr txBox="1"/>
-          <p:nvPr/>
-        </p:nvSpPr>
-        <p:spPr>
-          <a:xfrm>
-            <a:off x="514350" y="1205125"/>
-            <a:ext cx="4713036" cy="4924425"/>
-          </a:xfrm>
-          <a:prstGeom prst="rect">
-            <a:avLst/>
-          </a:prstGeom>
-          <a:noFill/>
-        </p:spPr>
-        <p:txBody>
-          <a:bodyPr wrap="square" rtlCol="0">
-            <a:spAutoFit/>
-          </a:bodyPr>
-          <a:lstStyle/>
-          <a:p>
-            <a:r>
-              <a:rPr lang="en-US" dirty="0">
-                <a:latin typeface="Malgun Gothic" panose="020B0503020000020004" pitchFamily="34" charset="-127"/>
-                <a:ea typeface="Malgun Gothic" panose="020B0503020000020004" pitchFamily="34" charset="-127"/>
-              </a:rPr>
-              <a:t>Requisites for localization-based super-resolution imaging</a:t>
-            </a:r>
-          </a:p>
-          <a:p>
-            <a:endParaRPr lang="en-US" sz="1600" dirty="0">
-              <a:latin typeface="Malgun Gothic" panose="020B0503020000020004" pitchFamily="34" charset="-127"/>
-              <a:ea typeface="Malgun Gothic" panose="020B0503020000020004" pitchFamily="34" charset="-127"/>
-            </a:endParaRPr>
-          </a:p>
-          <a:p>
-            <a:pPr marL="285750" indent="-285750">
-              <a:buFontTx/>
-              <a:buChar char="-"/>
-            </a:pPr>
-            <a:r>
-              <a:rPr lang="en-US" sz="1600" dirty="0">
-                <a:latin typeface="Malgun Gothic" panose="020B0503020000020004" pitchFamily="34" charset="-127"/>
-                <a:ea typeface="Malgun Gothic" panose="020B0503020000020004" pitchFamily="34" charset="-127"/>
-              </a:rPr>
-              <a:t>Sufficient sensitivity to enable single molecule imaging</a:t>
-            </a:r>
-          </a:p>
-          <a:p>
-            <a:pPr marL="285750" indent="-285750">
-              <a:buFontTx/>
-              <a:buChar char="-"/>
-            </a:pPr>
-            <a:endParaRPr lang="en-US" sz="1600" dirty="0">
-              <a:latin typeface="Malgun Gothic" panose="020B0503020000020004" pitchFamily="34" charset="-127"/>
-              <a:ea typeface="Malgun Gothic" panose="020B0503020000020004" pitchFamily="34" charset="-127"/>
-            </a:endParaRPr>
-          </a:p>
-          <a:p>
-            <a:pPr marL="285750" indent="-285750">
-              <a:buFontTx/>
-              <a:buChar char="-"/>
-            </a:pPr>
-            <a:r>
-              <a:rPr lang="en-US" sz="1600" dirty="0">
-                <a:latin typeface="Malgun Gothic" panose="020B0503020000020004" pitchFamily="34" charset="-127"/>
-                <a:ea typeface="Malgun Gothic" panose="020B0503020000020004" pitchFamily="34" charset="-127"/>
-              </a:rPr>
-              <a:t>Ability to localize particles with better precision than diffraction-limit</a:t>
-            </a:r>
-          </a:p>
-          <a:p>
-            <a:pPr marL="285750" indent="-285750">
-              <a:buFontTx/>
-              <a:buChar char="-"/>
-            </a:pPr>
-            <a:endParaRPr lang="en-US" sz="1600" dirty="0">
-              <a:latin typeface="Malgun Gothic" panose="020B0503020000020004" pitchFamily="34" charset="-127"/>
-              <a:ea typeface="Malgun Gothic" panose="020B0503020000020004" pitchFamily="34" charset="-127"/>
-            </a:endParaRPr>
-          </a:p>
-          <a:p>
-            <a:pPr marL="285750" indent="-285750">
-              <a:buFontTx/>
-              <a:buChar char="-"/>
-            </a:pPr>
-            <a:r>
-              <a:rPr lang="en-US" sz="1600" dirty="0">
-                <a:latin typeface="Malgun Gothic" panose="020B0503020000020004" pitchFamily="34" charset="-127"/>
-                <a:ea typeface="Malgun Gothic" panose="020B0503020000020004" pitchFamily="34" charset="-127"/>
-              </a:rPr>
-              <a:t>Way to limit the number of fluorescing particles at a given time</a:t>
-            </a:r>
-          </a:p>
-          <a:p>
-            <a:endParaRPr lang="en-US" sz="1600" dirty="0">
-              <a:latin typeface="Malgun Gothic" panose="020B0503020000020004" pitchFamily="34" charset="-127"/>
-              <a:ea typeface="Malgun Gothic" panose="020B0503020000020004" pitchFamily="34" charset="-127"/>
-            </a:endParaRPr>
-          </a:p>
-          <a:p>
-            <a:r>
-              <a:rPr lang="en-US" dirty="0">
-                <a:latin typeface="Malgun Gothic" panose="020B0503020000020004" pitchFamily="34" charset="-127"/>
-                <a:ea typeface="Malgun Gothic" panose="020B0503020000020004" pitchFamily="34" charset="-127"/>
-              </a:rPr>
-              <a:t>SHREC (single‐molecule high‐resolution </a:t>
-            </a:r>
-            <a:r>
-              <a:rPr lang="en-US" dirty="0" err="1">
-                <a:latin typeface="Malgun Gothic" panose="020B0503020000020004" pitchFamily="34" charset="-127"/>
-                <a:ea typeface="Malgun Gothic" panose="020B0503020000020004" pitchFamily="34" charset="-127"/>
-              </a:rPr>
-              <a:t>colocalization</a:t>
-            </a:r>
-            <a:r>
-              <a:rPr lang="en-US" dirty="0">
-                <a:latin typeface="Malgun Gothic" panose="020B0503020000020004" pitchFamily="34" charset="-127"/>
-                <a:ea typeface="Malgun Gothic" panose="020B0503020000020004" pitchFamily="34" charset="-127"/>
-              </a:rPr>
-              <a:t> of fluorescent probes)</a:t>
-            </a:r>
-          </a:p>
-          <a:p>
-            <a:endParaRPr lang="en-US" dirty="0">
-              <a:latin typeface="Malgun Gothic" panose="020B0503020000020004" pitchFamily="34" charset="-127"/>
-              <a:ea typeface="Malgun Gothic" panose="020B0503020000020004" pitchFamily="34" charset="-127"/>
-            </a:endParaRPr>
-          </a:p>
-          <a:p>
-            <a:pPr marL="285750" lvl="1" indent="-285750">
-              <a:buFontTx/>
-              <a:buChar char="-"/>
-            </a:pPr>
-            <a:r>
-              <a:rPr lang="en-US" sz="1600" dirty="0">
-                <a:latin typeface="Malgun Gothic" panose="020B0503020000020004" pitchFamily="34" charset="-127"/>
-                <a:ea typeface="Malgun Gothic" panose="020B0503020000020004" pitchFamily="34" charset="-127"/>
-              </a:rPr>
-              <a:t>Cy3 and Cy5 attached to two different </a:t>
-            </a:r>
-            <a:r>
-              <a:rPr lang="en-US" sz="1600" dirty="0" err="1">
-                <a:latin typeface="Malgun Gothic" panose="020B0503020000020004" pitchFamily="34" charset="-127"/>
-                <a:ea typeface="Malgun Gothic" panose="020B0503020000020004" pitchFamily="34" charset="-127"/>
-              </a:rPr>
-              <a:t>calmodulin</a:t>
-            </a:r>
-            <a:r>
-              <a:rPr lang="en-US" sz="1600" dirty="0">
-                <a:latin typeface="Malgun Gothic" panose="020B0503020000020004" pitchFamily="34" charset="-127"/>
-                <a:ea typeface="Malgun Gothic" panose="020B0503020000020004" pitchFamily="34" charset="-127"/>
-              </a:rPr>
-              <a:t> molecules that bind to the ‘legs’ of the same single molecule of myosin V </a:t>
-            </a:r>
-          </a:p>
-          <a:p>
-            <a:pPr marL="0" lvl="1"/>
-            <a:endParaRPr lang="en-US" sz="1600" dirty="0">
-              <a:latin typeface="Malgun Gothic" panose="020B0503020000020004" pitchFamily="34" charset="-127"/>
-              <a:ea typeface="Malgun Gothic" panose="020B0503020000020004" pitchFamily="34" charset="-127"/>
-            </a:endParaRPr>
-          </a:p>
-        </p:txBody>
-      </p:sp>
-      <p:pic>
-        <p:nvPicPr>
-          <p:cNvPr id="7" name="Picture 6"/>
-          <p:cNvPicPr>
-            <a:picLocks noChangeAspect="1"/>
-          </p:cNvPicPr>
-          <p:nvPr/>
-        </p:nvPicPr>
-        <p:blipFill rotWithShape="1">
-          <a:blip r:embed="rId3"/>
-          <a:srcRect t="214"/>
-          <a:stretch/>
-        </p:blipFill>
-        <p:spPr>
-          <a:xfrm>
-            <a:off x="5530850" y="1487907"/>
-            <a:ext cx="2635250" cy="2056366"/>
-          </a:xfrm>
-          <a:prstGeom prst="rect">
-            <a:avLst/>
-          </a:prstGeom>
-        </p:spPr>
-      </p:pic>
-      <p:pic>
-        <p:nvPicPr>
-          <p:cNvPr id="8" name="Picture 7"/>
-          <p:cNvPicPr>
-            <a:picLocks noChangeAspect="1"/>
-          </p:cNvPicPr>
-          <p:nvPr/>
-        </p:nvPicPr>
-        <p:blipFill>
-          <a:blip r:embed="rId4"/>
-          <a:stretch>
-            <a:fillRect/>
-          </a:stretch>
-        </p:blipFill>
-        <p:spPr>
-          <a:xfrm>
-            <a:off x="5530850" y="4242773"/>
-            <a:ext cx="2635250" cy="2059614"/>
-          </a:xfrm>
-          <a:prstGeom prst="rect">
-            <a:avLst/>
-          </a:prstGeom>
-        </p:spPr>
-      </p:pic>
-      <p:sp>
-        <p:nvSpPr>
-          <p:cNvPr id="9" name="TextBox 8"/>
-          <p:cNvSpPr txBox="1"/>
-          <p:nvPr/>
-        </p:nvSpPr>
-        <p:spPr>
-          <a:xfrm>
-            <a:off x="5441950" y="1087797"/>
-            <a:ext cx="2635250" cy="400110"/>
-          </a:xfrm>
-          <a:prstGeom prst="rect">
-            <a:avLst/>
-          </a:prstGeom>
-          <a:noFill/>
-        </p:spPr>
-        <p:txBody>
-          <a:bodyPr wrap="square" rtlCol="0">
-            <a:spAutoFit/>
-          </a:bodyPr>
-          <a:lstStyle/>
-          <a:p>
-            <a:r>
-              <a:rPr lang="en-US" sz="1000" dirty="0">
-                <a:latin typeface="Malgun Gothic" panose="020B0503020000020004" pitchFamily="34" charset="-127"/>
-                <a:ea typeface="Malgun Gothic" panose="020B0503020000020004" pitchFamily="34" charset="-127"/>
-              </a:rPr>
-              <a:t>One emitter per diffraction limited region</a:t>
-            </a:r>
-          </a:p>
-          <a:p>
-            <a:r>
-              <a:rPr lang="en-US" sz="1000" dirty="0">
-                <a:latin typeface="Malgun Gothic" panose="020B0503020000020004" pitchFamily="34" charset="-127"/>
-                <a:ea typeface="Malgun Gothic" panose="020B0503020000020004" pitchFamily="34" charset="-127"/>
-              </a:rPr>
-              <a:t>Each can be localized independently</a:t>
-            </a:r>
-          </a:p>
-        </p:txBody>
-      </p:sp>
-      <p:sp>
-        <p:nvSpPr>
-          <p:cNvPr id="11" name="TextBox 10"/>
-          <p:cNvSpPr txBox="1"/>
-          <p:nvPr/>
-        </p:nvSpPr>
-        <p:spPr>
-          <a:xfrm>
-            <a:off x="5441950" y="3850046"/>
-            <a:ext cx="2724150" cy="400110"/>
-          </a:xfrm>
-          <a:prstGeom prst="rect">
-            <a:avLst/>
-          </a:prstGeom>
-          <a:noFill/>
-        </p:spPr>
-        <p:txBody>
-          <a:bodyPr wrap="square" rtlCol="0">
-            <a:spAutoFit/>
-          </a:bodyPr>
-          <a:lstStyle/>
-          <a:p>
-            <a:r>
-              <a:rPr lang="en-US" sz="1000" dirty="0">
-                <a:latin typeface="Malgun Gothic" panose="020B0503020000020004" pitchFamily="34" charset="-127"/>
-                <a:ea typeface="Malgun Gothic" panose="020B0503020000020004" pitchFamily="34" charset="-127"/>
-              </a:rPr>
-              <a:t>Two emitters in diffraction limited region</a:t>
-            </a:r>
-          </a:p>
-          <a:p>
-            <a:r>
-              <a:rPr lang="en-US" sz="1000" dirty="0">
-                <a:latin typeface="Malgun Gothic" panose="020B0503020000020004" pitchFamily="34" charset="-127"/>
-                <a:ea typeface="Malgun Gothic" panose="020B0503020000020004" pitchFamily="34" charset="-127"/>
-              </a:rPr>
-              <a:t>Cannot be localized</a:t>
-            </a:r>
-          </a:p>
-        </p:txBody>
-      </p:sp>
-    </p:spTree>
-    <p:extLst>
-      <p:ext uri="{BB962C8B-B14F-4D97-AF65-F5344CB8AC3E}">
-        <p14:creationId xmlns:p14="http://schemas.microsoft.com/office/powerpoint/2010/main" val="1961667206"/>
-      </p:ext>
-    </p:extLst>
-  </p:cSld>
-  <p:clrMapOvr>
-    <a:masterClrMapping/>
-  </p:clrMapOvr>
-</p:sld>
-</file>
-
-<file path=ppt/slides/slide4.xml><?xml version="1.0" encoding="utf-8"?>
-<p:sld xmlns:a="http://schemas.openxmlformats.org/drawingml/2006/main" xmlns:r="http://schemas.openxmlformats.org/officeDocument/2006/relationships" xmlns:p="http://schemas.openxmlformats.org/presentationml/2006/main">
-  <p:cSld>
-    <p:spTree>
-      <p:nvGrpSpPr>
-        <p:cNvPr id="1" name=""/>
-        <p:cNvGrpSpPr/>
-        <p:nvPr/>
-      </p:nvGrpSpPr>
-      <p:grpSpPr>
-        <a:xfrm>
-          <a:off x="0" y="0"/>
-          <a:ext cx="0" cy="0"/>
-          <a:chOff x="0" y="0"/>
-          <a:chExt cx="0" cy="0"/>
-        </a:xfrm>
-      </p:grpSpPr>
-      <p:sp>
-        <p:nvSpPr>
-          <p:cNvPr id="2" name="Title 1"/>
-          <p:cNvSpPr>
-            <a:spLocks noGrp="1"/>
-          </p:cNvSpPr>
-          <p:nvPr>
-            <p:ph type="title"/>
-          </p:nvPr>
-        </p:nvSpPr>
-        <p:spPr>
-          <a:xfrm>
-            <a:off x="0" y="0"/>
-            <a:ext cx="7030995" cy="735391"/>
-          </a:xfrm>
-        </p:spPr>
-        <p:txBody>
-          <a:bodyPr>
-            <a:normAutofit/>
-          </a:bodyPr>
-          <a:lstStyle/>
-          <a:p>
-            <a:r>
-              <a:rPr lang="en-US" dirty="0"/>
-              <a:t>Principle behind </a:t>
-            </a:r>
-            <a:r>
-              <a:rPr lang="en-US" dirty="0" err="1"/>
-              <a:t>smacm</a:t>
-            </a:r>
-            <a:r>
-              <a:rPr lang="en-US" dirty="0"/>
-              <a:t> techniques</a:t>
-            </a:r>
-          </a:p>
-        </p:txBody>
-      </p:sp>
-      <p:sp>
-        <p:nvSpPr>
-          <p:cNvPr id="6" name="Rectangle 5"/>
-          <p:cNvSpPr/>
-          <p:nvPr/>
-        </p:nvSpPr>
-        <p:spPr>
-          <a:xfrm>
-            <a:off x="435442" y="1253005"/>
-            <a:ext cx="4836128" cy="4832092"/>
-          </a:xfrm>
-          <a:prstGeom prst="rect">
-            <a:avLst/>
-          </a:prstGeom>
-        </p:spPr>
-        <p:txBody>
-          <a:bodyPr wrap="square">
-            <a:spAutoFit/>
-          </a:bodyPr>
-          <a:lstStyle/>
-          <a:p>
-            <a:r>
-              <a:rPr lang="en-US" dirty="0">
-                <a:latin typeface="Malgun Gothic" panose="020B0503020000020004" pitchFamily="34" charset="-127"/>
-                <a:ea typeface="Malgun Gothic" panose="020B0503020000020004" pitchFamily="34" charset="-127"/>
-              </a:rPr>
-              <a:t>Method for imaging more complex structures with many emitters</a:t>
-            </a:r>
-          </a:p>
-          <a:p>
-            <a:pPr marL="0" lvl="1"/>
-            <a:endParaRPr lang="en-US" sz="1600" dirty="0">
-              <a:sym typeface="Wingdings" panose="05000000000000000000" pitchFamily="2" charset="2"/>
-            </a:endParaRPr>
-          </a:p>
-          <a:p>
-            <a:pPr marL="285750" lvl="1" indent="-285750">
-              <a:buFontTx/>
-              <a:buChar char="-"/>
-            </a:pPr>
-            <a:r>
-              <a:rPr lang="en-US" sz="1600" dirty="0">
-                <a:sym typeface="Wingdings" panose="05000000000000000000" pitchFamily="2" charset="2"/>
-              </a:rPr>
-              <a:t>Structure is labeled with low concentration of emitters and set in a dark state </a:t>
-            </a:r>
-          </a:p>
-          <a:p>
-            <a:pPr marL="285750" lvl="1" indent="-285750">
-              <a:buFontTx/>
-              <a:buChar char="-"/>
-            </a:pPr>
-            <a:endParaRPr lang="en-US" sz="1600" dirty="0">
-              <a:sym typeface="Wingdings" panose="05000000000000000000" pitchFamily="2" charset="2"/>
-            </a:endParaRPr>
-          </a:p>
-          <a:p>
-            <a:pPr marL="285750" lvl="1" indent="-285750">
-              <a:buFontTx/>
-              <a:buChar char="-"/>
-            </a:pPr>
-            <a:r>
-              <a:rPr lang="en-US" sz="1600" dirty="0">
-                <a:sym typeface="Wingdings" panose="05000000000000000000" pitchFamily="2" charset="2"/>
-              </a:rPr>
-              <a:t>Weak activating light is used to turn on a small subset of emitters such that the activated emitters are sufficiently far apart and can be super-localized</a:t>
-            </a:r>
-          </a:p>
-          <a:p>
-            <a:pPr marL="285750" lvl="1" indent="-285750">
-              <a:buFontTx/>
-              <a:buChar char="-"/>
-            </a:pPr>
-            <a:endParaRPr lang="en-US" sz="1600" dirty="0">
-              <a:sym typeface="Wingdings" panose="05000000000000000000" pitchFamily="2" charset="2"/>
-            </a:endParaRPr>
-          </a:p>
-          <a:p>
-            <a:pPr marL="285750" lvl="1" indent="-285750">
-              <a:buFontTx/>
-              <a:buChar char="-"/>
-            </a:pPr>
-            <a:r>
-              <a:rPr lang="en-US" sz="1600" dirty="0">
-                <a:sym typeface="Wingdings" panose="05000000000000000000" pitchFamily="2" charset="2"/>
-              </a:rPr>
-              <a:t>An image is taken, and the emitters eventually </a:t>
-            </a:r>
-            <a:r>
-              <a:rPr lang="en-US" sz="1600" dirty="0" err="1">
-                <a:sym typeface="Wingdings" panose="05000000000000000000" pitchFamily="2" charset="2"/>
-              </a:rPr>
-              <a:t>photobleach</a:t>
-            </a:r>
-            <a:r>
-              <a:rPr lang="en-US" sz="1600" dirty="0">
-                <a:sym typeface="Wingdings" panose="05000000000000000000" pitchFamily="2" charset="2"/>
-              </a:rPr>
-              <a:t>. The activating laser is turned on again, and a different subset of emitters are turned on. (B)</a:t>
-            </a:r>
-          </a:p>
-          <a:p>
-            <a:pPr marL="285750" lvl="1" indent="-285750">
-              <a:buFontTx/>
-              <a:buChar char="-"/>
-            </a:pPr>
-            <a:endParaRPr lang="en-US" sz="1600" dirty="0">
-              <a:sym typeface="Wingdings" panose="05000000000000000000" pitchFamily="2" charset="2"/>
-            </a:endParaRPr>
-          </a:p>
-          <a:p>
-            <a:pPr marL="285750" lvl="1" indent="-285750">
-              <a:buFontTx/>
-              <a:buChar char="-"/>
-            </a:pPr>
-            <a:r>
-              <a:rPr lang="en-US" sz="1600" dirty="0">
-                <a:sym typeface="Wingdings" panose="05000000000000000000" pitchFamily="2" charset="2"/>
-              </a:rPr>
-              <a:t>Another image is taken and the process is repeated until the underlying structure (blue) can be reconstructed. (C)</a:t>
-            </a:r>
-          </a:p>
-          <a:p>
-            <a:pPr marL="285750" lvl="1" indent="-285750">
-              <a:buFontTx/>
-              <a:buChar char="-"/>
-            </a:pPr>
-            <a:endParaRPr lang="en-US" sz="1600" dirty="0">
-              <a:sym typeface="Wingdings" panose="05000000000000000000" pitchFamily="2" charset="2"/>
-            </a:endParaRPr>
-          </a:p>
-          <a:p>
-            <a:pPr marL="285750" lvl="1" indent="-285750">
-              <a:buFontTx/>
-              <a:buChar char="-"/>
-            </a:pPr>
-            <a:r>
-              <a:rPr lang="en-US" sz="1600" dirty="0">
-                <a:sym typeface="Wingdings" panose="05000000000000000000" pitchFamily="2" charset="2"/>
-              </a:rPr>
-              <a:t>Can determine positions to ~20nm resolution</a:t>
-            </a:r>
-          </a:p>
-        </p:txBody>
-      </p:sp>
-      <p:grpSp>
-        <p:nvGrpSpPr>
-          <p:cNvPr id="9" name="Group 8"/>
-          <p:cNvGrpSpPr/>
-          <p:nvPr/>
-        </p:nvGrpSpPr>
-        <p:grpSpPr>
-          <a:xfrm>
-            <a:off x="5688996" y="1261736"/>
-            <a:ext cx="2601869" cy="5005827"/>
-            <a:chOff x="5688996" y="1261736"/>
-            <a:chExt cx="2601869" cy="5005827"/>
-          </a:xfrm>
-        </p:grpSpPr>
-        <p:pic>
-          <p:nvPicPr>
-            <p:cNvPr id="5" name="Picture 2" descr="image"/>
-            <p:cNvPicPr>
-              <a:picLocks noChangeAspect="1" noChangeArrowheads="1"/>
-            </p:cNvPicPr>
-            <p:nvPr/>
-          </p:nvPicPr>
-          <p:blipFill rotWithShape="1">
-            <a:blip r:embed="rId3">
-              <a:extLst>
-                <a:ext uri="{28A0092B-C50C-407E-A947-70E740481C1C}">
-                  <a14:useLocalDpi xmlns:a14="http://schemas.microsoft.com/office/drawing/2010/main" val="0"/>
-                </a:ext>
-              </a:extLst>
-            </a:blip>
-            <a:srcRect l="24513" r="21686"/>
-            <a:stretch/>
-          </p:blipFill>
-          <p:spPr bwMode="auto">
-            <a:xfrm>
-              <a:off x="5688996" y="3043715"/>
-              <a:ext cx="2601869" cy="1773248"/>
-            </a:xfrm>
-            <a:prstGeom prst="rect">
-              <a:avLst/>
-            </a:prstGeom>
-            <a:noFill/>
-            <a:extLst>
-              <a:ext uri="{909E8E84-426E-40DD-AFC4-6F175D3DCCD1}">
-                <a14:hiddenFill xmlns:a14="http://schemas.microsoft.com/office/drawing/2010/main">
-                  <a:solidFill>
-                    <a:srgbClr val="FFFFFF"/>
-                  </a:solidFill>
-                </a14:hiddenFill>
-              </a:ext>
-            </a:extLst>
-          </p:spPr>
-        </p:pic>
-        <p:pic>
-          <p:nvPicPr>
-            <p:cNvPr id="7" name="Picture 2" descr="image"/>
-            <p:cNvPicPr>
-              <a:picLocks noChangeAspect="1" noChangeArrowheads="1"/>
-            </p:cNvPicPr>
-            <p:nvPr/>
-          </p:nvPicPr>
-          <p:blipFill rotWithShape="1">
-            <a:blip r:embed="rId3">
-              <a:extLst>
-                <a:ext uri="{28A0092B-C50C-407E-A947-70E740481C1C}">
-                  <a14:useLocalDpi xmlns:a14="http://schemas.microsoft.com/office/drawing/2010/main" val="0"/>
-                </a:ext>
-              </a:extLst>
-            </a:blip>
-            <a:srcRect r="75173"/>
-            <a:stretch/>
-          </p:blipFill>
-          <p:spPr bwMode="auto">
-            <a:xfrm>
-              <a:off x="5688996" y="1261736"/>
-              <a:ext cx="1200665" cy="1773248"/>
-            </a:xfrm>
-            <a:prstGeom prst="rect">
-              <a:avLst/>
-            </a:prstGeom>
-            <a:noFill/>
-            <a:extLst>
-              <a:ext uri="{909E8E84-426E-40DD-AFC4-6F175D3DCCD1}">
-                <a14:hiddenFill xmlns:a14="http://schemas.microsoft.com/office/drawing/2010/main">
-                  <a:solidFill>
-                    <a:srgbClr val="FFFFFF"/>
-                  </a:solidFill>
-                </a14:hiddenFill>
-              </a:ext>
-            </a:extLst>
-          </p:spPr>
-        </p:pic>
-        <p:pic>
-          <p:nvPicPr>
-            <p:cNvPr id="8" name="Picture 2" descr="image"/>
-            <p:cNvPicPr>
-              <a:picLocks noChangeAspect="1" noChangeArrowheads="1"/>
-            </p:cNvPicPr>
-            <p:nvPr/>
-          </p:nvPicPr>
-          <p:blipFill rotWithShape="1">
-            <a:blip r:embed="rId3">
-              <a:extLst>
-                <a:ext uri="{28A0092B-C50C-407E-A947-70E740481C1C}">
-                  <a14:useLocalDpi xmlns:a14="http://schemas.microsoft.com/office/drawing/2010/main" val="0"/>
-                </a:ext>
-              </a:extLst>
-            </a:blip>
-            <a:srcRect l="76749"/>
-            <a:stretch/>
-          </p:blipFill>
-          <p:spPr bwMode="auto">
-            <a:xfrm>
-              <a:off x="5688996" y="4494315"/>
-              <a:ext cx="1124465" cy="1773248"/>
-            </a:xfrm>
-            <a:prstGeom prst="rect">
-              <a:avLst/>
-            </a:prstGeom>
-            <a:noFill/>
-            <a:extLst>
-              <a:ext uri="{909E8E84-426E-40DD-AFC4-6F175D3DCCD1}">
-                <a14:hiddenFill xmlns:a14="http://schemas.microsoft.com/office/drawing/2010/main">
-                  <a:solidFill>
-                    <a:srgbClr val="FFFFFF"/>
-                  </a:solidFill>
-                </a14:hiddenFill>
-              </a:ext>
-            </a:extLst>
-          </p:spPr>
-        </p:pic>
-      </p:grpSp>
-    </p:spTree>
-    <p:extLst>
-      <p:ext uri="{BB962C8B-B14F-4D97-AF65-F5344CB8AC3E}">
-        <p14:creationId xmlns:p14="http://schemas.microsoft.com/office/powerpoint/2010/main" val="2706415909"/>
-      </p:ext>
-    </p:extLst>
-  </p:cSld>
-  <p:clrMapOvr>
-    <a:masterClrMapping/>
-  </p:clrMapOvr>
-</p:sld>
-</file>
-
-<file path=ppt/slides/slide5.xml><?xml version="1.0" encoding="utf-8"?>
-<p:sld xmlns:a="http://schemas.openxmlformats.org/drawingml/2006/main" xmlns:r="http://schemas.openxmlformats.org/officeDocument/2006/relationships" xmlns:p="http://schemas.openxmlformats.org/presentationml/2006/main">
-  <p:cSld>
-    <p:spTree>
-      <p:nvGrpSpPr>
-        <p:cNvPr id="1" name=""/>
-        <p:cNvGrpSpPr/>
-        <p:nvPr/>
-      </p:nvGrpSpPr>
-      <p:grpSpPr>
-        <a:xfrm>
-          <a:off x="0" y="0"/>
-          <a:ext cx="0" cy="0"/>
-          <a:chOff x="0" y="0"/>
-          <a:chExt cx="0" cy="0"/>
-        </a:xfrm>
-      </p:grpSpPr>
-      <p:sp>
-        <p:nvSpPr>
-          <p:cNvPr id="2" name="Title 1">
-            <a:extLst>
-              <a:ext uri="{FF2B5EF4-FFF2-40B4-BE49-F238E27FC236}">
-                <a16:creationId xmlns:a16="http://schemas.microsoft.com/office/drawing/2014/main" id="{550AC5EF-64FB-2342-9467-308E1707A006}"/>
-              </a:ext>
-            </a:extLst>
-          </p:cNvPr>
-          <p:cNvSpPr>
-            <a:spLocks noGrp="1"/>
-          </p:cNvSpPr>
-          <p:nvPr>
-            <p:ph type="title"/>
-          </p:nvPr>
-        </p:nvSpPr>
-        <p:spPr/>
-        <p:txBody>
-          <a:bodyPr/>
-          <a:lstStyle/>
-          <a:p>
-            <a:r>
-              <a:rPr lang="en-US" dirty="0"/>
-              <a:t>Super-resolution of </a:t>
-            </a:r>
-            <a:r>
-              <a:rPr lang="en-US" dirty="0" err="1"/>
-              <a:t>ews</a:t>
-            </a:r>
-            <a:r>
-              <a:rPr lang="en-US" dirty="0"/>
-              <a:t>/fli1 hubs</a:t>
-            </a:r>
-          </a:p>
-        </p:txBody>
-      </p:sp>
-      <p:sp>
-        <p:nvSpPr>
-          <p:cNvPr id="5" name="Rectangle 4">
-            <a:extLst>
-              <a:ext uri="{FF2B5EF4-FFF2-40B4-BE49-F238E27FC236}">
-                <a16:creationId xmlns:a16="http://schemas.microsoft.com/office/drawing/2014/main" id="{025A6675-8C0F-034F-AFF7-286D09ABB623}"/>
-              </a:ext>
-            </a:extLst>
-          </p:cNvPr>
-          <p:cNvSpPr/>
-          <p:nvPr/>
-        </p:nvSpPr>
-        <p:spPr>
-          <a:xfrm>
-            <a:off x="4878105" y="1059232"/>
-            <a:ext cx="3979862" cy="4431983"/>
-          </a:xfrm>
-          <a:prstGeom prst="rect">
-            <a:avLst/>
-          </a:prstGeom>
-        </p:spPr>
-        <p:txBody>
-          <a:bodyPr wrap="square">
-            <a:spAutoFit/>
-          </a:bodyPr>
-          <a:lstStyle/>
-          <a:p>
-            <a:r>
-              <a:rPr lang="en-US" dirty="0">
-                <a:latin typeface="Malgun Gothic" panose="020B0503020000020004" pitchFamily="34" charset="-127"/>
-                <a:ea typeface="Malgun Gothic" panose="020B0503020000020004" pitchFamily="34" charset="-127"/>
-              </a:rPr>
-              <a:t>Hubs are typically on the order of hundreds of nm, i.e. diffraction limited</a:t>
-            </a:r>
-          </a:p>
-          <a:p>
-            <a:endParaRPr lang="en-US" dirty="0">
-              <a:latin typeface="Malgun Gothic" panose="020B0503020000020004" pitchFamily="34" charset="-127"/>
-              <a:ea typeface="Malgun Gothic" panose="020B0503020000020004" pitchFamily="34" charset="-127"/>
-            </a:endParaRPr>
-          </a:p>
-          <a:p>
-            <a:pPr marL="285750" indent="-285750">
-              <a:buFontTx/>
-              <a:buChar char="-"/>
-            </a:pPr>
-            <a:r>
-              <a:rPr lang="en-US" sz="1600" dirty="0">
-                <a:latin typeface="Malgun Gothic" panose="020B0503020000020004" pitchFamily="34" charset="-127"/>
-                <a:ea typeface="Malgun Gothic" panose="020B0503020000020004" pitchFamily="34" charset="-127"/>
-              </a:rPr>
-              <a:t>Super-resolution (PALM) techniques can give us order of magnitude estimates of absolute protein number</a:t>
-            </a:r>
-          </a:p>
-          <a:p>
-            <a:pPr marL="285750" indent="-285750">
-              <a:buFontTx/>
-              <a:buChar char="-"/>
-            </a:pPr>
-            <a:endParaRPr lang="en-US" sz="1600" dirty="0">
-              <a:latin typeface="Malgun Gothic" panose="020B0503020000020004" pitchFamily="34" charset="-127"/>
-              <a:ea typeface="Malgun Gothic" panose="020B0503020000020004" pitchFamily="34" charset="-127"/>
-            </a:endParaRPr>
-          </a:p>
-          <a:p>
-            <a:pPr marL="285750" indent="-285750">
-              <a:buFontTx/>
-              <a:buChar char="-"/>
-            </a:pPr>
-            <a:r>
-              <a:rPr lang="en-US" sz="1600" dirty="0">
-                <a:latin typeface="Malgun Gothic" panose="020B0503020000020004" pitchFamily="34" charset="-127"/>
-                <a:ea typeface="Malgun Gothic" panose="020B0503020000020004" pitchFamily="34" charset="-127"/>
-              </a:rPr>
-              <a:t>More highly resolved characterization of hub sizes can allow for quantitative drug testing analysis</a:t>
-            </a:r>
-          </a:p>
-          <a:p>
-            <a:pPr marL="285750" indent="-285750">
-              <a:buFontTx/>
-              <a:buChar char="-"/>
-            </a:pPr>
-            <a:endParaRPr lang="en-US" sz="1600" dirty="0">
-              <a:latin typeface="Malgun Gothic" panose="020B0503020000020004" pitchFamily="34" charset="-127"/>
-              <a:ea typeface="Malgun Gothic" panose="020B0503020000020004" pitchFamily="34" charset="-127"/>
-            </a:endParaRPr>
-          </a:p>
-          <a:p>
-            <a:pPr marL="285750" indent="-285750">
-              <a:buFontTx/>
-              <a:buChar char="-"/>
-            </a:pPr>
-            <a:r>
-              <a:rPr lang="en-US" sz="1600" dirty="0">
-                <a:latin typeface="Malgun Gothic" panose="020B0503020000020004" pitchFamily="34" charset="-127"/>
-                <a:ea typeface="Malgun Gothic" panose="020B0503020000020004" pitchFamily="34" charset="-127"/>
-              </a:rPr>
-              <a:t>Can be combined with RNA FISH to identify spatiotemporal correlation with transcriptional bursting and hub formation</a:t>
-            </a:r>
-          </a:p>
-          <a:p>
-            <a:pPr marL="285750" indent="-285750">
-              <a:buFontTx/>
-              <a:buChar char="-"/>
-            </a:pPr>
-            <a:endParaRPr lang="en-US" dirty="0">
-              <a:latin typeface="Malgun Gothic" panose="020B0503020000020004" pitchFamily="34" charset="-127"/>
-              <a:ea typeface="Malgun Gothic" panose="020B0503020000020004" pitchFamily="34" charset="-127"/>
-            </a:endParaRPr>
-          </a:p>
-        </p:txBody>
-      </p:sp>
-    </p:spTree>
-    <p:extLst>
-      <p:ext uri="{BB962C8B-B14F-4D97-AF65-F5344CB8AC3E}">
-        <p14:creationId xmlns:p14="http://schemas.microsoft.com/office/powerpoint/2010/main" val="4171617919"/>
-      </p:ext>
-    </p:extLst>
-  </p:cSld>
-  <p:clrMapOvr>
-    <a:masterClrMapping/>
-  </p:clrMapOvr>
-</p:sld>
-</file>
-
-<file path=ppt/slides/slide6.xml><?xml version="1.0" encoding="utf-8"?>
-<p:sld xmlns:a="http://schemas.openxmlformats.org/drawingml/2006/main" xmlns:r="http://schemas.openxmlformats.org/officeDocument/2006/relationships" xmlns:p="http://schemas.openxmlformats.org/presentationml/2006/main">
-  <p:cSld>
-    <p:spTree>
-      <p:nvGrpSpPr>
-        <p:cNvPr id="1" name=""/>
-        <p:cNvGrpSpPr/>
-        <p:nvPr/>
-      </p:nvGrpSpPr>
-      <p:grpSpPr>
-        <a:xfrm>
-          <a:off x="0" y="0"/>
-          <a:ext cx="0" cy="0"/>
-          <a:chOff x="0" y="0"/>
-          <a:chExt cx="0" cy="0"/>
-        </a:xfrm>
-      </p:grpSpPr>
-      <p:sp>
-        <p:nvSpPr>
-          <p:cNvPr id="2" name="Title 1">
-            <a:extLst>
-              <a:ext uri="{FF2B5EF4-FFF2-40B4-BE49-F238E27FC236}">
-                <a16:creationId xmlns:a16="http://schemas.microsoft.com/office/drawing/2014/main" id="{550AC5EF-64FB-2342-9467-308E1707A006}"/>
-              </a:ext>
-            </a:extLst>
-          </p:cNvPr>
-          <p:cNvSpPr>
-            <a:spLocks noGrp="1"/>
-          </p:cNvSpPr>
-          <p:nvPr>
-            <p:ph type="title"/>
-          </p:nvPr>
-        </p:nvSpPr>
-        <p:spPr/>
-        <p:txBody>
-          <a:bodyPr/>
-          <a:lstStyle/>
-          <a:p>
-            <a:r>
-              <a:rPr lang="en-US" dirty="0"/>
-              <a:t>Super-resolution of </a:t>
-            </a:r>
-            <a:r>
-              <a:rPr lang="en-US" dirty="0" err="1"/>
-              <a:t>ews</a:t>
-            </a:r>
-            <a:r>
-              <a:rPr lang="en-US" dirty="0"/>
-              <a:t>/fli1 hubs</a:t>
-            </a:r>
-          </a:p>
-        </p:txBody>
-      </p:sp>
-      <p:pic>
-        <p:nvPicPr>
-          <p:cNvPr id="8" name="Picture 7" descr="A picture containing star, outdoor object&#10;&#10;Description automatically generated">
-            <a:extLst>
-              <a:ext uri="{FF2B5EF4-FFF2-40B4-BE49-F238E27FC236}">
-                <a16:creationId xmlns:a16="http://schemas.microsoft.com/office/drawing/2014/main" id="{C62A3DA4-A095-DF48-9791-3416079E0FD3}"/>
-              </a:ext>
-            </a:extLst>
-          </p:cNvPr>
-          <p:cNvPicPr>
-            <a:picLocks noChangeAspect="1"/>
-          </p:cNvPicPr>
-          <p:nvPr/>
-        </p:nvPicPr>
-        <p:blipFill>
-          <a:blip r:embed="rId2">
-            <a:extLst>
-              <a:ext uri="{28A0092B-C50C-407E-A947-70E740481C1C}">
-                <a14:useLocalDpi xmlns:a14="http://schemas.microsoft.com/office/drawing/2010/main" val="0"/>
-              </a:ext>
-            </a:extLst>
-          </a:blip>
-          <a:stretch>
-            <a:fillRect/>
-          </a:stretch>
-        </p:blipFill>
-        <p:spPr>
-          <a:xfrm>
-            <a:off x="512931" y="1048123"/>
-            <a:ext cx="2717800" cy="2717800"/>
-          </a:xfrm>
-          <a:prstGeom prst="rect">
-            <a:avLst/>
-          </a:prstGeom>
-        </p:spPr>
-      </p:pic>
-      <p:pic>
-        <p:nvPicPr>
-          <p:cNvPr id="10" name="Picture 9" descr="A picture containing star, dark, outdoor object, night sky&#10;&#10;Description automatically generated">
-            <a:extLst>
-              <a:ext uri="{FF2B5EF4-FFF2-40B4-BE49-F238E27FC236}">
-                <a16:creationId xmlns:a16="http://schemas.microsoft.com/office/drawing/2014/main" id="{9B398901-71DF-2A41-8917-34337838FE3A}"/>
-              </a:ext>
-            </a:extLst>
-          </p:cNvPr>
-          <p:cNvPicPr>
-            <a:picLocks noChangeAspect="1"/>
-          </p:cNvPicPr>
-          <p:nvPr/>
-        </p:nvPicPr>
-        <p:blipFill>
-          <a:blip r:embed="rId3">
-            <a:extLst>
-              <a:ext uri="{28A0092B-C50C-407E-A947-70E740481C1C}">
-                <a14:useLocalDpi xmlns:a14="http://schemas.microsoft.com/office/drawing/2010/main" val="0"/>
-              </a:ext>
-            </a:extLst>
-          </a:blip>
-          <a:stretch>
-            <a:fillRect/>
-          </a:stretch>
-        </p:blipFill>
-        <p:spPr>
-          <a:xfrm>
-            <a:off x="3230731" y="1048123"/>
-            <a:ext cx="2717800" cy="2717800"/>
-          </a:xfrm>
-          <a:prstGeom prst="rect">
-            <a:avLst/>
-          </a:prstGeom>
-        </p:spPr>
-      </p:pic>
-    </p:spTree>
-    <p:extLst>
-      <p:ext uri="{BB962C8B-B14F-4D97-AF65-F5344CB8AC3E}">
-        <p14:creationId xmlns:p14="http://schemas.microsoft.com/office/powerpoint/2010/main" val="2490665255"/>
-      </p:ext>
-    </p:extLst>
-  </p:cSld>
-  <p:clrMapOvr>
-    <a:masterClrMapping/>
-  </p:clrMapOvr>
-</p:sld>
-</file>
-
-<file path=ppt/slides/slide7.xml><?xml version="1.0" encoding="utf-8"?>
-<p:sld xmlns:a="http://schemas.openxmlformats.org/drawingml/2006/main" xmlns:r="http://schemas.openxmlformats.org/officeDocument/2006/relationships" xmlns:p="http://schemas.openxmlformats.org/presentationml/2006/main">
-  <p:cSld>
-    <p:spTree>
-      <p:nvGrpSpPr>
-        <p:cNvPr id="1" name=""/>
-        <p:cNvGrpSpPr/>
-        <p:nvPr/>
-      </p:nvGrpSpPr>
-      <p:grpSpPr>
-        <a:xfrm>
-          <a:off x="0" y="0"/>
-          <a:ext cx="0" cy="0"/>
-          <a:chOff x="0" y="0"/>
-          <a:chExt cx="0" cy="0"/>
-        </a:xfrm>
-      </p:grpSpPr>
-      <p:sp>
-        <p:nvSpPr>
-          <p:cNvPr id="4" name="Title 3">
-            <a:extLst>
-              <a:ext uri="{FF2B5EF4-FFF2-40B4-BE49-F238E27FC236}">
-                <a16:creationId xmlns:a16="http://schemas.microsoft.com/office/drawing/2014/main" id="{6994BBA0-CCFB-D649-B006-E2811BFE2EB7}"/>
-              </a:ext>
-            </a:extLst>
-          </p:cNvPr>
-          <p:cNvSpPr>
-            <a:spLocks noGrp="1"/>
-          </p:cNvSpPr>
-          <p:nvPr>
-            <p:ph type="ctrTitle"/>
-          </p:nvPr>
-        </p:nvSpPr>
-        <p:spPr>
-          <a:xfrm>
-            <a:off x="2193002" y="1941679"/>
-            <a:ext cx="6950998" cy="1920683"/>
-          </a:xfrm>
-        </p:spPr>
-        <p:txBody>
-          <a:bodyPr>
-            <a:noAutofit/>
-          </a:bodyPr>
-          <a:lstStyle/>
-          <a:p>
-            <a:pPr algn="l"/>
-            <a:r>
-              <a:rPr lang="en-US" sz="3400" dirty="0"/>
-              <a:t>Highly-resolved diffusion dynamics, super-resolution alphabet soup, </a:t>
-            </a:r>
-            <a:br>
-              <a:rPr lang="en-US" sz="3400" dirty="0"/>
-            </a:br>
-            <a:r>
-              <a:rPr lang="en-US" sz="3400" dirty="0"/>
-              <a:t>and lcd-lcd hubs</a:t>
-            </a:r>
-          </a:p>
-        </p:txBody>
-      </p:sp>
-      <p:sp>
-        <p:nvSpPr>
-          <p:cNvPr id="5" name="Subtitle 4">
-            <a:extLst>
-              <a:ext uri="{FF2B5EF4-FFF2-40B4-BE49-F238E27FC236}">
-                <a16:creationId xmlns:a16="http://schemas.microsoft.com/office/drawing/2014/main" id="{7CC37ED1-B805-544D-8D36-EBE4165B6D06}"/>
-              </a:ext>
-            </a:extLst>
-          </p:cNvPr>
-          <p:cNvSpPr>
-            <a:spLocks noGrp="1"/>
-          </p:cNvSpPr>
-          <p:nvPr>
-            <p:ph type="subTitle" idx="1"/>
-          </p:nvPr>
-        </p:nvSpPr>
-        <p:spPr>
-          <a:xfrm>
-            <a:off x="2193002" y="4434120"/>
-            <a:ext cx="6858000" cy="1655762"/>
-          </a:xfrm>
-        </p:spPr>
-        <p:txBody>
-          <a:bodyPr/>
-          <a:lstStyle/>
-          <a:p>
-            <a:pPr algn="l"/>
-            <a:r>
-              <a:rPr lang="en-US" sz="2000" dirty="0">
-                <a:solidFill>
-                  <a:schemeClr val="bg2">
-                    <a:lumMod val="50000"/>
-                  </a:schemeClr>
-                </a:solidFill>
-                <a:latin typeface="Malgun Gothic Semilight" panose="020B0502040204020203" pitchFamily="34" charset="-128"/>
-                <a:ea typeface="Malgun Gothic Semilight" panose="020B0502040204020203" pitchFamily="34" charset="-128"/>
-                <a:cs typeface="Malgun Gothic Semilight" panose="020B0502040204020203" pitchFamily="34" charset="-128"/>
-              </a:rPr>
-              <a:t>Shawn Yoshida</a:t>
-            </a:r>
-          </a:p>
-          <a:p>
-            <a:pPr algn="l"/>
-            <a:r>
-              <a:rPr lang="en-US" sz="1800" dirty="0">
-                <a:solidFill>
-                  <a:schemeClr val="bg2">
-                    <a:lumMod val="50000"/>
-                  </a:schemeClr>
-                </a:solidFill>
-                <a:latin typeface="Malgun Gothic Semilight" panose="020B0502040204020203" pitchFamily="34" charset="-128"/>
-                <a:ea typeface="Malgun Gothic Semilight" panose="020B0502040204020203" pitchFamily="34" charset="-128"/>
-                <a:cs typeface="Malgun Gothic Semilight" panose="020B0502040204020203" pitchFamily="34" charset="-128"/>
-              </a:rPr>
-              <a:t>Chong Lab, Caltech</a:t>
-            </a:r>
-          </a:p>
-          <a:p>
-            <a:pPr algn="l"/>
-            <a:r>
-              <a:rPr lang="en-US" sz="1800" dirty="0">
-                <a:solidFill>
-                  <a:schemeClr val="bg2">
-                    <a:lumMod val="50000"/>
-                  </a:schemeClr>
-                </a:solidFill>
-                <a:latin typeface="Malgun Gothic Semilight" panose="020B0502040204020203" pitchFamily="34" charset="-128"/>
-                <a:ea typeface="Malgun Gothic Semilight" panose="020B0502040204020203" pitchFamily="34" charset="-128"/>
-                <a:cs typeface="Malgun Gothic Semilight" panose="020B0502040204020203" pitchFamily="34" charset="-128"/>
-              </a:rPr>
-              <a:t>October 25</a:t>
-            </a:r>
-            <a:r>
-              <a:rPr lang="en-US" sz="1800" baseline="30000" dirty="0">
-                <a:solidFill>
-                  <a:schemeClr val="bg2">
-                    <a:lumMod val="50000"/>
-                  </a:schemeClr>
-                </a:solidFill>
-                <a:latin typeface="Malgun Gothic Semilight" panose="020B0502040204020203" pitchFamily="34" charset="-128"/>
-                <a:ea typeface="Malgun Gothic Semilight" panose="020B0502040204020203" pitchFamily="34" charset="-128"/>
-                <a:cs typeface="Malgun Gothic Semilight" panose="020B0502040204020203" pitchFamily="34" charset="-128"/>
-              </a:rPr>
-              <a:t>th</a:t>
-            </a:r>
-            <a:r>
-              <a:rPr lang="en-US" sz="1800" dirty="0">
-                <a:solidFill>
-                  <a:schemeClr val="bg2">
-                    <a:lumMod val="50000"/>
-                  </a:schemeClr>
-                </a:solidFill>
-                <a:latin typeface="Malgun Gothic Semilight" panose="020B0502040204020203" pitchFamily="34" charset="-128"/>
-                <a:ea typeface="Malgun Gothic Semilight" panose="020B0502040204020203" pitchFamily="34" charset="-128"/>
-                <a:cs typeface="Malgun Gothic Semilight" panose="020B0502040204020203" pitchFamily="34" charset="-128"/>
-              </a:rPr>
-              <a:t>, 2021</a:t>
-            </a:r>
-          </a:p>
-        </p:txBody>
-      </p:sp>
-      <p:grpSp>
-        <p:nvGrpSpPr>
-          <p:cNvPr id="17" name="Group 16">
-            <a:extLst>
-              <a:ext uri="{FF2B5EF4-FFF2-40B4-BE49-F238E27FC236}">
-                <a16:creationId xmlns:a16="http://schemas.microsoft.com/office/drawing/2014/main" id="{AC46EDE6-98A2-4942-9364-F1B180ECE3F8}"/>
-              </a:ext>
-            </a:extLst>
-          </p:cNvPr>
-          <p:cNvGrpSpPr>
-            <a:grpSpLocks noChangeAspect="1"/>
-          </p:cNvGrpSpPr>
-          <p:nvPr/>
-        </p:nvGrpSpPr>
-        <p:grpSpPr>
-          <a:xfrm>
-            <a:off x="186201" y="963747"/>
-            <a:ext cx="1913598" cy="5712235"/>
-            <a:chOff x="3734931" y="3097071"/>
-            <a:chExt cx="1650429" cy="4926656"/>
-          </a:xfrm>
-        </p:grpSpPr>
-        <p:grpSp>
-          <p:nvGrpSpPr>
-            <p:cNvPr id="6" name="Group 5">
-              <a:extLst>
-                <a:ext uri="{FF2B5EF4-FFF2-40B4-BE49-F238E27FC236}">
-                  <a16:creationId xmlns:a16="http://schemas.microsoft.com/office/drawing/2014/main" id="{924A039B-4768-BC4A-8116-1CE8D93BC215}"/>
-                </a:ext>
-              </a:extLst>
-            </p:cNvPr>
-            <p:cNvGrpSpPr>
-              <a:grpSpLocks noChangeAspect="1"/>
-            </p:cNvGrpSpPr>
-            <p:nvPr/>
-          </p:nvGrpSpPr>
-          <p:grpSpPr>
-            <a:xfrm>
-              <a:off x="3739602" y="3097071"/>
-              <a:ext cx="1645758" cy="1659600"/>
-              <a:chOff x="4930346" y="1888870"/>
-              <a:chExt cx="3100078" cy="3126151"/>
-            </a:xfrm>
-          </p:grpSpPr>
-          <p:grpSp>
-            <p:nvGrpSpPr>
-              <p:cNvPr id="7" name="Group 6">
-                <a:extLst>
-                  <a:ext uri="{FF2B5EF4-FFF2-40B4-BE49-F238E27FC236}">
-                    <a16:creationId xmlns:a16="http://schemas.microsoft.com/office/drawing/2014/main" id="{83998D13-DD7A-7B4E-B0A8-A8EDDD5ECAB1}"/>
-                  </a:ext>
-                </a:extLst>
-              </p:cNvPr>
-              <p:cNvGrpSpPr>
-                <a:grpSpLocks noChangeAspect="1"/>
-              </p:cNvGrpSpPr>
-              <p:nvPr/>
-            </p:nvGrpSpPr>
-            <p:grpSpPr>
-              <a:xfrm>
-                <a:off x="4930346" y="1888870"/>
-                <a:ext cx="3100078" cy="3126151"/>
-                <a:chOff x="-12357" y="-12357"/>
-                <a:chExt cx="2286000" cy="2305226"/>
-              </a:xfrm>
-            </p:grpSpPr>
-            <p:pic>
-              <p:nvPicPr>
-                <p:cNvPr id="11" name="Picture 10">
-                  <a:extLst>
-                    <a:ext uri="{FF2B5EF4-FFF2-40B4-BE49-F238E27FC236}">
-                      <a16:creationId xmlns:a16="http://schemas.microsoft.com/office/drawing/2014/main" id="{D2B00288-045D-E742-8C8B-E17F74937F6D}"/>
-                    </a:ext>
-                  </a:extLst>
-                </p:cNvPr>
-                <p:cNvPicPr>
-                  <a:picLocks noChangeAspect="1"/>
-                </p:cNvPicPr>
-                <p:nvPr/>
-              </p:nvPicPr>
-              <p:blipFill rotWithShape="1">
-                <a:blip r:embed="rId2">
-                  <a:extLst>
-                    <a:ext uri="{28A0092B-C50C-407E-A947-70E740481C1C}">
-                      <a14:useLocalDpi xmlns:a14="http://schemas.microsoft.com/office/drawing/2010/main" val="0"/>
-                    </a:ext>
-                  </a:extLst>
-                </a:blip>
-                <a:srcRect l="-83" t="-184" r="33029" b="184"/>
-                <a:stretch/>
-              </p:blipFill>
-              <p:spPr>
-                <a:xfrm>
-                  <a:off x="-12357" y="-12357"/>
-                  <a:ext cx="2286000" cy="2286000"/>
-                </a:xfrm>
-                <a:prstGeom prst="rect">
-                  <a:avLst/>
-                </a:prstGeom>
-              </p:spPr>
-            </p:pic>
-            <p:sp>
-              <p:nvSpPr>
-                <p:cNvPr id="12" name="TextBox 11">
-                  <a:extLst>
-                    <a:ext uri="{FF2B5EF4-FFF2-40B4-BE49-F238E27FC236}">
-                      <a16:creationId xmlns:a16="http://schemas.microsoft.com/office/drawing/2014/main" id="{A4BACBEA-916C-334D-987B-67C31F99FBA0}"/>
-                    </a:ext>
-                  </a:extLst>
-                </p:cNvPr>
-                <p:cNvSpPr txBox="1"/>
-                <p:nvPr/>
-              </p:nvSpPr>
-              <p:spPr>
-                <a:xfrm>
-                  <a:off x="1622562" y="2092814"/>
-                  <a:ext cx="407484" cy="200055"/>
-                </a:xfrm>
-                <a:prstGeom prst="rect">
-                  <a:avLst/>
-                </a:prstGeom>
-                <a:noFill/>
-              </p:spPr>
-              <p:txBody>
-                <a:bodyPr wrap="none" rtlCol="0">
-                  <a:spAutoFit/>
-                </a:bodyPr>
-                <a:lstStyle/>
-                <a:p>
-                  <a:r>
-                    <a:rPr lang="en-US" sz="700" b="1" dirty="0">
-                      <a:solidFill>
-                        <a:schemeClr val="bg1"/>
-                      </a:solidFill>
-                      <a:latin typeface="Malgun Gothic" panose="020B0503020000020004" pitchFamily="34" charset="-127"/>
-                      <a:ea typeface="Malgun Gothic" panose="020B0503020000020004" pitchFamily="34" charset="-127"/>
-                    </a:rPr>
-                    <a:t>2 µm</a:t>
-                  </a:r>
-                </a:p>
-              </p:txBody>
-            </p:sp>
-            <p:sp>
-              <p:nvSpPr>
-                <p:cNvPr id="13" name="Rectangle 12">
-                  <a:extLst>
-                    <a:ext uri="{FF2B5EF4-FFF2-40B4-BE49-F238E27FC236}">
-                      <a16:creationId xmlns:a16="http://schemas.microsoft.com/office/drawing/2014/main" id="{85576581-6179-9F49-B2F8-C7EB18FE82A4}"/>
-                    </a:ext>
-                  </a:extLst>
-                </p:cNvPr>
-                <p:cNvSpPr/>
-                <p:nvPr/>
-              </p:nvSpPr>
-              <p:spPr>
-                <a:xfrm>
-                  <a:off x="1504416" y="2088242"/>
-                  <a:ext cx="658368" cy="9144"/>
-                </a:xfrm>
-                <a:prstGeom prst="rect">
-                  <a:avLst/>
-                </a:prstGeom>
-                <a:solidFill>
-                  <a:schemeClr val="bg1"/>
-                </a:solidFill>
-                <a:ln>
-                  <a:solidFill>
-                    <a:schemeClr val="bg1"/>
-                  </a:solidFill>
-                </a:ln>
-              </p:spPr>
-              <p:style>
-                <a:lnRef idx="2">
-                  <a:schemeClr val="accent1">
-                    <a:shade val="50000"/>
-                  </a:schemeClr>
-                </a:lnRef>
-                <a:fillRef idx="1">
-                  <a:schemeClr val="accent1"/>
-                </a:fillRef>
-                <a:effectRef idx="0">
-                  <a:schemeClr val="accent1"/>
-                </a:effectRef>
-                <a:fontRef idx="minor">
-                  <a:schemeClr val="lt1"/>
-                </a:fontRef>
-              </p:style>
-              <p:txBody>
-                <a:bodyPr rtlCol="0" anchor="ctr"/>
-                <a:lstStyle/>
-                <a:p>
-                  <a:pPr algn="ctr"/>
-                  <a:endParaRPr lang="en-US"/>
-                </a:p>
-              </p:txBody>
-            </p:sp>
-          </p:grpSp>
-          <p:sp>
-            <p:nvSpPr>
-              <p:cNvPr id="8" name="Oval 7">
-                <a:extLst>
-                  <a:ext uri="{FF2B5EF4-FFF2-40B4-BE49-F238E27FC236}">
-                    <a16:creationId xmlns:a16="http://schemas.microsoft.com/office/drawing/2014/main" id="{425CB171-AF90-D244-8AF1-FB9E216C7977}"/>
-                  </a:ext>
-                </a:extLst>
-              </p:cNvPr>
-              <p:cNvSpPr/>
-              <p:nvPr/>
-            </p:nvSpPr>
-            <p:spPr>
-              <a:xfrm>
-                <a:off x="6833538" y="4622201"/>
-                <a:ext cx="98649" cy="97276"/>
-              </a:xfrm>
-              <a:prstGeom prst="ellipse">
-                <a:avLst/>
-              </a:prstGeom>
-              <a:solidFill>
-                <a:srgbClr val="0AEA25"/>
-              </a:solidFill>
-              <a:ln>
-                <a:noFill/>
-              </a:ln>
-            </p:spPr>
-            <p:style>
-              <a:lnRef idx="2">
-                <a:schemeClr val="accent1">
-                  <a:shade val="50000"/>
-                </a:schemeClr>
-              </a:lnRef>
-              <a:fillRef idx="1">
-                <a:schemeClr val="accent1"/>
-              </a:fillRef>
-              <a:effectRef idx="0">
-                <a:schemeClr val="accent1"/>
-              </a:effectRef>
-              <a:fontRef idx="minor">
-                <a:schemeClr val="lt1"/>
-              </a:fontRef>
-            </p:style>
-            <p:txBody>
-              <a:bodyPr rtlCol="0" anchor="ctr"/>
-              <a:lstStyle/>
-              <a:p>
-                <a:pPr algn="ctr"/>
-                <a:endParaRPr lang="en-US"/>
-              </a:p>
-            </p:txBody>
-          </p:sp>
-          <p:sp>
-            <p:nvSpPr>
-              <p:cNvPr id="9" name="Freeform 8">
-                <a:extLst>
-                  <a:ext uri="{FF2B5EF4-FFF2-40B4-BE49-F238E27FC236}">
-                    <a16:creationId xmlns:a16="http://schemas.microsoft.com/office/drawing/2014/main" id="{250C7113-5754-B441-AA36-020534E93B09}"/>
-                  </a:ext>
-                </a:extLst>
-              </p:cNvPr>
-              <p:cNvSpPr/>
-              <p:nvPr/>
-            </p:nvSpPr>
-            <p:spPr>
-              <a:xfrm>
-                <a:off x="6744832" y="3440317"/>
-                <a:ext cx="1041657" cy="1195057"/>
-              </a:xfrm>
-              <a:custGeom>
-                <a:avLst/>
-                <a:gdLst>
-                  <a:gd name="connsiteX0" fmla="*/ 162962 w 1041657"/>
-                  <a:gd name="connsiteY0" fmla="*/ 1195057 h 1195057"/>
-                  <a:gd name="connsiteX1" fmla="*/ 162962 w 1041657"/>
-                  <a:gd name="connsiteY1" fmla="*/ 1195057 h 1195057"/>
-                  <a:gd name="connsiteX2" fmla="*/ 226336 w 1041657"/>
-                  <a:gd name="connsiteY2" fmla="*/ 1149790 h 1195057"/>
-                  <a:gd name="connsiteX3" fmla="*/ 271604 w 1041657"/>
-                  <a:gd name="connsiteY3" fmla="*/ 1104523 h 1195057"/>
-                  <a:gd name="connsiteX4" fmla="*/ 280657 w 1041657"/>
-                  <a:gd name="connsiteY4" fmla="*/ 1077362 h 1195057"/>
-                  <a:gd name="connsiteX5" fmla="*/ 316871 w 1041657"/>
-                  <a:gd name="connsiteY5" fmla="*/ 1050202 h 1195057"/>
-                  <a:gd name="connsiteX6" fmla="*/ 316871 w 1041657"/>
-                  <a:gd name="connsiteY6" fmla="*/ 1050202 h 1195057"/>
-                  <a:gd name="connsiteX7" fmla="*/ 190122 w 1041657"/>
-                  <a:gd name="connsiteY7" fmla="*/ 1041148 h 1195057"/>
-                  <a:gd name="connsiteX8" fmla="*/ 126748 w 1041657"/>
-                  <a:gd name="connsiteY8" fmla="*/ 1032095 h 1195057"/>
-                  <a:gd name="connsiteX9" fmla="*/ 0 w 1041657"/>
-                  <a:gd name="connsiteY9" fmla="*/ 1032095 h 1195057"/>
-                  <a:gd name="connsiteX10" fmla="*/ 0 w 1041657"/>
-                  <a:gd name="connsiteY10" fmla="*/ 1032095 h 1195057"/>
-                  <a:gd name="connsiteX11" fmla="*/ 72427 w 1041657"/>
-                  <a:gd name="connsiteY11" fmla="*/ 1004934 h 1195057"/>
-                  <a:gd name="connsiteX12" fmla="*/ 126748 w 1041657"/>
-                  <a:gd name="connsiteY12" fmla="*/ 995881 h 1195057"/>
-                  <a:gd name="connsiteX13" fmla="*/ 153909 w 1041657"/>
-                  <a:gd name="connsiteY13" fmla="*/ 986828 h 1195057"/>
-                  <a:gd name="connsiteX14" fmla="*/ 181069 w 1041657"/>
-                  <a:gd name="connsiteY14" fmla="*/ 968721 h 1195057"/>
-                  <a:gd name="connsiteX15" fmla="*/ 199176 w 1041657"/>
-                  <a:gd name="connsiteY15" fmla="*/ 941560 h 1195057"/>
-                  <a:gd name="connsiteX16" fmla="*/ 226336 w 1041657"/>
-                  <a:gd name="connsiteY16" fmla="*/ 932507 h 1195057"/>
-                  <a:gd name="connsiteX17" fmla="*/ 271604 w 1041657"/>
-                  <a:gd name="connsiteY17" fmla="*/ 932507 h 1195057"/>
-                  <a:gd name="connsiteX18" fmla="*/ 190122 w 1041657"/>
-                  <a:gd name="connsiteY18" fmla="*/ 923453 h 1195057"/>
-                  <a:gd name="connsiteX19" fmla="*/ 181069 w 1041657"/>
-                  <a:gd name="connsiteY19" fmla="*/ 896293 h 1195057"/>
-                  <a:gd name="connsiteX20" fmla="*/ 181069 w 1041657"/>
-                  <a:gd name="connsiteY20" fmla="*/ 896293 h 1195057"/>
-                  <a:gd name="connsiteX21" fmla="*/ 262550 w 1041657"/>
-                  <a:gd name="connsiteY21" fmla="*/ 923453 h 1195057"/>
-                  <a:gd name="connsiteX22" fmla="*/ 307818 w 1041657"/>
-                  <a:gd name="connsiteY22" fmla="*/ 977774 h 1195057"/>
-                  <a:gd name="connsiteX23" fmla="*/ 316871 w 1041657"/>
-                  <a:gd name="connsiteY23" fmla="*/ 1004934 h 1195057"/>
-                  <a:gd name="connsiteX24" fmla="*/ 334978 w 1041657"/>
-                  <a:gd name="connsiteY24" fmla="*/ 1032095 h 1195057"/>
-                  <a:gd name="connsiteX25" fmla="*/ 353085 w 1041657"/>
-                  <a:gd name="connsiteY25" fmla="*/ 1086416 h 1195057"/>
-                  <a:gd name="connsiteX26" fmla="*/ 298764 w 1041657"/>
-                  <a:gd name="connsiteY26" fmla="*/ 1122630 h 1195057"/>
-                  <a:gd name="connsiteX27" fmla="*/ 271604 w 1041657"/>
-                  <a:gd name="connsiteY27" fmla="*/ 1131683 h 1195057"/>
-                  <a:gd name="connsiteX28" fmla="*/ 271604 w 1041657"/>
-                  <a:gd name="connsiteY28" fmla="*/ 1158843 h 1195057"/>
-                  <a:gd name="connsiteX29" fmla="*/ 271604 w 1041657"/>
-                  <a:gd name="connsiteY29" fmla="*/ 1158843 h 1195057"/>
-                  <a:gd name="connsiteX30" fmla="*/ 398352 w 1041657"/>
-                  <a:gd name="connsiteY30" fmla="*/ 1149790 h 1195057"/>
-                  <a:gd name="connsiteX31" fmla="*/ 425513 w 1041657"/>
-                  <a:gd name="connsiteY31" fmla="*/ 1140736 h 1195057"/>
-                  <a:gd name="connsiteX32" fmla="*/ 443619 w 1041657"/>
-                  <a:gd name="connsiteY32" fmla="*/ 1113576 h 1195057"/>
-                  <a:gd name="connsiteX33" fmla="*/ 470780 w 1041657"/>
-                  <a:gd name="connsiteY33" fmla="*/ 1095469 h 1195057"/>
-                  <a:gd name="connsiteX34" fmla="*/ 479833 w 1041657"/>
-                  <a:gd name="connsiteY34" fmla="*/ 1023041 h 1195057"/>
-                  <a:gd name="connsiteX35" fmla="*/ 452673 w 1041657"/>
-                  <a:gd name="connsiteY35" fmla="*/ 1013988 h 1195057"/>
-                  <a:gd name="connsiteX36" fmla="*/ 434566 w 1041657"/>
-                  <a:gd name="connsiteY36" fmla="*/ 986828 h 1195057"/>
-                  <a:gd name="connsiteX37" fmla="*/ 380245 w 1041657"/>
-                  <a:gd name="connsiteY37" fmla="*/ 968721 h 1195057"/>
-                  <a:gd name="connsiteX38" fmla="*/ 334978 w 1041657"/>
-                  <a:gd name="connsiteY38" fmla="*/ 923453 h 1195057"/>
-                  <a:gd name="connsiteX39" fmla="*/ 307818 w 1041657"/>
-                  <a:gd name="connsiteY39" fmla="*/ 905346 h 1195057"/>
-                  <a:gd name="connsiteX40" fmla="*/ 289711 w 1041657"/>
-                  <a:gd name="connsiteY40" fmla="*/ 851026 h 1195057"/>
-                  <a:gd name="connsiteX41" fmla="*/ 280657 w 1041657"/>
-                  <a:gd name="connsiteY41" fmla="*/ 823865 h 1195057"/>
-                  <a:gd name="connsiteX42" fmla="*/ 289711 w 1041657"/>
-                  <a:gd name="connsiteY42" fmla="*/ 769544 h 1195057"/>
-                  <a:gd name="connsiteX43" fmla="*/ 316871 w 1041657"/>
-                  <a:gd name="connsiteY43" fmla="*/ 760491 h 1195057"/>
-                  <a:gd name="connsiteX44" fmla="*/ 334978 w 1041657"/>
-                  <a:gd name="connsiteY44" fmla="*/ 706170 h 1195057"/>
-                  <a:gd name="connsiteX45" fmla="*/ 344031 w 1041657"/>
-                  <a:gd name="connsiteY45" fmla="*/ 642796 h 1195057"/>
-                  <a:gd name="connsiteX46" fmla="*/ 362138 w 1041657"/>
-                  <a:gd name="connsiteY46" fmla="*/ 588475 h 1195057"/>
-                  <a:gd name="connsiteX47" fmla="*/ 334978 w 1041657"/>
-                  <a:gd name="connsiteY47" fmla="*/ 579422 h 1195057"/>
-                  <a:gd name="connsiteX48" fmla="*/ 217283 w 1041657"/>
-                  <a:gd name="connsiteY48" fmla="*/ 570368 h 1195057"/>
-                  <a:gd name="connsiteX49" fmla="*/ 226336 w 1041657"/>
-                  <a:gd name="connsiteY49" fmla="*/ 543208 h 1195057"/>
-                  <a:gd name="connsiteX50" fmla="*/ 253497 w 1041657"/>
-                  <a:gd name="connsiteY50" fmla="*/ 534154 h 1195057"/>
-                  <a:gd name="connsiteX51" fmla="*/ 307818 w 1041657"/>
-                  <a:gd name="connsiteY51" fmla="*/ 488887 h 1195057"/>
-                  <a:gd name="connsiteX52" fmla="*/ 334978 w 1041657"/>
-                  <a:gd name="connsiteY52" fmla="*/ 479833 h 1195057"/>
-                  <a:gd name="connsiteX53" fmla="*/ 362138 w 1041657"/>
-                  <a:gd name="connsiteY53" fmla="*/ 461727 h 1195057"/>
-                  <a:gd name="connsiteX54" fmla="*/ 389299 w 1041657"/>
-                  <a:gd name="connsiteY54" fmla="*/ 452673 h 1195057"/>
-                  <a:gd name="connsiteX55" fmla="*/ 443619 w 1041657"/>
-                  <a:gd name="connsiteY55" fmla="*/ 416459 h 1195057"/>
-                  <a:gd name="connsiteX56" fmla="*/ 470780 w 1041657"/>
-                  <a:gd name="connsiteY56" fmla="*/ 398352 h 1195057"/>
-                  <a:gd name="connsiteX57" fmla="*/ 497940 w 1041657"/>
-                  <a:gd name="connsiteY57" fmla="*/ 380245 h 1195057"/>
-                  <a:gd name="connsiteX58" fmla="*/ 552261 w 1041657"/>
-                  <a:gd name="connsiteY58" fmla="*/ 325925 h 1195057"/>
-                  <a:gd name="connsiteX59" fmla="*/ 606582 w 1041657"/>
-                  <a:gd name="connsiteY59" fmla="*/ 289711 h 1195057"/>
-                  <a:gd name="connsiteX60" fmla="*/ 633742 w 1041657"/>
-                  <a:gd name="connsiteY60" fmla="*/ 271604 h 1195057"/>
-                  <a:gd name="connsiteX61" fmla="*/ 669956 w 1041657"/>
-                  <a:gd name="connsiteY61" fmla="*/ 244443 h 1195057"/>
-                  <a:gd name="connsiteX62" fmla="*/ 724277 w 1041657"/>
-                  <a:gd name="connsiteY62" fmla="*/ 226336 h 1195057"/>
-                  <a:gd name="connsiteX63" fmla="*/ 787651 w 1041657"/>
-                  <a:gd name="connsiteY63" fmla="*/ 190123 h 1195057"/>
-                  <a:gd name="connsiteX64" fmla="*/ 814812 w 1041657"/>
-                  <a:gd name="connsiteY64" fmla="*/ 181069 h 1195057"/>
-                  <a:gd name="connsiteX65" fmla="*/ 841972 w 1041657"/>
-                  <a:gd name="connsiteY65" fmla="*/ 162962 h 1195057"/>
-                  <a:gd name="connsiteX66" fmla="*/ 896293 w 1041657"/>
-                  <a:gd name="connsiteY66" fmla="*/ 144855 h 1195057"/>
-                  <a:gd name="connsiteX67" fmla="*/ 950614 w 1041657"/>
-                  <a:gd name="connsiteY67" fmla="*/ 117695 h 1195057"/>
-                  <a:gd name="connsiteX68" fmla="*/ 977774 w 1041657"/>
-                  <a:gd name="connsiteY68" fmla="*/ 99588 h 1195057"/>
-                  <a:gd name="connsiteX69" fmla="*/ 1032095 w 1041657"/>
-                  <a:gd name="connsiteY69" fmla="*/ 72428 h 1195057"/>
-                  <a:gd name="connsiteX70" fmla="*/ 1032095 w 1041657"/>
-                  <a:gd name="connsiteY70" fmla="*/ 18107 h 1195057"/>
-                  <a:gd name="connsiteX71" fmla="*/ 1013988 w 1041657"/>
-                  <a:gd name="connsiteY71" fmla="*/ 18107 h 1195057"/>
-                  <a:gd name="connsiteX72" fmla="*/ 914400 w 1041657"/>
-                  <a:gd name="connsiteY72" fmla="*/ 0 h 1195057"/>
-                </a:gdLst>
-                <a:ahLst/>
-                <a:cxnLst>
-                  <a:cxn ang="0">
-                    <a:pos x="connsiteX0" y="connsiteY0"/>
-                  </a:cxn>
-                  <a:cxn ang="0">
-                    <a:pos x="connsiteX1" y="connsiteY1"/>
-                  </a:cxn>
-                  <a:cxn ang="0">
-                    <a:pos x="connsiteX2" y="connsiteY2"/>
-                  </a:cxn>
-                  <a:cxn ang="0">
-                    <a:pos x="connsiteX3" y="connsiteY3"/>
-                  </a:cxn>
-                  <a:cxn ang="0">
-                    <a:pos x="connsiteX4" y="connsiteY4"/>
-                  </a:cxn>
-                  <a:cxn ang="0">
-                    <a:pos x="connsiteX5" y="connsiteY5"/>
-                  </a:cxn>
-                  <a:cxn ang="0">
-                    <a:pos x="connsiteX6" y="connsiteY6"/>
-                  </a:cxn>
-                  <a:cxn ang="0">
-                    <a:pos x="connsiteX7" y="connsiteY7"/>
-                  </a:cxn>
-                  <a:cxn ang="0">
-                    <a:pos x="connsiteX8" y="connsiteY8"/>
-                  </a:cxn>
-                  <a:cxn ang="0">
-                    <a:pos x="connsiteX9" y="connsiteY9"/>
-                  </a:cxn>
-                  <a:cxn ang="0">
-                    <a:pos x="connsiteX10" y="connsiteY10"/>
-                  </a:cxn>
-                  <a:cxn ang="0">
-                    <a:pos x="connsiteX11" y="connsiteY11"/>
-                  </a:cxn>
-                  <a:cxn ang="0">
-                    <a:pos x="connsiteX12" y="connsiteY12"/>
-                  </a:cxn>
-                  <a:cxn ang="0">
-                    <a:pos x="connsiteX13" y="connsiteY13"/>
-                  </a:cxn>
-                  <a:cxn ang="0">
-                    <a:pos x="connsiteX14" y="connsiteY14"/>
-                  </a:cxn>
-                  <a:cxn ang="0">
-                    <a:pos x="connsiteX15" y="connsiteY15"/>
-                  </a:cxn>
-                  <a:cxn ang="0">
-                    <a:pos x="connsiteX16" y="connsiteY16"/>
-                  </a:cxn>
-                  <a:cxn ang="0">
-                    <a:pos x="connsiteX17" y="connsiteY17"/>
-                  </a:cxn>
-                  <a:cxn ang="0">
-                    <a:pos x="connsiteX18" y="connsiteY18"/>
-                  </a:cxn>
-                  <a:cxn ang="0">
-                    <a:pos x="connsiteX19" y="connsiteY19"/>
-                  </a:cxn>
-                  <a:cxn ang="0">
-                    <a:pos x="connsiteX20" y="connsiteY20"/>
-                  </a:cxn>
-                  <a:cxn ang="0">
-                    <a:pos x="connsiteX21" y="connsiteY21"/>
-                  </a:cxn>
-                  <a:cxn ang="0">
-                    <a:pos x="connsiteX22" y="connsiteY22"/>
-                  </a:cxn>
-                  <a:cxn ang="0">
-                    <a:pos x="connsiteX23" y="connsiteY23"/>
-                  </a:cxn>
-                  <a:cxn ang="0">
-                    <a:pos x="connsiteX24" y="connsiteY24"/>
-                  </a:cxn>
-                  <a:cxn ang="0">
-                    <a:pos x="connsiteX25" y="connsiteY25"/>
-                  </a:cxn>
-                  <a:cxn ang="0">
-                    <a:pos x="connsiteX26" y="connsiteY26"/>
-                  </a:cxn>
-                  <a:cxn ang="0">
-                    <a:pos x="connsiteX27" y="connsiteY27"/>
-                  </a:cxn>
-                  <a:cxn ang="0">
-                    <a:pos x="connsiteX28" y="connsiteY28"/>
-                  </a:cxn>
-                  <a:cxn ang="0">
-                    <a:pos x="connsiteX29" y="connsiteY29"/>
-                  </a:cxn>
-                  <a:cxn ang="0">
-                    <a:pos x="connsiteX30" y="connsiteY30"/>
-                  </a:cxn>
-                  <a:cxn ang="0">
-                    <a:pos x="connsiteX31" y="connsiteY31"/>
-                  </a:cxn>
-                  <a:cxn ang="0">
-                    <a:pos x="connsiteX32" y="connsiteY32"/>
-                  </a:cxn>
-                  <a:cxn ang="0">
-                    <a:pos x="connsiteX33" y="connsiteY33"/>
-                  </a:cxn>
-                  <a:cxn ang="0">
-                    <a:pos x="connsiteX34" y="connsiteY34"/>
-                  </a:cxn>
-                  <a:cxn ang="0">
-                    <a:pos x="connsiteX35" y="connsiteY35"/>
-                  </a:cxn>
-                  <a:cxn ang="0">
-                    <a:pos x="connsiteX36" y="connsiteY36"/>
-                  </a:cxn>
-                  <a:cxn ang="0">
-                    <a:pos x="connsiteX37" y="connsiteY37"/>
-                  </a:cxn>
-                  <a:cxn ang="0">
-                    <a:pos x="connsiteX38" y="connsiteY38"/>
-                  </a:cxn>
-                  <a:cxn ang="0">
-                    <a:pos x="connsiteX39" y="connsiteY39"/>
-                  </a:cxn>
-                  <a:cxn ang="0">
-                    <a:pos x="connsiteX40" y="connsiteY40"/>
-                  </a:cxn>
-                  <a:cxn ang="0">
-                    <a:pos x="connsiteX41" y="connsiteY41"/>
-                  </a:cxn>
-                  <a:cxn ang="0">
-                    <a:pos x="connsiteX42" y="connsiteY42"/>
-                  </a:cxn>
-                  <a:cxn ang="0">
-                    <a:pos x="connsiteX43" y="connsiteY43"/>
-                  </a:cxn>
-                  <a:cxn ang="0">
-                    <a:pos x="connsiteX44" y="connsiteY44"/>
-                  </a:cxn>
-                  <a:cxn ang="0">
-                    <a:pos x="connsiteX45" y="connsiteY45"/>
-                  </a:cxn>
-                  <a:cxn ang="0">
-                    <a:pos x="connsiteX46" y="connsiteY46"/>
-                  </a:cxn>
-                  <a:cxn ang="0">
-                    <a:pos x="connsiteX47" y="connsiteY47"/>
-                  </a:cxn>
-                  <a:cxn ang="0">
-                    <a:pos x="connsiteX48" y="connsiteY48"/>
-                  </a:cxn>
-                  <a:cxn ang="0">
-                    <a:pos x="connsiteX49" y="connsiteY49"/>
-                  </a:cxn>
-                  <a:cxn ang="0">
-                    <a:pos x="connsiteX50" y="connsiteY50"/>
-                  </a:cxn>
-                  <a:cxn ang="0">
-                    <a:pos x="connsiteX51" y="connsiteY51"/>
-                  </a:cxn>
-                  <a:cxn ang="0">
-                    <a:pos x="connsiteX52" y="connsiteY52"/>
-                  </a:cxn>
-                  <a:cxn ang="0">
-                    <a:pos x="connsiteX53" y="connsiteY53"/>
-                  </a:cxn>
-                  <a:cxn ang="0">
-                    <a:pos x="connsiteX54" y="connsiteY54"/>
-                  </a:cxn>
-                  <a:cxn ang="0">
-                    <a:pos x="connsiteX55" y="connsiteY55"/>
-                  </a:cxn>
-                  <a:cxn ang="0">
-                    <a:pos x="connsiteX56" y="connsiteY56"/>
-                  </a:cxn>
-                  <a:cxn ang="0">
-                    <a:pos x="connsiteX57" y="connsiteY57"/>
-                  </a:cxn>
-                  <a:cxn ang="0">
-                    <a:pos x="connsiteX58" y="connsiteY58"/>
-                  </a:cxn>
-                  <a:cxn ang="0">
-                    <a:pos x="connsiteX59" y="connsiteY59"/>
-                  </a:cxn>
-                  <a:cxn ang="0">
-                    <a:pos x="connsiteX60" y="connsiteY60"/>
-                  </a:cxn>
-                  <a:cxn ang="0">
-                    <a:pos x="connsiteX61" y="connsiteY61"/>
-                  </a:cxn>
-                  <a:cxn ang="0">
-                    <a:pos x="connsiteX62" y="connsiteY62"/>
-                  </a:cxn>
-                  <a:cxn ang="0">
-                    <a:pos x="connsiteX63" y="connsiteY63"/>
-                  </a:cxn>
-                  <a:cxn ang="0">
-                    <a:pos x="connsiteX64" y="connsiteY64"/>
-                  </a:cxn>
-                  <a:cxn ang="0">
-                    <a:pos x="connsiteX65" y="connsiteY65"/>
-                  </a:cxn>
-                  <a:cxn ang="0">
-                    <a:pos x="connsiteX66" y="connsiteY66"/>
-                  </a:cxn>
-                  <a:cxn ang="0">
-                    <a:pos x="connsiteX67" y="connsiteY67"/>
-                  </a:cxn>
-                  <a:cxn ang="0">
-                    <a:pos x="connsiteX68" y="connsiteY68"/>
-                  </a:cxn>
-                  <a:cxn ang="0">
-                    <a:pos x="connsiteX69" y="connsiteY69"/>
-                  </a:cxn>
-                  <a:cxn ang="0">
-                    <a:pos x="connsiteX70" y="connsiteY70"/>
-                  </a:cxn>
-                  <a:cxn ang="0">
-                    <a:pos x="connsiteX71" y="connsiteY71"/>
-                  </a:cxn>
-                  <a:cxn ang="0">
-                    <a:pos x="connsiteX72" y="connsiteY72"/>
-                  </a:cxn>
-                </a:cxnLst>
-                <a:rect l="l" t="t" r="r" b="b"/>
-                <a:pathLst>
-                  <a:path w="1041657" h="1195057">
-                    <a:moveTo>
-                      <a:pt x="162962" y="1195057"/>
-                    </a:moveTo>
-                    <a:lnTo>
-                      <a:pt x="162962" y="1195057"/>
-                    </a:lnTo>
-                    <a:cubicBezTo>
-                      <a:pt x="184087" y="1179968"/>
-                      <a:pt x="206933" y="1167037"/>
-                      <a:pt x="226336" y="1149790"/>
-                    </a:cubicBezTo>
-                    <a:cubicBezTo>
-                      <a:pt x="316868" y="1069318"/>
-                      <a:pt x="168999" y="1172925"/>
-                      <a:pt x="271604" y="1104523"/>
-                    </a:cubicBezTo>
-                    <a:cubicBezTo>
-                      <a:pt x="274622" y="1095469"/>
-                      <a:pt x="273909" y="1084110"/>
-                      <a:pt x="280657" y="1077362"/>
-                    </a:cubicBezTo>
-                    <a:cubicBezTo>
-                      <a:pt x="336593" y="1021426"/>
-                      <a:pt x="287730" y="1108487"/>
-                      <a:pt x="316871" y="1050202"/>
-                    </a:cubicBezTo>
-                    <a:lnTo>
-                      <a:pt x="316871" y="1050202"/>
-                    </a:lnTo>
-                    <a:cubicBezTo>
-                      <a:pt x="274621" y="1047184"/>
-                      <a:pt x="232289" y="1045164"/>
-                      <a:pt x="190122" y="1041148"/>
-                    </a:cubicBezTo>
-                    <a:cubicBezTo>
-                      <a:pt x="168879" y="1039125"/>
-                      <a:pt x="148063" y="1033110"/>
-                      <a:pt x="126748" y="1032095"/>
-                    </a:cubicBezTo>
-                    <a:cubicBezTo>
-                      <a:pt x="84546" y="1030085"/>
-                      <a:pt x="42249" y="1032095"/>
-                      <a:pt x="0" y="1032095"/>
-                    </a:cubicBezTo>
-                    <a:lnTo>
-                      <a:pt x="0" y="1032095"/>
-                    </a:lnTo>
-                    <a:cubicBezTo>
-                      <a:pt x="24142" y="1023041"/>
-                      <a:pt x="47635" y="1012017"/>
-                      <a:pt x="72427" y="1004934"/>
-                    </a:cubicBezTo>
-                    <a:cubicBezTo>
-                      <a:pt x="90077" y="999891"/>
-                      <a:pt x="108828" y="999863"/>
-                      <a:pt x="126748" y="995881"/>
-                    </a:cubicBezTo>
-                    <a:cubicBezTo>
-                      <a:pt x="136064" y="993811"/>
-                      <a:pt x="144855" y="989846"/>
-                      <a:pt x="153909" y="986828"/>
-                    </a:cubicBezTo>
-                    <a:cubicBezTo>
-                      <a:pt x="162962" y="980792"/>
-                      <a:pt x="173375" y="976415"/>
-                      <a:pt x="181069" y="968721"/>
-                    </a:cubicBezTo>
-                    <a:cubicBezTo>
-                      <a:pt x="188763" y="961027"/>
-                      <a:pt x="190679" y="948357"/>
-                      <a:pt x="199176" y="941560"/>
-                    </a:cubicBezTo>
-                    <a:cubicBezTo>
-                      <a:pt x="206628" y="935598"/>
-                      <a:pt x="217283" y="935525"/>
-                      <a:pt x="226336" y="932507"/>
-                    </a:cubicBezTo>
-                    <a:cubicBezTo>
-                      <a:pt x="291010" y="889391"/>
-                      <a:pt x="285935" y="875181"/>
-                      <a:pt x="271604" y="932507"/>
-                    </a:cubicBezTo>
-                    <a:cubicBezTo>
-                      <a:pt x="244443" y="929489"/>
-                      <a:pt x="215495" y="933602"/>
-                      <a:pt x="190122" y="923453"/>
-                    </a:cubicBezTo>
-                    <a:cubicBezTo>
-                      <a:pt x="181262" y="919909"/>
-                      <a:pt x="181069" y="896293"/>
-                      <a:pt x="181069" y="896293"/>
-                    </a:cubicBezTo>
-                    <a:lnTo>
-                      <a:pt x="181069" y="896293"/>
-                    </a:lnTo>
-                    <a:cubicBezTo>
-                      <a:pt x="208229" y="905346"/>
-                      <a:pt x="236943" y="910650"/>
-                      <a:pt x="262550" y="923453"/>
-                    </a:cubicBezTo>
-                    <a:cubicBezTo>
-                      <a:pt x="279977" y="932166"/>
-                      <a:pt x="297419" y="962176"/>
-                      <a:pt x="307818" y="977774"/>
-                    </a:cubicBezTo>
-                    <a:cubicBezTo>
-                      <a:pt x="310836" y="986827"/>
-                      <a:pt x="312603" y="996398"/>
-                      <a:pt x="316871" y="1004934"/>
-                    </a:cubicBezTo>
-                    <a:cubicBezTo>
-                      <a:pt x="321737" y="1014666"/>
-                      <a:pt x="330559" y="1022152"/>
-                      <a:pt x="334978" y="1032095"/>
-                    </a:cubicBezTo>
-                    <a:cubicBezTo>
-                      <a:pt x="342730" y="1049536"/>
-                      <a:pt x="353085" y="1086416"/>
-                      <a:pt x="353085" y="1086416"/>
-                    </a:cubicBezTo>
-                    <a:cubicBezTo>
-                      <a:pt x="334978" y="1098487"/>
-                      <a:pt x="319409" y="1115749"/>
-                      <a:pt x="298764" y="1122630"/>
-                    </a:cubicBezTo>
-                    <a:cubicBezTo>
-                      <a:pt x="289711" y="1125648"/>
-                      <a:pt x="277330" y="1124049"/>
-                      <a:pt x="271604" y="1131683"/>
-                    </a:cubicBezTo>
-                    <a:cubicBezTo>
-                      <a:pt x="266172" y="1138926"/>
-                      <a:pt x="271604" y="1149790"/>
-                      <a:pt x="271604" y="1158843"/>
-                    </a:cubicBezTo>
-                    <a:lnTo>
-                      <a:pt x="271604" y="1158843"/>
-                    </a:lnTo>
-                    <a:cubicBezTo>
-                      <a:pt x="313853" y="1155825"/>
-                      <a:pt x="356285" y="1154739"/>
-                      <a:pt x="398352" y="1149790"/>
-                    </a:cubicBezTo>
-                    <a:cubicBezTo>
-                      <a:pt x="407830" y="1148675"/>
-                      <a:pt x="418061" y="1146698"/>
-                      <a:pt x="425513" y="1140736"/>
-                    </a:cubicBezTo>
-                    <a:cubicBezTo>
-                      <a:pt x="434009" y="1133939"/>
-                      <a:pt x="435925" y="1121270"/>
-                      <a:pt x="443619" y="1113576"/>
-                    </a:cubicBezTo>
-                    <a:cubicBezTo>
-                      <a:pt x="451313" y="1105882"/>
-                      <a:pt x="461726" y="1101505"/>
-                      <a:pt x="470780" y="1095469"/>
-                    </a:cubicBezTo>
-                    <a:cubicBezTo>
-                      <a:pt x="488194" y="1069348"/>
-                      <a:pt x="504073" y="1059401"/>
-                      <a:pt x="479833" y="1023041"/>
-                    </a:cubicBezTo>
-                    <a:cubicBezTo>
-                      <a:pt x="474539" y="1015101"/>
-                      <a:pt x="461726" y="1017006"/>
-                      <a:pt x="452673" y="1013988"/>
-                    </a:cubicBezTo>
-                    <a:cubicBezTo>
-                      <a:pt x="446637" y="1004935"/>
-                      <a:pt x="443793" y="992595"/>
-                      <a:pt x="434566" y="986828"/>
-                    </a:cubicBezTo>
-                    <a:cubicBezTo>
-                      <a:pt x="418381" y="976712"/>
-                      <a:pt x="380245" y="968721"/>
-                      <a:pt x="380245" y="968721"/>
-                    </a:cubicBezTo>
-                    <a:cubicBezTo>
-                      <a:pt x="307819" y="920436"/>
-                      <a:pt x="395334" y="983810"/>
-                      <a:pt x="334978" y="923453"/>
-                    </a:cubicBezTo>
-                    <a:cubicBezTo>
-                      <a:pt x="327284" y="915759"/>
-                      <a:pt x="316871" y="911382"/>
-                      <a:pt x="307818" y="905346"/>
-                    </a:cubicBezTo>
-                    <a:lnTo>
-                      <a:pt x="289711" y="851026"/>
-                    </a:lnTo>
-                    <a:lnTo>
-                      <a:pt x="280657" y="823865"/>
-                    </a:lnTo>
-                    <a:cubicBezTo>
-                      <a:pt x="283675" y="805758"/>
-                      <a:pt x="280603" y="785482"/>
-                      <a:pt x="289711" y="769544"/>
-                    </a:cubicBezTo>
-                    <a:cubicBezTo>
-                      <a:pt x="294446" y="761258"/>
-                      <a:pt x="311324" y="768256"/>
-                      <a:pt x="316871" y="760491"/>
-                    </a:cubicBezTo>
-                    <a:cubicBezTo>
-                      <a:pt x="327965" y="744960"/>
-                      <a:pt x="334978" y="706170"/>
-                      <a:pt x="334978" y="706170"/>
-                    </a:cubicBezTo>
-                    <a:cubicBezTo>
-                      <a:pt x="337996" y="685045"/>
-                      <a:pt x="339233" y="663589"/>
-                      <a:pt x="344031" y="642796"/>
-                    </a:cubicBezTo>
-                    <a:cubicBezTo>
-                      <a:pt x="348323" y="624198"/>
-                      <a:pt x="362138" y="588475"/>
-                      <a:pt x="362138" y="588475"/>
-                    </a:cubicBezTo>
-                    <a:cubicBezTo>
-                      <a:pt x="353085" y="585457"/>
-                      <a:pt x="344447" y="580606"/>
-                      <a:pt x="334978" y="579422"/>
-                    </a:cubicBezTo>
-                    <a:cubicBezTo>
-                      <a:pt x="295934" y="574542"/>
-                      <a:pt x="254611" y="582811"/>
-                      <a:pt x="217283" y="570368"/>
-                    </a:cubicBezTo>
-                    <a:cubicBezTo>
-                      <a:pt x="208230" y="567350"/>
-                      <a:pt x="219588" y="549956"/>
-                      <a:pt x="226336" y="543208"/>
-                    </a:cubicBezTo>
-                    <a:cubicBezTo>
-                      <a:pt x="233084" y="536460"/>
-                      <a:pt x="244443" y="537172"/>
-                      <a:pt x="253497" y="534154"/>
-                    </a:cubicBezTo>
-                    <a:cubicBezTo>
-                      <a:pt x="273521" y="514130"/>
-                      <a:pt x="282607" y="501493"/>
-                      <a:pt x="307818" y="488887"/>
-                    </a:cubicBezTo>
-                    <a:cubicBezTo>
-                      <a:pt x="316354" y="484619"/>
-                      <a:pt x="326442" y="484101"/>
-                      <a:pt x="334978" y="479833"/>
-                    </a:cubicBezTo>
-                    <a:cubicBezTo>
-                      <a:pt x="344710" y="474967"/>
-                      <a:pt x="352406" y="466593"/>
-                      <a:pt x="362138" y="461727"/>
-                    </a:cubicBezTo>
-                    <a:cubicBezTo>
-                      <a:pt x="370674" y="457459"/>
-                      <a:pt x="380957" y="457308"/>
-                      <a:pt x="389299" y="452673"/>
-                    </a:cubicBezTo>
-                    <a:cubicBezTo>
-                      <a:pt x="408322" y="442104"/>
-                      <a:pt x="425512" y="428530"/>
-                      <a:pt x="443619" y="416459"/>
-                    </a:cubicBezTo>
-                    <a:lnTo>
-                      <a:pt x="470780" y="398352"/>
-                    </a:lnTo>
-                    <a:cubicBezTo>
-                      <a:pt x="479833" y="392316"/>
-                      <a:pt x="490246" y="387939"/>
-                      <a:pt x="497940" y="380245"/>
-                    </a:cubicBezTo>
-                    <a:cubicBezTo>
-                      <a:pt x="516047" y="362138"/>
-                      <a:pt x="530955" y="340129"/>
-                      <a:pt x="552261" y="325925"/>
-                    </a:cubicBezTo>
-                    <a:lnTo>
-                      <a:pt x="606582" y="289711"/>
-                    </a:lnTo>
-                    <a:cubicBezTo>
-                      <a:pt x="615635" y="283675"/>
-                      <a:pt x="625037" y="278133"/>
-                      <a:pt x="633742" y="271604"/>
-                    </a:cubicBezTo>
-                    <a:cubicBezTo>
-                      <a:pt x="645813" y="262550"/>
-                      <a:pt x="656460" y="251191"/>
-                      <a:pt x="669956" y="244443"/>
-                    </a:cubicBezTo>
-                    <a:cubicBezTo>
-                      <a:pt x="687027" y="235907"/>
-                      <a:pt x="708396" y="236923"/>
-                      <a:pt x="724277" y="226336"/>
-                    </a:cubicBezTo>
-                    <a:cubicBezTo>
-                      <a:pt x="751553" y="208152"/>
-                      <a:pt x="755490" y="203907"/>
-                      <a:pt x="787651" y="190123"/>
-                    </a:cubicBezTo>
-                    <a:cubicBezTo>
-                      <a:pt x="796423" y="186364"/>
-                      <a:pt x="806276" y="185337"/>
-                      <a:pt x="814812" y="181069"/>
-                    </a:cubicBezTo>
-                    <a:cubicBezTo>
-                      <a:pt x="824544" y="176203"/>
-                      <a:pt x="832029" y="167381"/>
-                      <a:pt x="841972" y="162962"/>
-                    </a:cubicBezTo>
-                    <a:cubicBezTo>
-                      <a:pt x="859413" y="155210"/>
-                      <a:pt x="880412" y="155442"/>
-                      <a:pt x="896293" y="144855"/>
-                    </a:cubicBezTo>
-                    <a:cubicBezTo>
-                      <a:pt x="931393" y="121454"/>
-                      <a:pt x="913130" y="130189"/>
-                      <a:pt x="950614" y="117695"/>
-                    </a:cubicBezTo>
-                    <a:cubicBezTo>
-                      <a:pt x="959667" y="111659"/>
-                      <a:pt x="968042" y="104454"/>
-                      <a:pt x="977774" y="99588"/>
-                    </a:cubicBezTo>
-                    <a:cubicBezTo>
-                      <a:pt x="1052753" y="62097"/>
-                      <a:pt x="954241" y="124327"/>
-                      <a:pt x="1032095" y="72428"/>
-                    </a:cubicBezTo>
-                    <a:cubicBezTo>
-                      <a:pt x="1038130" y="54322"/>
-                      <a:pt x="1050201" y="36213"/>
-                      <a:pt x="1032095" y="18107"/>
-                    </a:cubicBezTo>
-                    <a:cubicBezTo>
-                      <a:pt x="1027827" y="13839"/>
-                      <a:pt x="1020024" y="18107"/>
-                      <a:pt x="1013988" y="18107"/>
-                    </a:cubicBezTo>
-                    <a:lnTo>
-                      <a:pt x="914400" y="0"/>
-                    </a:lnTo>
-                  </a:path>
-                </a:pathLst>
-              </a:custGeom>
-              <a:ln w="12700">
-                <a:solidFill>
-                  <a:srgbClr val="0AEA25"/>
-                </a:solidFill>
-              </a:ln>
-            </p:spPr>
-            <p:style>
-              <a:lnRef idx="1">
-                <a:schemeClr val="accent6"/>
-              </a:lnRef>
-              <a:fillRef idx="0">
-                <a:schemeClr val="accent6"/>
-              </a:fillRef>
-              <a:effectRef idx="0">
-                <a:schemeClr val="accent6"/>
-              </a:effectRef>
-              <a:fontRef idx="minor">
-                <a:schemeClr val="tx1"/>
-              </a:fontRef>
-            </p:style>
-            <p:txBody>
-              <a:bodyPr rtlCol="0" anchor="ctr"/>
-              <a:lstStyle/>
-              <a:p>
-                <a:pPr algn="ctr"/>
-                <a:endParaRPr lang="en-US"/>
-              </a:p>
-            </p:txBody>
-          </p:sp>
-          <p:sp>
-            <p:nvSpPr>
-              <p:cNvPr id="10" name="Oval 9">
-                <a:extLst>
-                  <a:ext uri="{FF2B5EF4-FFF2-40B4-BE49-F238E27FC236}">
-                    <a16:creationId xmlns:a16="http://schemas.microsoft.com/office/drawing/2014/main" id="{B64CCD5A-A573-7F4D-85EC-61AE817FE7B3}"/>
-                  </a:ext>
-                </a:extLst>
-              </p:cNvPr>
-              <p:cNvSpPr/>
-              <p:nvPr/>
-            </p:nvSpPr>
-            <p:spPr>
-              <a:xfrm>
-                <a:off x="7547248" y="3380365"/>
-                <a:ext cx="98649" cy="97276"/>
-              </a:xfrm>
-              <a:prstGeom prst="ellipse">
-                <a:avLst/>
-              </a:prstGeom>
-              <a:solidFill>
-                <a:srgbClr val="0AEA25"/>
-              </a:solidFill>
-              <a:ln>
-                <a:noFill/>
-              </a:ln>
-            </p:spPr>
-            <p:style>
-              <a:lnRef idx="2">
-                <a:schemeClr val="accent1">
-                  <a:shade val="50000"/>
-                </a:schemeClr>
-              </a:lnRef>
-              <a:fillRef idx="1">
-                <a:schemeClr val="accent1"/>
-              </a:fillRef>
-              <a:effectRef idx="0">
-                <a:schemeClr val="accent1"/>
-              </a:effectRef>
-              <a:fontRef idx="minor">
-                <a:schemeClr val="lt1"/>
-              </a:fontRef>
-            </p:style>
-            <p:txBody>
-              <a:bodyPr rtlCol="0" anchor="ctr"/>
-              <a:lstStyle/>
-              <a:p>
-                <a:pPr algn="ctr"/>
-                <a:endParaRPr lang="en-US"/>
-              </a:p>
-            </p:txBody>
-          </p:sp>
-        </p:grpSp>
-        <p:pic>
-          <p:nvPicPr>
-            <p:cNvPr id="14" name="Picture 2" descr="image">
-              <a:extLst>
-                <a:ext uri="{FF2B5EF4-FFF2-40B4-BE49-F238E27FC236}">
-                  <a16:creationId xmlns:a16="http://schemas.microsoft.com/office/drawing/2014/main" id="{01BFD4CA-2649-424B-8B39-ED92D140E8BB}"/>
-                </a:ext>
-              </a:extLst>
-            </p:cNvPr>
-            <p:cNvPicPr>
-              <a:picLocks noChangeAspect="1" noChangeArrowheads="1"/>
-            </p:cNvPicPr>
-            <p:nvPr/>
-          </p:nvPicPr>
-          <p:blipFill rotWithShape="1">
-            <a:blip r:embed="rId3">
-              <a:extLst>
-                <a:ext uri="{28A0092B-C50C-407E-A947-70E740481C1C}">
-                  <a14:useLocalDpi xmlns:a14="http://schemas.microsoft.com/office/drawing/2010/main" val="0"/>
-                </a:ext>
-              </a:extLst>
-            </a:blip>
-            <a:srcRect l="14287" t="53875" r="25460" b="8788"/>
-            <a:stretch/>
-          </p:blipFill>
-          <p:spPr bwMode="auto">
-            <a:xfrm>
-              <a:off x="3734931" y="4738007"/>
-              <a:ext cx="1645758" cy="1642860"/>
-            </a:xfrm>
-            <a:prstGeom prst="rect">
-              <a:avLst/>
-            </a:prstGeom>
-            <a:noFill/>
-            <a:extLst>
-              <a:ext uri="{909E8E84-426E-40DD-AFC4-6F175D3DCCD1}">
-                <a14:hiddenFill xmlns:a14="http://schemas.microsoft.com/office/drawing/2010/main">
-                  <a:solidFill>
-                    <a:srgbClr val="FFFFFF"/>
-                  </a:solidFill>
-                </a14:hiddenFill>
-              </a:ext>
-            </a:extLst>
-          </p:spPr>
-        </p:pic>
-        <p:pic>
-          <p:nvPicPr>
-            <p:cNvPr id="15" name="Picture 14" descr="A picture containing outdoor object, star&#10;&#10;Description automatically generated">
-              <a:extLst>
-                <a:ext uri="{FF2B5EF4-FFF2-40B4-BE49-F238E27FC236}">
-                  <a16:creationId xmlns:a16="http://schemas.microsoft.com/office/drawing/2014/main" id="{37F9FF21-AAF1-5746-A99A-4ED7D24B3082}"/>
-                </a:ext>
-              </a:extLst>
-            </p:cNvPr>
-            <p:cNvPicPr>
-              <a:picLocks noChangeAspect="1"/>
-            </p:cNvPicPr>
-            <p:nvPr/>
-          </p:nvPicPr>
-          <p:blipFill>
-            <a:blip r:embed="rId4">
-              <a:extLst>
-                <a:ext uri="{28A0092B-C50C-407E-A947-70E740481C1C}">
-                  <a14:useLocalDpi xmlns:a14="http://schemas.microsoft.com/office/drawing/2010/main" val="0"/>
-                </a:ext>
-              </a:extLst>
-            </a:blip>
-            <a:stretch>
-              <a:fillRect/>
-            </a:stretch>
-          </p:blipFill>
-          <p:spPr>
-            <a:xfrm>
-              <a:off x="3734931" y="6380867"/>
-              <a:ext cx="1645758" cy="1642860"/>
-            </a:xfrm>
-            <a:prstGeom prst="rect">
-              <a:avLst/>
-            </a:prstGeom>
-          </p:spPr>
-        </p:pic>
-      </p:grpSp>
       <p:sp>
         <p:nvSpPr>
           <p:cNvPr id="18" name="Title 3">
